--- a/2025_Б_ПІ_ПЗПІ_21_2_Буцулін_І_О.pptx
+++ b/2025_Б_ПІ_ПЗПІ_21_2_Буцулін_І_О.pptx
@@ -25,8 +25,8 @@
     <p:sldId id="271" r:id="rId16"/>
     <p:sldId id="273" r:id="rId17"/>
     <p:sldId id="274" r:id="rId18"/>
-    <p:sldId id="279" r:id="rId19"/>
-    <p:sldId id="280" r:id="rId20"/>
+    <p:sldId id="280" r:id="rId19"/>
+    <p:sldId id="279" r:id="rId20"/>
     <p:sldId id="282" r:id="rId21"/>
     <p:sldId id="272" r:id="rId22"/>
     <p:sldId id="275" r:id="rId23"/>
@@ -324,7 +324,7 @@
       </p15:sldGuideLst>
     </p:ext>
     <p:ext uri="GoogleSlidesCustomDataVersion2">
-      <go:slidesCustomData xmlns="" xmlns:mc="http://schemas.openxmlformats.org/markup-compatibility/2006" xmlns:mv="urn:schemas-microsoft-com:mac:vml" xmlns:c="http://schemas.openxmlformats.org/drawingml/2006/chart" xmlns:dgm="http://schemas.openxmlformats.org/drawingml/2006/diagram" xmlns:o="urn:schemas-microsoft-com:office:office" xmlns:v="urn:schemas-microsoft-com:vml" xmlns:pvml="urn:schemas-microsoft-com:office:powerpoint" xmlns:com="http://schemas.openxmlformats.org/drawingml/2006/compatibility" xmlns:p14="http://schemas.microsoft.com/office/powerpoint/2010/main" xmlns:p15="http://schemas.microsoft.com/office/powerpoint/2012/main" xmlns:ahyp="http://schemas.microsoft.com/office/drawing/2018/hyperlinkcolor" xmlns:go="http://customooxmlschemas.google.com/" r:id="rId51" roundtripDataSignature="AMtx7miUYlyq3vmmdvuw5FS7PGO8N4jp3g=="/>
+      <go:slidesCustomData xmlns:go="http://customooxmlschemas.google.com/" xmlns:ahyp="http://schemas.microsoft.com/office/drawing/2018/hyperlinkcolor" xmlns:p15="http://schemas.microsoft.com/office/powerpoint/2012/main" xmlns:p14="http://schemas.microsoft.com/office/powerpoint/2010/main" xmlns:com="http://schemas.openxmlformats.org/drawingml/2006/compatibility" xmlns:pvml="urn:schemas-microsoft-com:office:powerpoint" xmlns:v="urn:schemas-microsoft-com:vml" xmlns:o="urn:schemas-microsoft-com:office:office" xmlns:dgm="http://schemas.openxmlformats.org/drawingml/2006/diagram" xmlns:c="http://schemas.openxmlformats.org/drawingml/2006/chart" xmlns:mv="urn:schemas-microsoft-com:mac:vml" xmlns:mc="http://schemas.openxmlformats.org/markup-compatibility/2006" xmlns="" r:id="rId51" roundtripDataSignature="AMtx7miUYlyq3vmmdvuw5FS7PGO8N4jp3g=="/>
     </p:ext>
   </p:extLst>
 </p:presentation>
@@ -1019,11 +1019,4502 @@
               <a:buSzPts val="1100"/>
               <a:buNone/>
             </a:pPr>
-            <a:endParaRPr/>
+            <a:r>
+              <a:rPr lang="ru-RU" dirty="0" err="1"/>
+              <a:t>Вітаю</a:t>
+            </a:r>
+            <a:r>
+              <a:rPr lang="ru-RU" dirty="0"/>
+              <a:t> </a:t>
+            </a:r>
+            <a:r>
+              <a:rPr lang="ru-RU" dirty="0" err="1"/>
+              <a:t>шановних</a:t>
+            </a:r>
+            <a:r>
+              <a:rPr lang="ru-RU" dirty="0"/>
+              <a:t> </a:t>
+            </a:r>
+            <a:r>
+              <a:rPr lang="ru-RU" dirty="0" err="1"/>
+              <a:t>членів</a:t>
+            </a:r>
+            <a:r>
+              <a:rPr lang="ru-RU" dirty="0"/>
+              <a:t> </a:t>
+            </a:r>
+            <a:r>
+              <a:rPr lang="ru-RU" dirty="0" err="1"/>
+              <a:t>екзаменційної</a:t>
+            </a:r>
+            <a:r>
+              <a:rPr lang="ru-RU" dirty="0"/>
+              <a:t> </a:t>
+            </a:r>
+            <a:r>
+              <a:rPr lang="ru-RU" dirty="0" err="1"/>
+              <a:t>комісії</a:t>
+            </a:r>
+            <a:r>
+              <a:rPr lang="ru-RU" dirty="0"/>
+              <a:t>. Представляю </a:t>
+            </a:r>
+            <a:r>
+              <a:rPr lang="ru-RU" dirty="0" err="1"/>
+              <a:t>вашій</a:t>
+            </a:r>
+            <a:r>
+              <a:rPr lang="ru-RU" dirty="0"/>
+              <a:t> </a:t>
+            </a:r>
+            <a:r>
+              <a:rPr lang="ru-RU" dirty="0" err="1"/>
+              <a:t>увазі</a:t>
+            </a:r>
+            <a:r>
+              <a:rPr lang="ru-RU" dirty="0"/>
+              <a:t> </a:t>
+            </a:r>
+            <a:r>
+              <a:rPr lang="ru-RU" dirty="0" err="1"/>
+              <a:t>Бекенд</a:t>
+            </a:r>
+            <a:r>
+              <a:rPr lang="ru-RU" dirty="0"/>
+              <a:t> </a:t>
+            </a:r>
+            <a:r>
+              <a:rPr lang="ru-RU" dirty="0" err="1"/>
+              <a:t>частину</a:t>
+            </a:r>
+            <a:r>
+              <a:rPr lang="ru-RU" dirty="0"/>
+              <a:t> </a:t>
+            </a:r>
+            <a:r>
+              <a:rPr lang="ru-RU" dirty="0" err="1"/>
+              <a:t>програмної</a:t>
+            </a:r>
+            <a:r>
+              <a:rPr lang="ru-RU" dirty="0"/>
+              <a:t> </a:t>
+            </a:r>
+            <a:r>
+              <a:rPr lang="ru-RU" dirty="0" err="1"/>
+              <a:t>системи</a:t>
+            </a:r>
+            <a:r>
+              <a:rPr lang="ru-RU" dirty="0"/>
+              <a:t> для </a:t>
+            </a:r>
+            <a:r>
+              <a:rPr lang="ru-RU" dirty="0" err="1"/>
+              <a:t>зберігання</a:t>
+            </a:r>
+            <a:r>
+              <a:rPr lang="ru-RU" dirty="0"/>
+              <a:t> </a:t>
+            </a:r>
+            <a:r>
+              <a:rPr lang="ru-RU" dirty="0" err="1"/>
+              <a:t>особистих</a:t>
+            </a:r>
+            <a:r>
+              <a:rPr lang="ru-RU" dirty="0"/>
+              <a:t> </a:t>
+            </a:r>
+            <a:r>
+              <a:rPr lang="ru-RU" dirty="0" err="1"/>
+              <a:t>файлів</a:t>
+            </a:r>
+            <a:r>
+              <a:rPr lang="ru-RU" dirty="0"/>
+              <a:t>.</a:t>
+            </a:r>
+            <a:endParaRPr dirty="0"/>
           </a:p>
         </p:txBody>
       </p:sp>
     </p:spTree>
+  </p:cSld>
+  <p:clrMapOvr>
+    <a:masterClrMapping/>
+  </p:clrMapOvr>
+</p:notes>
+</file>
+
+<file path=ppt/notesSlides/notesSlide10.xml><?xml version="1.0" encoding="utf-8"?>
+<p:notes xmlns:a="http://schemas.openxmlformats.org/drawingml/2006/main" xmlns:r="http://schemas.openxmlformats.org/officeDocument/2006/relationships" xmlns:p="http://schemas.openxmlformats.org/presentationml/2006/main">
+  <p:cSld>
+    <p:spTree>
+      <p:nvGrpSpPr>
+        <p:cNvPr id="1" name=""/>
+        <p:cNvGrpSpPr/>
+        <p:nvPr/>
+      </p:nvGrpSpPr>
+      <p:grpSpPr>
+        <a:xfrm>
+          <a:off x="0" y="0"/>
+          <a:ext cx="0" cy="0"/>
+          <a:chOff x="0" y="0"/>
+          <a:chExt cx="0" cy="0"/>
+        </a:xfrm>
+      </p:grpSpPr>
+      <p:sp>
+        <p:nvSpPr>
+          <p:cNvPr id="2" name="Slide Image Placeholder 1"/>
+          <p:cNvSpPr>
+            <a:spLocks noGrp="1" noRot="1" noChangeAspect="1"/>
+          </p:cNvSpPr>
+          <p:nvPr>
+            <p:ph type="sldImg"/>
+          </p:nvPr>
+        </p:nvSpPr>
+        <p:spPr>
+          <a:xfrm>
+            <a:off x="381000" y="685800"/>
+            <a:ext cx="6096000" cy="3429000"/>
+          </a:xfrm>
+        </p:spPr>
+      </p:sp>
+      <p:sp>
+        <p:nvSpPr>
+          <p:cNvPr id="3" name="Notes Placeholder 2"/>
+          <p:cNvSpPr>
+            <a:spLocks noGrp="1"/>
+          </p:cNvSpPr>
+          <p:nvPr>
+            <p:ph type="body" idx="1"/>
+          </p:nvPr>
+        </p:nvSpPr>
+        <p:spPr/>
+        <p:txBody>
+          <a:bodyPr/>
+          <a:lstStyle/>
+          <a:p>
+            <a:pPr marL="158750" indent="0">
+              <a:buNone/>
+            </a:pPr>
+            <a:r>
+              <a:rPr lang="ru-RU" dirty="0"/>
+              <a:t>Для </a:t>
+            </a:r>
+            <a:r>
+              <a:rPr lang="ru-RU" dirty="0" err="1"/>
+              <a:t>цього</a:t>
+            </a:r>
+            <a:r>
+              <a:rPr lang="ru-RU" dirty="0"/>
+              <a:t> </a:t>
+            </a:r>
+            <a:r>
+              <a:rPr lang="ru-RU" dirty="0" err="1"/>
+              <a:t>сформуємо</a:t>
+            </a:r>
+            <a:r>
+              <a:rPr lang="ru-RU" dirty="0"/>
+              <a:t> три </a:t>
+            </a:r>
+            <a:r>
+              <a:rPr lang="ru-RU" dirty="0" err="1"/>
+              <a:t>ключові</a:t>
+            </a:r>
+            <a:r>
+              <a:rPr lang="ru-RU" dirty="0"/>
+              <a:t> </a:t>
+            </a:r>
+            <a:r>
+              <a:rPr lang="ru-RU" dirty="0" err="1"/>
+              <a:t>сутності</a:t>
+            </a:r>
+            <a:r>
+              <a:rPr lang="ru-RU" dirty="0"/>
+              <a:t> </a:t>
+            </a:r>
+            <a:r>
+              <a:rPr lang="ru-RU" dirty="0" err="1"/>
+              <a:t>застосунку</a:t>
+            </a:r>
+            <a:r>
+              <a:rPr lang="ru-RU" dirty="0"/>
+              <a:t>: </a:t>
+            </a:r>
+            <a:r>
+              <a:rPr lang="ru-RU" dirty="0" err="1"/>
+              <a:t>користувач</a:t>
+            </a:r>
+            <a:r>
+              <a:rPr lang="ru-RU" dirty="0"/>
+              <a:t>, </a:t>
+            </a:r>
+            <a:r>
+              <a:rPr lang="ru-RU" dirty="0" err="1"/>
+              <a:t>директорія</a:t>
+            </a:r>
+            <a:r>
+              <a:rPr lang="ru-RU" dirty="0"/>
+              <a:t> та файл, а також </a:t>
+            </a:r>
+            <a:r>
+              <a:rPr lang="ru-RU" dirty="0" err="1"/>
+              <a:t>дві</a:t>
+            </a:r>
+            <a:r>
+              <a:rPr lang="ru-RU" dirty="0"/>
+              <a:t> </a:t>
+            </a:r>
+            <a:r>
+              <a:rPr lang="ru-RU" dirty="0" err="1"/>
+              <a:t>вторинні</a:t>
+            </a:r>
+            <a:r>
+              <a:rPr lang="ru-RU" dirty="0"/>
+              <a:t> </a:t>
+            </a:r>
+            <a:r>
+              <a:rPr lang="ru-RU" dirty="0" err="1"/>
+              <a:t>Сессія</a:t>
+            </a:r>
+            <a:r>
+              <a:rPr lang="ru-RU" dirty="0"/>
+              <a:t> й атрибут.</a:t>
+            </a:r>
+            <a:endParaRPr lang="en-GB" dirty="0"/>
+          </a:p>
+        </p:txBody>
+      </p:sp>
+    </p:spTree>
+    <p:extLst>
+      <p:ext uri="{BB962C8B-B14F-4D97-AF65-F5344CB8AC3E}">
+        <p14:creationId xmlns:p14="http://schemas.microsoft.com/office/powerpoint/2010/main" val="1573681383"/>
+      </p:ext>
+    </p:extLst>
+  </p:cSld>
+  <p:clrMapOvr>
+    <a:masterClrMapping/>
+  </p:clrMapOvr>
+</p:notes>
+</file>
+
+<file path=ppt/notesSlides/notesSlide11.xml><?xml version="1.0" encoding="utf-8"?>
+<p:notes xmlns:a="http://schemas.openxmlformats.org/drawingml/2006/main" xmlns:r="http://schemas.openxmlformats.org/officeDocument/2006/relationships" xmlns:p="http://schemas.openxmlformats.org/presentationml/2006/main">
+  <p:cSld>
+    <p:spTree>
+      <p:nvGrpSpPr>
+        <p:cNvPr id="1" name=""/>
+        <p:cNvGrpSpPr/>
+        <p:nvPr/>
+      </p:nvGrpSpPr>
+      <p:grpSpPr>
+        <a:xfrm>
+          <a:off x="0" y="0"/>
+          <a:ext cx="0" cy="0"/>
+          <a:chOff x="0" y="0"/>
+          <a:chExt cx="0" cy="0"/>
+        </a:xfrm>
+      </p:grpSpPr>
+      <p:sp>
+        <p:nvSpPr>
+          <p:cNvPr id="2" name="Slide Image Placeholder 1"/>
+          <p:cNvSpPr>
+            <a:spLocks noGrp="1" noRot="1" noChangeAspect="1"/>
+          </p:cNvSpPr>
+          <p:nvPr>
+            <p:ph type="sldImg"/>
+          </p:nvPr>
+        </p:nvSpPr>
+        <p:spPr>
+          <a:xfrm>
+            <a:off x="381000" y="685800"/>
+            <a:ext cx="6096000" cy="3429000"/>
+          </a:xfrm>
+        </p:spPr>
+      </p:sp>
+      <p:sp>
+        <p:nvSpPr>
+          <p:cNvPr id="3" name="Notes Placeholder 2"/>
+          <p:cNvSpPr>
+            <a:spLocks noGrp="1"/>
+          </p:cNvSpPr>
+          <p:nvPr>
+            <p:ph type="body" idx="1"/>
+          </p:nvPr>
+        </p:nvSpPr>
+        <p:spPr/>
+        <p:txBody>
+          <a:bodyPr/>
+          <a:lstStyle/>
+          <a:p>
+            <a:pPr marL="158750" indent="0">
+              <a:buNone/>
+            </a:pPr>
+            <a:r>
+              <a:rPr lang="ru-RU" dirty="0" err="1"/>
+              <a:t>Застосунок</a:t>
+            </a:r>
+            <a:r>
+              <a:rPr lang="ru-RU" dirty="0"/>
+              <a:t> </a:t>
+            </a:r>
+            <a:r>
+              <a:rPr lang="ru-RU" dirty="0" err="1"/>
+              <a:t>зробимо</a:t>
+            </a:r>
+            <a:r>
+              <a:rPr lang="ru-RU" dirty="0"/>
+              <a:t> </a:t>
+            </a:r>
+            <a:r>
+              <a:rPr lang="ru-RU" dirty="0" err="1"/>
+              <a:t>мікросервісним</a:t>
+            </a:r>
+            <a:r>
+              <a:rPr lang="ru-RU" dirty="0"/>
+              <a:t>, </a:t>
+            </a:r>
+            <a:r>
+              <a:rPr lang="ru-RU" dirty="0" err="1"/>
+              <a:t>розділивши</a:t>
+            </a:r>
+            <a:r>
+              <a:rPr lang="ru-RU" dirty="0"/>
+              <a:t> </a:t>
+            </a:r>
+            <a:r>
+              <a:rPr lang="ru-RU" dirty="0" err="1"/>
+              <a:t>його</a:t>
+            </a:r>
+            <a:r>
+              <a:rPr lang="ru-RU" dirty="0"/>
+              <a:t> на 3 </a:t>
+            </a:r>
+            <a:r>
+              <a:rPr lang="ru-RU" dirty="0" err="1"/>
+              <a:t>сервіси</a:t>
+            </a:r>
+            <a:r>
+              <a:rPr lang="ru-RU" dirty="0"/>
+              <a:t>: </a:t>
+            </a:r>
+            <a:r>
+              <a:rPr lang="ru-RU" dirty="0" err="1"/>
+              <a:t>сервіс</a:t>
+            </a:r>
+            <a:r>
+              <a:rPr lang="ru-RU" dirty="0"/>
+              <a:t> </a:t>
+            </a:r>
+            <a:r>
+              <a:rPr lang="ru-RU" dirty="0" err="1"/>
+              <a:t>автентифікації</a:t>
+            </a:r>
+            <a:r>
+              <a:rPr lang="ru-RU" dirty="0"/>
+              <a:t>, </a:t>
+            </a:r>
+            <a:r>
+              <a:rPr lang="ru-RU" dirty="0" err="1"/>
+              <a:t>сервіс</a:t>
+            </a:r>
+            <a:r>
+              <a:rPr lang="ru-RU" dirty="0"/>
+              <a:t> </a:t>
+            </a:r>
+            <a:r>
+              <a:rPr lang="ru-RU" dirty="0" err="1"/>
+              <a:t>файлів</a:t>
+            </a:r>
+            <a:r>
+              <a:rPr lang="ru-RU" dirty="0"/>
+              <a:t> та менеджер </a:t>
+            </a:r>
+            <a:r>
+              <a:rPr lang="ru-RU" dirty="0" err="1"/>
+              <a:t>файлової</a:t>
+            </a:r>
+            <a:r>
+              <a:rPr lang="ru-RU" dirty="0"/>
+              <a:t> </a:t>
+            </a:r>
+            <a:r>
+              <a:rPr lang="ru-RU" dirty="0" err="1"/>
+              <a:t>системи</a:t>
+            </a:r>
+            <a:r>
+              <a:rPr lang="ru-RU" dirty="0"/>
+              <a:t>.</a:t>
+            </a:r>
+            <a:endParaRPr lang="en-GB" dirty="0"/>
+          </a:p>
+        </p:txBody>
+      </p:sp>
+    </p:spTree>
+    <p:extLst>
+      <p:ext uri="{BB962C8B-B14F-4D97-AF65-F5344CB8AC3E}">
+        <p14:creationId xmlns:p14="http://schemas.microsoft.com/office/powerpoint/2010/main" val="3236440522"/>
+      </p:ext>
+    </p:extLst>
+  </p:cSld>
+  <p:clrMapOvr>
+    <a:masterClrMapping/>
+  </p:clrMapOvr>
+</p:notes>
+</file>
+
+<file path=ppt/notesSlides/notesSlide12.xml><?xml version="1.0" encoding="utf-8"?>
+<p:notes xmlns:a="http://schemas.openxmlformats.org/drawingml/2006/main" xmlns:r="http://schemas.openxmlformats.org/officeDocument/2006/relationships" xmlns:p="http://schemas.openxmlformats.org/presentationml/2006/main">
+  <p:cSld>
+    <p:spTree>
+      <p:nvGrpSpPr>
+        <p:cNvPr id="1" name=""/>
+        <p:cNvGrpSpPr/>
+        <p:nvPr/>
+      </p:nvGrpSpPr>
+      <p:grpSpPr>
+        <a:xfrm>
+          <a:off x="0" y="0"/>
+          <a:ext cx="0" cy="0"/>
+          <a:chOff x="0" y="0"/>
+          <a:chExt cx="0" cy="0"/>
+        </a:xfrm>
+      </p:grpSpPr>
+      <p:sp>
+        <p:nvSpPr>
+          <p:cNvPr id="2" name="Slide Image Placeholder 1"/>
+          <p:cNvSpPr>
+            <a:spLocks noGrp="1" noRot="1" noChangeAspect="1"/>
+          </p:cNvSpPr>
+          <p:nvPr>
+            <p:ph type="sldImg"/>
+          </p:nvPr>
+        </p:nvSpPr>
+        <p:spPr>
+          <a:xfrm>
+            <a:off x="381000" y="685800"/>
+            <a:ext cx="6096000" cy="3429000"/>
+          </a:xfrm>
+        </p:spPr>
+      </p:sp>
+      <p:sp>
+        <p:nvSpPr>
+          <p:cNvPr id="3" name="Notes Placeholder 2"/>
+          <p:cNvSpPr>
+            <a:spLocks noGrp="1"/>
+          </p:cNvSpPr>
+          <p:nvPr>
+            <p:ph type="body" idx="1"/>
+          </p:nvPr>
+        </p:nvSpPr>
+        <p:spPr/>
+        <p:txBody>
+          <a:bodyPr/>
+          <a:lstStyle/>
+          <a:p>
+            <a:pPr marL="158750" indent="0">
+              <a:buNone/>
+            </a:pPr>
+            <a:r>
+              <a:rPr lang="ru-RU" dirty="0"/>
+              <a:t>У </a:t>
+            </a:r>
+            <a:r>
+              <a:rPr lang="ru-RU" dirty="0" err="1"/>
+              <a:t>якості</a:t>
+            </a:r>
+            <a:r>
+              <a:rPr lang="ru-RU" dirty="0"/>
+              <a:t> </a:t>
+            </a:r>
+            <a:r>
+              <a:rPr lang="ru-RU" dirty="0" err="1"/>
+              <a:t>мови</a:t>
+            </a:r>
+            <a:r>
+              <a:rPr lang="ru-RU" dirty="0"/>
+              <a:t> </a:t>
+            </a:r>
+            <a:r>
+              <a:rPr lang="ru-RU" dirty="0" err="1"/>
+              <a:t>програмування</a:t>
+            </a:r>
+            <a:r>
+              <a:rPr lang="ru-RU" dirty="0"/>
+              <a:t> </a:t>
+            </a:r>
+            <a:r>
+              <a:rPr lang="ru-RU" dirty="0" err="1"/>
+              <a:t>використаємо</a:t>
+            </a:r>
+            <a:r>
+              <a:rPr lang="ru-RU" dirty="0"/>
+              <a:t> Go. </a:t>
+            </a:r>
+            <a:r>
+              <a:rPr lang="ru-RU" dirty="0" err="1"/>
+              <a:t>Це</a:t>
+            </a:r>
+            <a:r>
+              <a:rPr lang="ru-RU" dirty="0"/>
+              <a:t> </a:t>
+            </a:r>
+            <a:r>
+              <a:rPr lang="ru-RU" dirty="0" err="1"/>
+              <a:t>сучасна</a:t>
+            </a:r>
+            <a:r>
+              <a:rPr lang="ru-RU" dirty="0"/>
+              <a:t> </a:t>
+            </a:r>
+            <a:r>
+              <a:rPr lang="ru-RU" dirty="0" err="1"/>
+              <a:t>швидка</a:t>
+            </a:r>
+            <a:r>
+              <a:rPr lang="ru-RU" dirty="0"/>
+              <a:t> </a:t>
+            </a:r>
+            <a:r>
+              <a:rPr lang="ru-RU" dirty="0" err="1"/>
+              <a:t>компільована</a:t>
+            </a:r>
+            <a:r>
+              <a:rPr lang="ru-RU" dirty="0"/>
+              <a:t> мова, </a:t>
+            </a:r>
+            <a:r>
+              <a:rPr lang="ru-RU" dirty="0" err="1"/>
+              <a:t>що</a:t>
+            </a:r>
+            <a:r>
+              <a:rPr lang="ru-RU" dirty="0"/>
+              <a:t> </a:t>
+            </a:r>
+            <a:r>
+              <a:rPr lang="ru-RU" dirty="0" err="1"/>
+              <a:t>розроблена</a:t>
+            </a:r>
+            <a:r>
+              <a:rPr lang="ru-RU" dirty="0"/>
+              <a:t> </a:t>
+            </a:r>
+            <a:r>
+              <a:rPr lang="ru-RU" dirty="0" err="1"/>
+              <a:t>корпорацією</a:t>
+            </a:r>
+            <a:r>
+              <a:rPr lang="ru-RU" dirty="0"/>
+              <a:t> Google з акцентом на параллельному </a:t>
+            </a:r>
+            <a:r>
+              <a:rPr lang="ru-RU" dirty="0" err="1"/>
+              <a:t>програмуванні</a:t>
+            </a:r>
+            <a:r>
+              <a:rPr lang="ru-RU" dirty="0"/>
+              <a:t>.</a:t>
+            </a:r>
+            <a:endParaRPr lang="en-GB" dirty="0"/>
+          </a:p>
+        </p:txBody>
+      </p:sp>
+    </p:spTree>
+    <p:extLst>
+      <p:ext uri="{BB962C8B-B14F-4D97-AF65-F5344CB8AC3E}">
+        <p14:creationId xmlns:p14="http://schemas.microsoft.com/office/powerpoint/2010/main" val="2536047443"/>
+      </p:ext>
+    </p:extLst>
+  </p:cSld>
+  <p:clrMapOvr>
+    <a:masterClrMapping/>
+  </p:clrMapOvr>
+</p:notes>
+</file>
+
+<file path=ppt/notesSlides/notesSlide13.xml><?xml version="1.0" encoding="utf-8"?>
+<p:notes xmlns:a="http://schemas.openxmlformats.org/drawingml/2006/main" xmlns:r="http://schemas.openxmlformats.org/officeDocument/2006/relationships" xmlns:p="http://schemas.openxmlformats.org/presentationml/2006/main">
+  <p:cSld>
+    <p:spTree>
+      <p:nvGrpSpPr>
+        <p:cNvPr id="1" name=""/>
+        <p:cNvGrpSpPr/>
+        <p:nvPr/>
+      </p:nvGrpSpPr>
+      <p:grpSpPr>
+        <a:xfrm>
+          <a:off x="0" y="0"/>
+          <a:ext cx="0" cy="0"/>
+          <a:chOff x="0" y="0"/>
+          <a:chExt cx="0" cy="0"/>
+        </a:xfrm>
+      </p:grpSpPr>
+      <p:sp>
+        <p:nvSpPr>
+          <p:cNvPr id="2" name="Slide Image Placeholder 1"/>
+          <p:cNvSpPr>
+            <a:spLocks noGrp="1" noRot="1" noChangeAspect="1"/>
+          </p:cNvSpPr>
+          <p:nvPr>
+            <p:ph type="sldImg"/>
+          </p:nvPr>
+        </p:nvSpPr>
+        <p:spPr>
+          <a:xfrm>
+            <a:off x="381000" y="685800"/>
+            <a:ext cx="6096000" cy="3429000"/>
+          </a:xfrm>
+        </p:spPr>
+      </p:sp>
+      <p:sp>
+        <p:nvSpPr>
+          <p:cNvPr id="3" name="Notes Placeholder 2"/>
+          <p:cNvSpPr>
+            <a:spLocks noGrp="1"/>
+          </p:cNvSpPr>
+          <p:nvPr>
+            <p:ph type="body" idx="1"/>
+          </p:nvPr>
+        </p:nvSpPr>
+        <p:spPr/>
+        <p:txBody>
+          <a:bodyPr/>
+          <a:lstStyle/>
+          <a:p>
+            <a:pPr marL="158750" indent="0">
+              <a:buNone/>
+            </a:pPr>
+            <a:r>
+              <a:rPr lang="ru-RU" dirty="0"/>
+              <a:t>У </a:t>
+            </a:r>
+            <a:r>
+              <a:rPr lang="ru-RU" dirty="0" err="1"/>
+              <a:t>якості</a:t>
+            </a:r>
+            <a:r>
+              <a:rPr lang="ru-RU" dirty="0"/>
+              <a:t> </a:t>
+            </a:r>
+            <a:r>
+              <a:rPr lang="ru-RU" dirty="0" err="1"/>
+              <a:t>субд</a:t>
+            </a:r>
+            <a:r>
+              <a:rPr lang="ru-RU" dirty="0"/>
+              <a:t> </a:t>
+            </a:r>
+            <a:r>
+              <a:rPr lang="ru-RU" dirty="0" err="1"/>
+              <a:t>використаємо</a:t>
+            </a:r>
+            <a:r>
+              <a:rPr lang="ru-RU" dirty="0"/>
+              <a:t> </a:t>
+            </a:r>
+            <a:r>
+              <a:rPr lang="ru-RU" dirty="0" err="1"/>
+              <a:t>документо-орієнтовану</a:t>
+            </a:r>
+            <a:r>
+              <a:rPr lang="ru-RU" dirty="0"/>
+              <a:t> </a:t>
+            </a:r>
+            <a:r>
+              <a:rPr lang="en-GB" dirty="0"/>
+              <a:t>MongoDB </a:t>
+            </a:r>
+            <a:r>
+              <a:rPr lang="ru-RU" dirty="0"/>
+              <a:t>через </a:t>
+            </a:r>
+            <a:r>
+              <a:rPr lang="ru-RU" dirty="0" err="1"/>
+              <a:t>підтримку</a:t>
+            </a:r>
+            <a:r>
+              <a:rPr lang="ru-RU" dirty="0"/>
+              <a:t> нею </a:t>
+            </a:r>
+            <a:r>
+              <a:rPr lang="ru-RU" dirty="0" err="1"/>
+              <a:t>складних</a:t>
+            </a:r>
+            <a:r>
+              <a:rPr lang="ru-RU" dirty="0"/>
+              <a:t> </a:t>
+            </a:r>
+            <a:r>
+              <a:rPr lang="ru-RU" dirty="0" err="1"/>
+              <a:t>запитів</a:t>
+            </a:r>
+            <a:r>
+              <a:rPr lang="ru-RU" dirty="0"/>
+              <a:t> </a:t>
+            </a:r>
+            <a:r>
+              <a:rPr lang="ru-RU" dirty="0" err="1"/>
+              <a:t>агрегації</a:t>
+            </a:r>
+            <a:r>
+              <a:rPr lang="ru-RU" dirty="0"/>
+              <a:t> без </a:t>
+            </a:r>
+            <a:r>
+              <a:rPr lang="ru-RU" dirty="0" err="1"/>
+              <a:t>додаткових</a:t>
+            </a:r>
+            <a:r>
+              <a:rPr lang="ru-RU" dirty="0"/>
+              <a:t> </a:t>
+            </a:r>
+            <a:r>
+              <a:rPr lang="ru-RU" dirty="0" err="1"/>
+              <a:t>втрат</a:t>
+            </a:r>
+            <a:r>
+              <a:rPr lang="ru-RU" dirty="0"/>
+              <a:t>.. </a:t>
+            </a:r>
+            <a:r>
+              <a:rPr lang="ru-RU" dirty="0" err="1"/>
+              <a:t>Відзначимо</a:t>
+            </a:r>
+            <a:r>
+              <a:rPr lang="ru-RU" dirty="0"/>
+              <a:t>, </a:t>
+            </a:r>
+            <a:r>
+              <a:rPr lang="ru-RU" dirty="0" err="1"/>
+              <a:t>що</a:t>
+            </a:r>
+            <a:r>
+              <a:rPr lang="ru-RU" dirty="0"/>
+              <a:t> </a:t>
+            </a:r>
+            <a:r>
+              <a:rPr lang="ru-RU" dirty="0" err="1"/>
+              <a:t>кожен</a:t>
+            </a:r>
+            <a:r>
+              <a:rPr lang="ru-RU" dirty="0"/>
+              <a:t> запит до </a:t>
+            </a:r>
+            <a:r>
+              <a:rPr lang="ru-RU" dirty="0" err="1"/>
+              <a:t>неї</a:t>
+            </a:r>
+            <a:r>
+              <a:rPr lang="ru-RU" dirty="0"/>
+              <a:t> є </a:t>
+            </a:r>
+            <a:r>
+              <a:rPr lang="ru-RU" dirty="0" err="1"/>
+              <a:t>атомарним</a:t>
+            </a:r>
+            <a:r>
+              <a:rPr lang="ru-RU" dirty="0"/>
+              <a:t>. </a:t>
+            </a:r>
+            <a:r>
+              <a:rPr lang="ru-RU" dirty="0" err="1"/>
+              <a:t>Ненормалізована</a:t>
+            </a:r>
+            <a:r>
+              <a:rPr lang="ru-RU" dirty="0"/>
+              <a:t> база </a:t>
+            </a:r>
+            <a:r>
+              <a:rPr lang="ru-RU" dirty="0" err="1"/>
+              <a:t>даних</a:t>
+            </a:r>
+            <a:r>
+              <a:rPr lang="ru-RU" dirty="0"/>
+              <a:t> дозволить нам </a:t>
+            </a:r>
+            <a:r>
+              <a:rPr lang="ru-RU" dirty="0" err="1"/>
+              <a:t>оптимізувати</a:t>
+            </a:r>
+            <a:r>
+              <a:rPr lang="ru-RU" dirty="0"/>
+              <a:t> </a:t>
+            </a:r>
+            <a:r>
+              <a:rPr lang="ru-RU" dirty="0" err="1"/>
+              <a:t>швидкість</a:t>
+            </a:r>
+            <a:r>
+              <a:rPr lang="ru-RU" dirty="0"/>
+              <a:t>  </a:t>
+            </a:r>
+            <a:r>
+              <a:rPr lang="ru-RU" dirty="0" err="1"/>
+              <a:t>отримання</a:t>
+            </a:r>
+            <a:r>
+              <a:rPr lang="ru-RU" dirty="0"/>
+              <a:t> </a:t>
+            </a:r>
+            <a:r>
+              <a:rPr lang="ru-RU" dirty="0" err="1"/>
+              <a:t>даних</a:t>
+            </a:r>
+            <a:r>
+              <a:rPr lang="ru-RU" dirty="0"/>
+              <a:t>. </a:t>
+            </a:r>
+            <a:endParaRPr lang="en-GB" dirty="0"/>
+          </a:p>
+        </p:txBody>
+      </p:sp>
+    </p:spTree>
+    <p:extLst>
+      <p:ext uri="{BB962C8B-B14F-4D97-AF65-F5344CB8AC3E}">
+        <p14:creationId xmlns:p14="http://schemas.microsoft.com/office/powerpoint/2010/main" val="3332319933"/>
+      </p:ext>
+    </p:extLst>
+  </p:cSld>
+  <p:clrMapOvr>
+    <a:masterClrMapping/>
+  </p:clrMapOvr>
+</p:notes>
+</file>
+
+<file path=ppt/notesSlides/notesSlide14.xml><?xml version="1.0" encoding="utf-8"?>
+<p:notes xmlns:a="http://schemas.openxmlformats.org/drawingml/2006/main" xmlns:r="http://schemas.openxmlformats.org/officeDocument/2006/relationships" xmlns:p="http://schemas.openxmlformats.org/presentationml/2006/main">
+  <p:cSld>
+    <p:spTree>
+      <p:nvGrpSpPr>
+        <p:cNvPr id="1" name=""/>
+        <p:cNvGrpSpPr/>
+        <p:nvPr/>
+      </p:nvGrpSpPr>
+      <p:grpSpPr>
+        <a:xfrm>
+          <a:off x="0" y="0"/>
+          <a:ext cx="0" cy="0"/>
+          <a:chOff x="0" y="0"/>
+          <a:chExt cx="0" cy="0"/>
+        </a:xfrm>
+      </p:grpSpPr>
+      <p:sp>
+        <p:nvSpPr>
+          <p:cNvPr id="2" name="Slide Image Placeholder 1"/>
+          <p:cNvSpPr>
+            <a:spLocks noGrp="1" noRot="1" noChangeAspect="1"/>
+          </p:cNvSpPr>
+          <p:nvPr>
+            <p:ph type="sldImg"/>
+          </p:nvPr>
+        </p:nvSpPr>
+        <p:spPr>
+          <a:xfrm>
+            <a:off x="381000" y="685800"/>
+            <a:ext cx="6096000" cy="3429000"/>
+          </a:xfrm>
+        </p:spPr>
+      </p:sp>
+      <p:sp>
+        <p:nvSpPr>
+          <p:cNvPr id="3" name="Notes Placeholder 2"/>
+          <p:cNvSpPr>
+            <a:spLocks noGrp="1"/>
+          </p:cNvSpPr>
+          <p:nvPr>
+            <p:ph type="body" idx="1"/>
+          </p:nvPr>
+        </p:nvSpPr>
+        <p:spPr/>
+        <p:txBody>
+          <a:bodyPr/>
+          <a:lstStyle/>
+          <a:p>
+            <a:pPr marL="158750" indent="0">
+              <a:buNone/>
+            </a:pPr>
+            <a:r>
+              <a:rPr lang="ru-RU" dirty="0"/>
+              <a:t>Також </a:t>
+            </a:r>
+            <a:r>
+              <a:rPr lang="ru-RU" dirty="0" err="1"/>
+              <a:t>був</a:t>
+            </a:r>
+            <a:r>
+              <a:rPr lang="ru-RU" dirty="0"/>
+              <a:t> </a:t>
+            </a:r>
+            <a:r>
+              <a:rPr lang="ru-RU" dirty="0" err="1"/>
+              <a:t>використаний</a:t>
+            </a:r>
+            <a:r>
+              <a:rPr lang="ru-RU" dirty="0"/>
+              <a:t> </a:t>
+            </a:r>
+            <a:r>
+              <a:rPr lang="ru-RU" dirty="0" err="1"/>
+              <a:t>новий</a:t>
+            </a:r>
+            <a:r>
+              <a:rPr lang="ru-RU" dirty="0"/>
+              <a:t> </a:t>
+            </a:r>
+            <a:r>
+              <a:rPr lang="ru-RU" dirty="0" err="1"/>
+              <a:t>високошвидкісний</a:t>
+            </a:r>
+            <a:r>
+              <a:rPr lang="ru-RU" dirty="0"/>
+              <a:t> HTTP-сервер </a:t>
+            </a:r>
+            <a:r>
+              <a:rPr lang="ru-RU" dirty="0" err="1"/>
+              <a:t>Caddy</a:t>
+            </a:r>
+            <a:r>
+              <a:rPr lang="ru-RU" dirty="0"/>
+              <a:t>, </a:t>
+            </a:r>
+            <a:r>
+              <a:rPr lang="ru-RU" dirty="0" err="1"/>
+              <a:t>розроблений</a:t>
+            </a:r>
+            <a:r>
+              <a:rPr lang="ru-RU" dirty="0"/>
+              <a:t> з </a:t>
+            </a:r>
+            <a:r>
+              <a:rPr lang="ru-RU" dirty="0" err="1"/>
+              <a:t>використанням</a:t>
+            </a:r>
+            <a:r>
+              <a:rPr lang="ru-RU" dirty="0"/>
+              <a:t> Go.</a:t>
+            </a:r>
+            <a:endParaRPr lang="en-GB" dirty="0"/>
+          </a:p>
+        </p:txBody>
+      </p:sp>
+    </p:spTree>
+    <p:extLst>
+      <p:ext uri="{BB962C8B-B14F-4D97-AF65-F5344CB8AC3E}">
+        <p14:creationId xmlns:p14="http://schemas.microsoft.com/office/powerpoint/2010/main" val="3609321346"/>
+      </p:ext>
+    </p:extLst>
+  </p:cSld>
+  <p:clrMapOvr>
+    <a:masterClrMapping/>
+  </p:clrMapOvr>
+</p:notes>
+</file>
+
+<file path=ppt/notesSlides/notesSlide15.xml><?xml version="1.0" encoding="utf-8"?>
+<p:notes xmlns:a="http://schemas.openxmlformats.org/drawingml/2006/main" xmlns:r="http://schemas.openxmlformats.org/officeDocument/2006/relationships" xmlns:p="http://schemas.openxmlformats.org/presentationml/2006/main">
+  <p:cSld>
+    <p:spTree>
+      <p:nvGrpSpPr>
+        <p:cNvPr id="1" name=""/>
+        <p:cNvGrpSpPr/>
+        <p:nvPr/>
+      </p:nvGrpSpPr>
+      <p:grpSpPr>
+        <a:xfrm>
+          <a:off x="0" y="0"/>
+          <a:ext cx="0" cy="0"/>
+          <a:chOff x="0" y="0"/>
+          <a:chExt cx="0" cy="0"/>
+        </a:xfrm>
+      </p:grpSpPr>
+      <p:sp>
+        <p:nvSpPr>
+          <p:cNvPr id="2" name="Slide Image Placeholder 1"/>
+          <p:cNvSpPr>
+            <a:spLocks noGrp="1" noRot="1" noChangeAspect="1"/>
+          </p:cNvSpPr>
+          <p:nvPr>
+            <p:ph type="sldImg"/>
+          </p:nvPr>
+        </p:nvSpPr>
+        <p:spPr>
+          <a:xfrm>
+            <a:off x="381000" y="685800"/>
+            <a:ext cx="6096000" cy="3429000"/>
+          </a:xfrm>
+        </p:spPr>
+      </p:sp>
+      <p:sp>
+        <p:nvSpPr>
+          <p:cNvPr id="3" name="Notes Placeholder 2"/>
+          <p:cNvSpPr>
+            <a:spLocks noGrp="1"/>
+          </p:cNvSpPr>
+          <p:nvPr>
+            <p:ph type="body" idx="1"/>
+          </p:nvPr>
+        </p:nvSpPr>
+        <p:spPr/>
+        <p:txBody>
+          <a:bodyPr/>
+          <a:lstStyle/>
+          <a:p>
+            <a:pPr marL="158750" indent="0">
+              <a:buNone/>
+            </a:pPr>
+            <a:r>
+              <a:rPr lang="ru-RU" dirty="0"/>
+              <a:t>У </a:t>
+            </a:r>
+            <a:r>
+              <a:rPr lang="ru-RU" dirty="0" err="1"/>
+              <a:t>якості</a:t>
+            </a:r>
+            <a:r>
+              <a:rPr lang="ru-RU" dirty="0"/>
+              <a:t> брокера </a:t>
+            </a:r>
+            <a:r>
+              <a:rPr lang="ru-RU" dirty="0" err="1"/>
+              <a:t>повідомлень</a:t>
+            </a:r>
+            <a:r>
+              <a:rPr lang="ru-RU" dirty="0"/>
+              <a:t> </a:t>
+            </a:r>
+            <a:r>
+              <a:rPr lang="ru-RU" dirty="0" err="1"/>
+              <a:t>встановлено</a:t>
+            </a:r>
+            <a:r>
+              <a:rPr lang="ru-RU" dirty="0"/>
+              <a:t> </a:t>
+            </a:r>
+            <a:r>
+              <a:rPr lang="en-GB" dirty="0"/>
+              <a:t>RabbitMQ </a:t>
+            </a:r>
+            <a:r>
+              <a:rPr lang="ru-RU" dirty="0"/>
+              <a:t>через </a:t>
+            </a:r>
+            <a:r>
+              <a:rPr lang="ru-RU" dirty="0" err="1"/>
+              <a:t>вбудовану</a:t>
+            </a:r>
+            <a:r>
+              <a:rPr lang="ru-RU" dirty="0"/>
+              <a:t> </a:t>
+            </a:r>
+            <a:r>
+              <a:rPr lang="ru-RU" dirty="0" err="1"/>
+              <a:t>підтримку</a:t>
+            </a:r>
+            <a:r>
+              <a:rPr lang="ru-RU" dirty="0"/>
+              <a:t> режиму </a:t>
+            </a:r>
+            <a:r>
+              <a:rPr lang="en-GB" dirty="0"/>
+              <a:t>fanout </a:t>
+            </a:r>
+            <a:r>
+              <a:rPr lang="ru-RU" dirty="0"/>
+              <a:t>для </a:t>
+            </a:r>
+            <a:r>
+              <a:rPr lang="ru-RU" dirty="0" err="1"/>
+              <a:t>реалізації</a:t>
+            </a:r>
+            <a:r>
+              <a:rPr lang="ru-RU" dirty="0"/>
+              <a:t> </a:t>
+            </a:r>
+            <a:r>
+              <a:rPr lang="ru-RU" dirty="0" err="1"/>
+              <a:t>патерну</a:t>
+            </a:r>
+            <a:r>
+              <a:rPr lang="ru-RU" dirty="0"/>
+              <a:t> </a:t>
+            </a:r>
+            <a:r>
+              <a:rPr lang="en-GB" dirty="0" err="1"/>
+              <a:t>PubSub</a:t>
+            </a:r>
+            <a:endParaRPr lang="en-GB" dirty="0"/>
+          </a:p>
+        </p:txBody>
+      </p:sp>
+    </p:spTree>
+    <p:extLst>
+      <p:ext uri="{BB962C8B-B14F-4D97-AF65-F5344CB8AC3E}">
+        <p14:creationId xmlns:p14="http://schemas.microsoft.com/office/powerpoint/2010/main" val="3600978611"/>
+      </p:ext>
+    </p:extLst>
+  </p:cSld>
+  <p:clrMapOvr>
+    <a:masterClrMapping/>
+  </p:clrMapOvr>
+</p:notes>
+</file>
+
+<file path=ppt/notesSlides/notesSlide16.xml><?xml version="1.0" encoding="utf-8"?>
+<p:notes xmlns:a="http://schemas.openxmlformats.org/drawingml/2006/main" xmlns:r="http://schemas.openxmlformats.org/officeDocument/2006/relationships" xmlns:p="http://schemas.openxmlformats.org/presentationml/2006/main">
+  <p:cSld>
+    <p:spTree>
+      <p:nvGrpSpPr>
+        <p:cNvPr id="1" name=""/>
+        <p:cNvGrpSpPr/>
+        <p:nvPr/>
+      </p:nvGrpSpPr>
+      <p:grpSpPr>
+        <a:xfrm>
+          <a:off x="0" y="0"/>
+          <a:ext cx="0" cy="0"/>
+          <a:chOff x="0" y="0"/>
+          <a:chExt cx="0" cy="0"/>
+        </a:xfrm>
+      </p:grpSpPr>
+      <p:sp>
+        <p:nvSpPr>
+          <p:cNvPr id="2" name="Slide Image Placeholder 1"/>
+          <p:cNvSpPr>
+            <a:spLocks noGrp="1" noRot="1" noChangeAspect="1"/>
+          </p:cNvSpPr>
+          <p:nvPr>
+            <p:ph type="sldImg"/>
+          </p:nvPr>
+        </p:nvSpPr>
+        <p:spPr>
+          <a:xfrm>
+            <a:off x="381000" y="685800"/>
+            <a:ext cx="6096000" cy="3429000"/>
+          </a:xfrm>
+        </p:spPr>
+      </p:sp>
+      <p:sp>
+        <p:nvSpPr>
+          <p:cNvPr id="3" name="Notes Placeholder 2"/>
+          <p:cNvSpPr>
+            <a:spLocks noGrp="1"/>
+          </p:cNvSpPr>
+          <p:nvPr>
+            <p:ph type="body" idx="1"/>
+          </p:nvPr>
+        </p:nvSpPr>
+        <p:spPr/>
+        <p:txBody>
+          <a:bodyPr/>
+          <a:lstStyle/>
+          <a:p>
+            <a:pPr marL="158750" indent="0">
+              <a:buNone/>
+            </a:pPr>
+            <a:r>
+              <a:rPr lang="ru-RU" dirty="0"/>
+              <a:t>Для </a:t>
+            </a:r>
+            <a:r>
+              <a:rPr lang="ru-RU" dirty="0" err="1"/>
+              <a:t>коректної</a:t>
+            </a:r>
+            <a:r>
+              <a:rPr lang="ru-RU" dirty="0"/>
+              <a:t> та </a:t>
+            </a:r>
+            <a:r>
+              <a:rPr lang="ru-RU" dirty="0" err="1"/>
+              <a:t>безпечної</a:t>
+            </a:r>
+            <a:r>
+              <a:rPr lang="ru-RU" dirty="0"/>
+              <a:t> </a:t>
+            </a:r>
+            <a:r>
+              <a:rPr lang="ru-RU" dirty="0" err="1"/>
+              <a:t>автентифікації</a:t>
+            </a:r>
+            <a:r>
+              <a:rPr lang="ru-RU" dirty="0"/>
+              <a:t> </a:t>
+            </a:r>
+            <a:r>
+              <a:rPr lang="ru-RU" dirty="0" err="1"/>
+              <a:t>користувача</a:t>
+            </a:r>
+            <a:r>
+              <a:rPr lang="ru-RU" dirty="0"/>
+              <a:t> </a:t>
+            </a:r>
+            <a:r>
+              <a:rPr lang="ru-RU" dirty="0" err="1"/>
+              <a:t>був</a:t>
+            </a:r>
+            <a:r>
+              <a:rPr lang="ru-RU" dirty="0"/>
+              <a:t> </a:t>
+            </a:r>
+            <a:r>
+              <a:rPr lang="ru-RU" dirty="0" err="1"/>
+              <a:t>використаний</a:t>
+            </a:r>
+            <a:r>
+              <a:rPr lang="ru-RU" dirty="0"/>
+              <a:t> флоу на </a:t>
+            </a:r>
+            <a:r>
+              <a:rPr lang="ru-RU" dirty="0" err="1"/>
+              <a:t>основі</a:t>
+            </a:r>
+            <a:r>
+              <a:rPr lang="ru-RU" dirty="0"/>
+              <a:t> </a:t>
+            </a:r>
+            <a:r>
+              <a:rPr lang="ru-RU" dirty="0" err="1"/>
+              <a:t>двох</a:t>
+            </a:r>
+            <a:r>
+              <a:rPr lang="ru-RU" dirty="0"/>
+              <a:t> JWT </a:t>
+            </a:r>
+            <a:r>
+              <a:rPr lang="ru-RU" dirty="0" err="1"/>
+              <a:t>маркерів</a:t>
+            </a:r>
+            <a:r>
+              <a:rPr lang="ru-RU" dirty="0"/>
+              <a:t>: доступу та </a:t>
+            </a:r>
+            <a:r>
+              <a:rPr lang="ru-RU" dirty="0" err="1"/>
+              <a:t>оновлення</a:t>
+            </a:r>
+            <a:r>
+              <a:rPr lang="ru-RU" dirty="0"/>
+              <a:t>.</a:t>
+            </a:r>
+            <a:endParaRPr lang="en-GB" dirty="0"/>
+          </a:p>
+        </p:txBody>
+      </p:sp>
+    </p:spTree>
+    <p:extLst>
+      <p:ext uri="{BB962C8B-B14F-4D97-AF65-F5344CB8AC3E}">
+        <p14:creationId xmlns:p14="http://schemas.microsoft.com/office/powerpoint/2010/main" val="631840203"/>
+      </p:ext>
+    </p:extLst>
+  </p:cSld>
+  <p:clrMapOvr>
+    <a:masterClrMapping/>
+  </p:clrMapOvr>
+</p:notes>
+</file>
+
+<file path=ppt/notesSlides/notesSlide17.xml><?xml version="1.0" encoding="utf-8"?>
+<p:notes xmlns:a="http://schemas.openxmlformats.org/drawingml/2006/main" xmlns:r="http://schemas.openxmlformats.org/officeDocument/2006/relationships" xmlns:p="http://schemas.openxmlformats.org/presentationml/2006/main">
+  <p:cSld>
+    <p:spTree>
+      <p:nvGrpSpPr>
+        <p:cNvPr id="1" name=""/>
+        <p:cNvGrpSpPr/>
+        <p:nvPr/>
+      </p:nvGrpSpPr>
+      <p:grpSpPr>
+        <a:xfrm>
+          <a:off x="0" y="0"/>
+          <a:ext cx="0" cy="0"/>
+          <a:chOff x="0" y="0"/>
+          <a:chExt cx="0" cy="0"/>
+        </a:xfrm>
+      </p:grpSpPr>
+      <p:sp>
+        <p:nvSpPr>
+          <p:cNvPr id="2" name="Slide Image Placeholder 1"/>
+          <p:cNvSpPr>
+            <a:spLocks noGrp="1" noRot="1" noChangeAspect="1"/>
+          </p:cNvSpPr>
+          <p:nvPr>
+            <p:ph type="sldImg"/>
+          </p:nvPr>
+        </p:nvSpPr>
+        <p:spPr>
+          <a:xfrm>
+            <a:off x="381000" y="685800"/>
+            <a:ext cx="6096000" cy="3429000"/>
+          </a:xfrm>
+        </p:spPr>
+      </p:sp>
+      <p:sp>
+        <p:nvSpPr>
+          <p:cNvPr id="3" name="Notes Placeholder 2"/>
+          <p:cNvSpPr>
+            <a:spLocks noGrp="1"/>
+          </p:cNvSpPr>
+          <p:nvPr>
+            <p:ph type="body" idx="1"/>
+          </p:nvPr>
+        </p:nvSpPr>
+        <p:spPr/>
+        <p:txBody>
+          <a:bodyPr/>
+          <a:lstStyle/>
+          <a:p>
+            <a:pPr marL="158750" indent="0">
+              <a:buNone/>
+            </a:pPr>
+            <a:r>
+              <a:rPr lang="ru-RU" dirty="0"/>
+              <a:t>Для </a:t>
+            </a:r>
+            <a:r>
+              <a:rPr lang="ru-RU" dirty="0" err="1"/>
+              <a:t>синхронізації</a:t>
+            </a:r>
+            <a:r>
+              <a:rPr lang="ru-RU" dirty="0"/>
+              <a:t> </a:t>
+            </a:r>
+            <a:r>
+              <a:rPr lang="ru-RU" dirty="0" err="1"/>
+              <a:t>даних</a:t>
+            </a:r>
+            <a:r>
+              <a:rPr lang="ru-RU" dirty="0"/>
+              <a:t> </a:t>
+            </a:r>
+            <a:r>
+              <a:rPr lang="ru-RU" dirty="0" err="1"/>
+              <a:t>між</a:t>
+            </a:r>
+            <a:r>
+              <a:rPr lang="ru-RU" dirty="0"/>
+              <a:t> </a:t>
+            </a:r>
+            <a:r>
+              <a:rPr lang="ru-RU" dirty="0" err="1"/>
+              <a:t>сервісом</a:t>
+            </a:r>
+            <a:r>
+              <a:rPr lang="ru-RU" dirty="0"/>
+              <a:t> </a:t>
+            </a:r>
+            <a:r>
+              <a:rPr lang="ru-RU" dirty="0" err="1"/>
+              <a:t>файлів</a:t>
+            </a:r>
+            <a:r>
+              <a:rPr lang="ru-RU" dirty="0"/>
+              <a:t> та менеджером </a:t>
+            </a:r>
+            <a:r>
+              <a:rPr lang="ru-RU" dirty="0" err="1"/>
+              <a:t>файлової</a:t>
+            </a:r>
+            <a:r>
+              <a:rPr lang="ru-RU" dirty="0"/>
+              <a:t> </a:t>
+            </a:r>
+            <a:r>
+              <a:rPr lang="ru-RU" dirty="0" err="1"/>
+              <a:t>системи</a:t>
+            </a:r>
+            <a:r>
+              <a:rPr lang="ru-RU" dirty="0"/>
+              <a:t> </a:t>
+            </a:r>
+            <a:r>
+              <a:rPr lang="ru-RU" dirty="0" err="1"/>
+              <a:t>розроблено</a:t>
+            </a:r>
+            <a:r>
+              <a:rPr lang="ru-RU" dirty="0"/>
+              <a:t> </a:t>
+            </a:r>
+            <a:r>
+              <a:rPr lang="ru-RU" dirty="0" err="1"/>
+              <a:t>власний</a:t>
+            </a:r>
+            <a:r>
+              <a:rPr lang="ru-RU" dirty="0"/>
+              <a:t> протокол </a:t>
+            </a:r>
+            <a:r>
+              <a:rPr lang="ru-RU" dirty="0" err="1"/>
+              <a:t>взаємодії</a:t>
+            </a:r>
+            <a:r>
+              <a:rPr lang="ru-RU" dirty="0"/>
+              <a:t>. </a:t>
+            </a:r>
+            <a:r>
+              <a:rPr lang="ru-RU" dirty="0" err="1"/>
+              <a:t>Спочатку</a:t>
+            </a:r>
+            <a:r>
+              <a:rPr lang="ru-RU" dirty="0"/>
+              <a:t> сигнал </a:t>
+            </a:r>
+            <a:r>
+              <a:rPr lang="ru-RU" dirty="0" err="1"/>
+              <a:t>від</a:t>
+            </a:r>
+            <a:r>
+              <a:rPr lang="ru-RU" dirty="0"/>
+              <a:t> менеджеру </a:t>
+            </a:r>
+            <a:r>
+              <a:rPr lang="ru-RU" dirty="0" err="1"/>
+              <a:t>файлової</a:t>
+            </a:r>
+            <a:r>
+              <a:rPr lang="ru-RU" dirty="0"/>
+              <a:t> </a:t>
+            </a:r>
+            <a:r>
+              <a:rPr lang="ru-RU" dirty="0" err="1"/>
+              <a:t>системи</a:t>
+            </a:r>
+            <a:r>
+              <a:rPr lang="ru-RU" dirty="0"/>
+              <a:t> до </a:t>
+            </a:r>
+            <a:r>
+              <a:rPr lang="ru-RU" dirty="0" err="1"/>
+              <a:t>сервісів</a:t>
+            </a:r>
+            <a:r>
+              <a:rPr lang="ru-RU" dirty="0"/>
+              <a:t> </a:t>
+            </a:r>
+            <a:r>
+              <a:rPr lang="ru-RU" dirty="0" err="1"/>
+              <a:t>файлів</a:t>
+            </a:r>
+            <a:r>
+              <a:rPr lang="ru-RU" dirty="0"/>
+              <a:t> </a:t>
+            </a:r>
+            <a:r>
+              <a:rPr lang="ru-RU" dirty="0" err="1"/>
+              <a:t>передається</a:t>
+            </a:r>
+            <a:r>
+              <a:rPr lang="ru-RU" dirty="0"/>
+              <a:t> через </a:t>
+            </a:r>
+            <a:r>
+              <a:rPr lang="en-GB" dirty="0"/>
+              <a:t>RabbitMQ.</a:t>
+            </a:r>
+          </a:p>
+        </p:txBody>
+      </p:sp>
+    </p:spTree>
+    <p:extLst>
+      <p:ext uri="{BB962C8B-B14F-4D97-AF65-F5344CB8AC3E}">
+        <p14:creationId xmlns:p14="http://schemas.microsoft.com/office/powerpoint/2010/main" val="336596661"/>
+      </p:ext>
+    </p:extLst>
+  </p:cSld>
+  <p:clrMapOvr>
+    <a:masterClrMapping/>
+  </p:clrMapOvr>
+</p:notes>
+</file>
+
+<file path=ppt/notesSlides/notesSlide18.xml><?xml version="1.0" encoding="utf-8"?>
+<p:notes xmlns:a="http://schemas.openxmlformats.org/drawingml/2006/main" xmlns:r="http://schemas.openxmlformats.org/officeDocument/2006/relationships" xmlns:p="http://schemas.openxmlformats.org/presentationml/2006/main">
+  <p:cSld>
+    <p:spTree>
+      <p:nvGrpSpPr>
+        <p:cNvPr id="1" name=""/>
+        <p:cNvGrpSpPr/>
+        <p:nvPr/>
+      </p:nvGrpSpPr>
+      <p:grpSpPr>
+        <a:xfrm>
+          <a:off x="0" y="0"/>
+          <a:ext cx="0" cy="0"/>
+          <a:chOff x="0" y="0"/>
+          <a:chExt cx="0" cy="0"/>
+        </a:xfrm>
+      </p:grpSpPr>
+      <p:sp>
+        <p:nvSpPr>
+          <p:cNvPr id="2" name="Slide Image Placeholder 1"/>
+          <p:cNvSpPr>
+            <a:spLocks noGrp="1" noRot="1" noChangeAspect="1"/>
+          </p:cNvSpPr>
+          <p:nvPr>
+            <p:ph type="sldImg"/>
+          </p:nvPr>
+        </p:nvSpPr>
+        <p:spPr>
+          <a:xfrm>
+            <a:off x="381000" y="685800"/>
+            <a:ext cx="6096000" cy="3429000"/>
+          </a:xfrm>
+        </p:spPr>
+      </p:sp>
+      <p:sp>
+        <p:nvSpPr>
+          <p:cNvPr id="3" name="Notes Placeholder 2"/>
+          <p:cNvSpPr>
+            <a:spLocks noGrp="1"/>
+          </p:cNvSpPr>
+          <p:nvPr>
+            <p:ph type="body" idx="1"/>
+          </p:nvPr>
+        </p:nvSpPr>
+        <p:spPr/>
+        <p:txBody>
+          <a:bodyPr/>
+          <a:lstStyle/>
+          <a:p>
+            <a:pPr marL="158750" indent="0">
+              <a:buNone/>
+            </a:pPr>
+            <a:r>
+              <a:rPr lang="ru-RU" dirty="0" err="1"/>
+              <a:t>Далі</a:t>
+            </a:r>
+            <a:r>
+              <a:rPr lang="ru-RU" dirty="0"/>
+              <a:t>, </a:t>
+            </a:r>
+            <a:r>
+              <a:rPr lang="ru-RU" dirty="0" err="1"/>
+              <a:t>від</a:t>
+            </a:r>
+            <a:r>
+              <a:rPr lang="ru-RU" dirty="0"/>
+              <a:t> </a:t>
+            </a:r>
+            <a:r>
+              <a:rPr lang="ru-RU" dirty="0" err="1"/>
+              <a:t>сервісу</a:t>
+            </a:r>
+            <a:r>
+              <a:rPr lang="ru-RU" dirty="0"/>
+              <a:t> </a:t>
+            </a:r>
+            <a:r>
+              <a:rPr lang="ru-RU" dirty="0" err="1"/>
+              <a:t>файлів</a:t>
+            </a:r>
+            <a:r>
+              <a:rPr lang="ru-RU" dirty="0"/>
+              <a:t> до менеджеру </a:t>
+            </a:r>
+            <a:r>
+              <a:rPr lang="ru-RU" dirty="0" err="1"/>
+              <a:t>файлової</a:t>
+            </a:r>
+            <a:r>
+              <a:rPr lang="ru-RU" dirty="0"/>
+              <a:t> </a:t>
+            </a:r>
+            <a:r>
+              <a:rPr lang="ru-RU" dirty="0" err="1"/>
+              <a:t>системи</a:t>
+            </a:r>
+            <a:r>
+              <a:rPr lang="ru-RU" dirty="0"/>
+              <a:t> в рамках протоколу </a:t>
+            </a:r>
+            <a:r>
+              <a:rPr lang="ru-RU" dirty="0" err="1"/>
+              <a:t>надсиляється</a:t>
+            </a:r>
+            <a:r>
+              <a:rPr lang="ru-RU" dirty="0"/>
+              <a:t> </a:t>
+            </a:r>
+            <a:r>
+              <a:rPr lang="ru-RU" dirty="0" err="1"/>
+              <a:t>синхронний</a:t>
+            </a:r>
+            <a:r>
+              <a:rPr lang="ru-RU" dirty="0"/>
+              <a:t> HTTP-запит, для </a:t>
+            </a:r>
+            <a:r>
+              <a:rPr lang="ru-RU" dirty="0" err="1"/>
+              <a:t>отримання</a:t>
+            </a:r>
+            <a:r>
+              <a:rPr lang="ru-RU" dirty="0"/>
+              <a:t> </a:t>
+            </a:r>
+            <a:r>
+              <a:rPr lang="ru-RU" dirty="0" err="1"/>
+              <a:t>якого</a:t>
+            </a:r>
+            <a:r>
+              <a:rPr lang="ru-RU" dirty="0"/>
+              <a:t> створили </a:t>
+            </a:r>
+            <a:r>
+              <a:rPr lang="ru-RU" dirty="0" err="1"/>
+              <a:t>спеціальний</a:t>
+            </a:r>
+            <a:r>
+              <a:rPr lang="ru-RU" dirty="0"/>
+              <a:t> </a:t>
+            </a:r>
+            <a:r>
+              <a:rPr lang="ru-RU" dirty="0" err="1"/>
+              <a:t>ендпоінт</a:t>
+            </a:r>
+            <a:r>
+              <a:rPr lang="ru-RU" dirty="0"/>
+              <a:t>. </a:t>
+            </a:r>
+            <a:endParaRPr lang="en-GB" dirty="0"/>
+          </a:p>
+        </p:txBody>
+      </p:sp>
+    </p:spTree>
+    <p:extLst>
+      <p:ext uri="{BB962C8B-B14F-4D97-AF65-F5344CB8AC3E}">
+        <p14:creationId xmlns:p14="http://schemas.microsoft.com/office/powerpoint/2010/main" val="1313277583"/>
+      </p:ext>
+    </p:extLst>
+  </p:cSld>
+  <p:clrMapOvr>
+    <a:masterClrMapping/>
+  </p:clrMapOvr>
+</p:notes>
+</file>
+
+<file path=ppt/notesSlides/notesSlide19.xml><?xml version="1.0" encoding="utf-8"?>
+<p:notes xmlns:a="http://schemas.openxmlformats.org/drawingml/2006/main" xmlns:r="http://schemas.openxmlformats.org/officeDocument/2006/relationships" xmlns:p="http://schemas.openxmlformats.org/presentationml/2006/main">
+  <p:cSld>
+    <p:spTree>
+      <p:nvGrpSpPr>
+        <p:cNvPr id="1" name=""/>
+        <p:cNvGrpSpPr/>
+        <p:nvPr/>
+      </p:nvGrpSpPr>
+      <p:grpSpPr>
+        <a:xfrm>
+          <a:off x="0" y="0"/>
+          <a:ext cx="0" cy="0"/>
+          <a:chOff x="0" y="0"/>
+          <a:chExt cx="0" cy="0"/>
+        </a:xfrm>
+      </p:grpSpPr>
+      <p:sp>
+        <p:nvSpPr>
+          <p:cNvPr id="2" name="Slide Image Placeholder 1"/>
+          <p:cNvSpPr>
+            <a:spLocks noGrp="1" noRot="1" noChangeAspect="1"/>
+          </p:cNvSpPr>
+          <p:nvPr>
+            <p:ph type="sldImg"/>
+          </p:nvPr>
+        </p:nvSpPr>
+        <p:spPr>
+          <a:xfrm>
+            <a:off x="381000" y="685800"/>
+            <a:ext cx="6096000" cy="3429000"/>
+          </a:xfrm>
+        </p:spPr>
+      </p:sp>
+      <p:sp>
+        <p:nvSpPr>
+          <p:cNvPr id="3" name="Notes Placeholder 2"/>
+          <p:cNvSpPr>
+            <a:spLocks noGrp="1"/>
+          </p:cNvSpPr>
+          <p:nvPr>
+            <p:ph type="body" idx="1"/>
+          </p:nvPr>
+        </p:nvSpPr>
+        <p:spPr/>
+        <p:txBody>
+          <a:bodyPr/>
+          <a:lstStyle/>
+          <a:p>
+            <a:pPr marL="158750" indent="0">
+              <a:buNone/>
+            </a:pPr>
+            <a:r>
+              <a:rPr lang="ru-RU" dirty="0" err="1"/>
+              <a:t>Окрім</a:t>
+            </a:r>
+            <a:r>
+              <a:rPr lang="ru-RU" dirty="0"/>
+              <a:t> </a:t>
+            </a:r>
+            <a:r>
+              <a:rPr lang="ru-RU" dirty="0" err="1"/>
+              <a:t>цього</a:t>
+            </a:r>
+            <a:r>
+              <a:rPr lang="ru-RU" dirty="0"/>
+              <a:t>, </a:t>
+            </a:r>
+            <a:r>
+              <a:rPr lang="ru-RU" dirty="0" err="1"/>
+              <a:t>було</a:t>
+            </a:r>
+            <a:r>
+              <a:rPr lang="ru-RU" dirty="0"/>
+              <a:t> </a:t>
+            </a:r>
+            <a:r>
+              <a:rPr lang="ru-RU" dirty="0" err="1"/>
+              <a:t>розроблено</a:t>
+            </a:r>
+            <a:r>
+              <a:rPr lang="ru-RU" dirty="0"/>
+              <a:t> </a:t>
+            </a:r>
+            <a:r>
+              <a:rPr lang="ru-RU" dirty="0" err="1"/>
+              <a:t>власний</a:t>
+            </a:r>
+            <a:r>
+              <a:rPr lang="ru-RU" dirty="0"/>
+              <a:t> </a:t>
+            </a:r>
+            <a:r>
+              <a:rPr lang="ru-RU" dirty="0" err="1"/>
+              <a:t>буферизований</a:t>
+            </a:r>
+            <a:r>
+              <a:rPr lang="ru-RU" dirty="0"/>
+              <a:t> </a:t>
+            </a:r>
+            <a:r>
+              <a:rPr lang="ru-RU" dirty="0" err="1"/>
+              <a:t>читач</a:t>
+            </a:r>
+            <a:r>
+              <a:rPr lang="ru-RU" dirty="0"/>
+              <a:t> для </a:t>
+            </a:r>
+            <a:r>
+              <a:rPr lang="ru-RU" dirty="0" err="1"/>
+              <a:t>випереджувального</a:t>
+            </a:r>
+            <a:r>
+              <a:rPr lang="ru-RU" dirty="0"/>
+              <a:t> </a:t>
+            </a:r>
+            <a:r>
+              <a:rPr lang="ru-RU" dirty="0" err="1"/>
+              <a:t>зчитування</a:t>
+            </a:r>
+            <a:r>
+              <a:rPr lang="ru-RU" dirty="0"/>
+              <a:t> </a:t>
+            </a:r>
+            <a:r>
+              <a:rPr lang="ru-RU" dirty="0" err="1"/>
+              <a:t>даних</a:t>
+            </a:r>
+            <a:r>
+              <a:rPr lang="ru-RU" dirty="0"/>
+              <a:t> з метою </a:t>
+            </a:r>
+            <a:r>
+              <a:rPr lang="ru-RU" dirty="0" err="1"/>
+              <a:t>оптимізації</a:t>
+            </a:r>
+            <a:r>
+              <a:rPr lang="ru-RU" dirty="0"/>
+              <a:t> </a:t>
+            </a:r>
+            <a:r>
+              <a:rPr lang="ru-RU" dirty="0" err="1"/>
+              <a:t>швидкості</a:t>
+            </a:r>
+            <a:r>
+              <a:rPr lang="ru-RU" dirty="0"/>
+              <a:t> потокового </a:t>
+            </a:r>
+            <a:r>
+              <a:rPr lang="ru-RU" dirty="0" err="1"/>
+              <a:t>завантаження</a:t>
+            </a:r>
+            <a:r>
+              <a:rPr lang="ru-RU" dirty="0"/>
+              <a:t> та </a:t>
+            </a:r>
+            <a:r>
+              <a:rPr lang="ru-RU" dirty="0" err="1"/>
+              <a:t>зменшення</a:t>
+            </a:r>
+            <a:r>
+              <a:rPr lang="ru-RU" dirty="0"/>
+              <a:t> </a:t>
+            </a:r>
+            <a:r>
+              <a:rPr lang="ru-RU" dirty="0" err="1"/>
+              <a:t>кількості</a:t>
+            </a:r>
+            <a:r>
+              <a:rPr lang="ru-RU" dirty="0"/>
+              <a:t> </a:t>
+            </a:r>
+            <a:r>
+              <a:rPr lang="ru-RU" dirty="0" err="1"/>
+              <a:t>запитів</a:t>
+            </a:r>
+            <a:r>
+              <a:rPr lang="ru-RU" dirty="0"/>
+              <a:t> до ФС. Варто </a:t>
+            </a:r>
+            <a:r>
+              <a:rPr lang="ru-RU" dirty="0" err="1"/>
+              <a:t>зазначити</a:t>
+            </a:r>
+            <a:r>
+              <a:rPr lang="ru-RU" dirty="0"/>
+              <a:t>, </a:t>
+            </a:r>
+            <a:r>
+              <a:rPr lang="ru-RU" dirty="0" err="1"/>
+              <a:t>що</a:t>
+            </a:r>
+            <a:r>
+              <a:rPr lang="ru-RU" dirty="0"/>
+              <a:t> для </a:t>
+            </a:r>
+            <a:r>
+              <a:rPr lang="ru-RU" dirty="0" err="1"/>
+              <a:t>його</a:t>
+            </a:r>
+            <a:r>
+              <a:rPr lang="ru-RU" dirty="0"/>
+              <a:t> </a:t>
+            </a:r>
+            <a:r>
+              <a:rPr lang="ru-RU" dirty="0" err="1"/>
+              <a:t>функціонування</a:t>
+            </a:r>
+            <a:r>
+              <a:rPr lang="ru-RU" dirty="0"/>
+              <a:t> </a:t>
+            </a:r>
+            <a:r>
+              <a:rPr lang="ru-RU" dirty="0" err="1"/>
+              <a:t>була</a:t>
+            </a:r>
+            <a:r>
+              <a:rPr lang="ru-RU" dirty="0"/>
+              <a:t> </a:t>
+            </a:r>
+            <a:r>
+              <a:rPr lang="ru-RU" dirty="0" err="1"/>
+              <a:t>викорситана</a:t>
+            </a:r>
+            <a:r>
+              <a:rPr lang="ru-RU" dirty="0"/>
+              <a:t> нова </a:t>
+            </a:r>
+            <a:r>
+              <a:rPr lang="ru-RU" dirty="0" err="1"/>
+              <a:t>функціональність</a:t>
+            </a:r>
+            <a:r>
+              <a:rPr lang="ru-RU" dirty="0"/>
+              <a:t> "</a:t>
+            </a:r>
+            <a:r>
+              <a:rPr lang="ru-RU" dirty="0" err="1"/>
+              <a:t>слабких</a:t>
+            </a:r>
+            <a:r>
+              <a:rPr lang="ru-RU" dirty="0"/>
+              <a:t> </a:t>
+            </a:r>
+            <a:r>
+              <a:rPr lang="ru-RU" dirty="0" err="1"/>
+              <a:t>вказівників</a:t>
+            </a:r>
+            <a:r>
+              <a:rPr lang="ru-RU" dirty="0"/>
+              <a:t>", яку додали у </a:t>
+            </a:r>
+            <a:r>
+              <a:rPr lang="ru-RU" dirty="0" err="1"/>
+              <a:t>найновішу</a:t>
+            </a:r>
+            <a:r>
+              <a:rPr lang="ru-RU" dirty="0"/>
+              <a:t> </a:t>
+            </a:r>
+            <a:r>
+              <a:rPr lang="ru-RU" dirty="0" err="1"/>
+              <a:t>версію</a:t>
+            </a:r>
+            <a:r>
+              <a:rPr lang="ru-RU" dirty="0"/>
+              <a:t> </a:t>
+            </a:r>
+            <a:r>
+              <a:rPr lang="en-GB" dirty="0"/>
+              <a:t>Go 1.24. </a:t>
+            </a:r>
+            <a:r>
+              <a:rPr lang="ru-RU" dirty="0" err="1"/>
+              <a:t>Його</a:t>
+            </a:r>
+            <a:r>
+              <a:rPr lang="ru-RU" dirty="0"/>
+              <a:t> </a:t>
+            </a:r>
+            <a:r>
+              <a:rPr lang="ru-RU" dirty="0" err="1"/>
+              <a:t>використання</a:t>
+            </a:r>
+            <a:r>
+              <a:rPr lang="ru-RU" dirty="0"/>
+              <a:t> </a:t>
+            </a:r>
+            <a:r>
+              <a:rPr lang="ru-RU" dirty="0" err="1"/>
+              <a:t>ви</a:t>
+            </a:r>
+            <a:r>
+              <a:rPr lang="ru-RU" dirty="0"/>
+              <a:t> можете </a:t>
+            </a:r>
+            <a:r>
+              <a:rPr lang="ru-RU" dirty="0" err="1"/>
+              <a:t>побачити</a:t>
+            </a:r>
+            <a:r>
+              <a:rPr lang="ru-RU" dirty="0"/>
+              <a:t> на 113 рядку.</a:t>
+            </a:r>
+            <a:endParaRPr lang="en-GB" dirty="0"/>
+          </a:p>
+        </p:txBody>
+      </p:sp>
+    </p:spTree>
+    <p:extLst>
+      <p:ext uri="{BB962C8B-B14F-4D97-AF65-F5344CB8AC3E}">
+        <p14:creationId xmlns:p14="http://schemas.microsoft.com/office/powerpoint/2010/main" val="2015913858"/>
+      </p:ext>
+    </p:extLst>
+  </p:cSld>
+  <p:clrMapOvr>
+    <a:masterClrMapping/>
+  </p:clrMapOvr>
+</p:notes>
+</file>
+
+<file path=ppt/notesSlides/notesSlide2.xml><?xml version="1.0" encoding="utf-8"?>
+<p:notes xmlns:a="http://schemas.openxmlformats.org/drawingml/2006/main" xmlns:r="http://schemas.openxmlformats.org/officeDocument/2006/relationships" xmlns:p="http://schemas.openxmlformats.org/presentationml/2006/main">
+  <p:cSld>
+    <p:spTree>
+      <p:nvGrpSpPr>
+        <p:cNvPr id="1" name=""/>
+        <p:cNvGrpSpPr/>
+        <p:nvPr/>
+      </p:nvGrpSpPr>
+      <p:grpSpPr>
+        <a:xfrm>
+          <a:off x="0" y="0"/>
+          <a:ext cx="0" cy="0"/>
+          <a:chOff x="0" y="0"/>
+          <a:chExt cx="0" cy="0"/>
+        </a:xfrm>
+      </p:grpSpPr>
+      <p:sp>
+        <p:nvSpPr>
+          <p:cNvPr id="2" name="Slide Image Placeholder 1"/>
+          <p:cNvSpPr>
+            <a:spLocks noGrp="1" noRot="1" noChangeAspect="1"/>
+          </p:cNvSpPr>
+          <p:nvPr>
+            <p:ph type="sldImg"/>
+          </p:nvPr>
+        </p:nvSpPr>
+        <p:spPr>
+          <a:xfrm>
+            <a:off x="381000" y="685800"/>
+            <a:ext cx="6096000" cy="3429000"/>
+          </a:xfrm>
+        </p:spPr>
+      </p:sp>
+      <p:sp>
+        <p:nvSpPr>
+          <p:cNvPr id="3" name="Notes Placeholder 2"/>
+          <p:cNvSpPr>
+            <a:spLocks noGrp="1"/>
+          </p:cNvSpPr>
+          <p:nvPr>
+            <p:ph type="body" idx="1"/>
+          </p:nvPr>
+        </p:nvSpPr>
+        <p:spPr/>
+        <p:txBody>
+          <a:bodyPr/>
+          <a:lstStyle/>
+          <a:p>
+            <a:pPr marL="158750" indent="0">
+              <a:buNone/>
+            </a:pPr>
+            <a:r>
+              <a:rPr lang="ru-RU" dirty="0"/>
+              <a:t>В </a:t>
+            </a:r>
+            <a:r>
+              <a:rPr lang="ru-RU" dirty="0" err="1"/>
+              <a:t>епоху</a:t>
+            </a:r>
+            <a:r>
+              <a:rPr lang="ru-RU" dirty="0"/>
+              <a:t> </a:t>
+            </a:r>
+            <a:r>
+              <a:rPr lang="ru-RU" dirty="0" err="1"/>
+              <a:t>стрімкого</a:t>
+            </a:r>
+            <a:r>
+              <a:rPr lang="ru-RU" dirty="0"/>
+              <a:t> </a:t>
+            </a:r>
+            <a:r>
+              <a:rPr lang="ru-RU" dirty="0" err="1"/>
+              <a:t>зростання</a:t>
+            </a:r>
+            <a:r>
+              <a:rPr lang="ru-RU" dirty="0"/>
+              <a:t> </a:t>
+            </a:r>
+            <a:r>
+              <a:rPr lang="ru-RU" dirty="0" err="1"/>
+              <a:t>обсягу</a:t>
+            </a:r>
+            <a:r>
+              <a:rPr lang="ru-RU" dirty="0"/>
+              <a:t>  </a:t>
+            </a:r>
+            <a:r>
+              <a:rPr lang="ru-RU" dirty="0" err="1"/>
+              <a:t>медіаконтенту</a:t>
+            </a:r>
+            <a:r>
+              <a:rPr lang="ru-RU" dirty="0"/>
+              <a:t>, задача </a:t>
+            </a:r>
+            <a:r>
+              <a:rPr lang="ru-RU" dirty="0" err="1"/>
+              <a:t>створення</a:t>
+            </a:r>
+            <a:r>
+              <a:rPr lang="ru-RU" dirty="0"/>
+              <a:t> </a:t>
+            </a:r>
+            <a:r>
+              <a:rPr lang="ru-RU" dirty="0" err="1"/>
+              <a:t>ефективного</a:t>
+            </a:r>
+            <a:r>
+              <a:rPr lang="ru-RU" dirty="0"/>
+              <a:t> </a:t>
+            </a:r>
+            <a:r>
+              <a:rPr lang="ru-RU" dirty="0" err="1"/>
+              <a:t>інструменту</a:t>
+            </a:r>
+            <a:r>
+              <a:rPr lang="ru-RU" dirty="0"/>
+              <a:t> для </a:t>
+            </a:r>
+            <a:r>
+              <a:rPr lang="ru-RU" dirty="0" err="1"/>
+              <a:t>миттєвого</a:t>
+            </a:r>
+            <a:r>
+              <a:rPr lang="ru-RU" dirty="0"/>
+              <a:t> </a:t>
+            </a:r>
+            <a:r>
+              <a:rPr lang="ru-RU" dirty="0" err="1"/>
+              <a:t>отримання</a:t>
+            </a:r>
+            <a:r>
+              <a:rPr lang="ru-RU" dirty="0"/>
+              <a:t> доступу до </a:t>
+            </a:r>
+            <a:r>
+              <a:rPr lang="ru-RU" dirty="0" err="1"/>
+              <a:t>особистих</a:t>
+            </a:r>
+            <a:r>
+              <a:rPr lang="ru-RU" dirty="0"/>
+              <a:t> </a:t>
+            </a:r>
+            <a:r>
+              <a:rPr lang="ru-RU" dirty="0" err="1"/>
+              <a:t>даних</a:t>
+            </a:r>
+            <a:r>
+              <a:rPr lang="ru-RU" dirty="0"/>
+              <a:t> є </a:t>
+            </a:r>
+            <a:r>
+              <a:rPr lang="ru-RU" dirty="0" err="1"/>
+              <a:t>беззаперечною</a:t>
+            </a:r>
+            <a:r>
+              <a:rPr lang="ru-RU" dirty="0"/>
+              <a:t>.</a:t>
+            </a:r>
+            <a:endParaRPr lang="en-GB" dirty="0"/>
+          </a:p>
+        </p:txBody>
+      </p:sp>
+    </p:spTree>
+    <p:extLst>
+      <p:ext uri="{BB962C8B-B14F-4D97-AF65-F5344CB8AC3E}">
+        <p14:creationId xmlns:p14="http://schemas.microsoft.com/office/powerpoint/2010/main" val="815660510"/>
+      </p:ext>
+    </p:extLst>
+  </p:cSld>
+  <p:clrMapOvr>
+    <a:masterClrMapping/>
+  </p:clrMapOvr>
+</p:notes>
+</file>
+
+<file path=ppt/notesSlides/notesSlide20.xml><?xml version="1.0" encoding="utf-8"?>
+<p:notes xmlns:a="http://schemas.openxmlformats.org/drawingml/2006/main" xmlns:r="http://schemas.openxmlformats.org/officeDocument/2006/relationships" xmlns:p="http://schemas.openxmlformats.org/presentationml/2006/main">
+  <p:cSld>
+    <p:spTree>
+      <p:nvGrpSpPr>
+        <p:cNvPr id="1" name=""/>
+        <p:cNvGrpSpPr/>
+        <p:nvPr/>
+      </p:nvGrpSpPr>
+      <p:grpSpPr>
+        <a:xfrm>
+          <a:off x="0" y="0"/>
+          <a:ext cx="0" cy="0"/>
+          <a:chOff x="0" y="0"/>
+          <a:chExt cx="0" cy="0"/>
+        </a:xfrm>
+      </p:grpSpPr>
+      <p:sp>
+        <p:nvSpPr>
+          <p:cNvPr id="2" name="Slide Image Placeholder 1"/>
+          <p:cNvSpPr>
+            <a:spLocks noGrp="1" noRot="1" noChangeAspect="1"/>
+          </p:cNvSpPr>
+          <p:nvPr>
+            <p:ph type="sldImg"/>
+          </p:nvPr>
+        </p:nvSpPr>
+        <p:spPr>
+          <a:xfrm>
+            <a:off x="381000" y="685800"/>
+            <a:ext cx="6096000" cy="3429000"/>
+          </a:xfrm>
+        </p:spPr>
+      </p:sp>
+      <p:sp>
+        <p:nvSpPr>
+          <p:cNvPr id="3" name="Notes Placeholder 2"/>
+          <p:cNvSpPr>
+            <a:spLocks noGrp="1"/>
+          </p:cNvSpPr>
+          <p:nvPr>
+            <p:ph type="body" idx="1"/>
+          </p:nvPr>
+        </p:nvSpPr>
+        <p:spPr/>
+        <p:txBody>
+          <a:bodyPr/>
+          <a:lstStyle/>
+          <a:p>
+            <a:pPr marL="158750" indent="0">
+              <a:buNone/>
+            </a:pPr>
+            <a:r>
+              <a:rPr lang="ru-RU" dirty="0"/>
+              <a:t>Також були </a:t>
+            </a:r>
+            <a:r>
+              <a:rPr lang="ru-RU" dirty="0" err="1"/>
+              <a:t>розроблені</a:t>
+            </a:r>
+            <a:r>
+              <a:rPr lang="ru-RU" dirty="0"/>
+              <a:t> </a:t>
+            </a:r>
+            <a:r>
+              <a:rPr lang="ru-RU" dirty="0" err="1"/>
+              <a:t>складні</a:t>
+            </a:r>
+            <a:r>
+              <a:rPr lang="ru-RU" dirty="0"/>
+              <a:t> </a:t>
+            </a:r>
+            <a:r>
+              <a:rPr lang="ru-RU" dirty="0" err="1"/>
+              <a:t>запити</a:t>
+            </a:r>
+            <a:r>
+              <a:rPr lang="ru-RU" dirty="0"/>
+              <a:t> </a:t>
+            </a:r>
+            <a:r>
+              <a:rPr lang="ru-RU" dirty="0" err="1"/>
+              <a:t>агрегації</a:t>
+            </a:r>
+            <a:r>
+              <a:rPr lang="ru-RU" dirty="0"/>
+              <a:t> до </a:t>
+            </a:r>
+            <a:r>
+              <a:rPr lang="en-GB" dirty="0"/>
+              <a:t>MongoDB </a:t>
+            </a:r>
+            <a:r>
+              <a:rPr lang="ru-RU" dirty="0"/>
+              <a:t>з метою </a:t>
+            </a:r>
+            <a:r>
+              <a:rPr lang="ru-RU" dirty="0" err="1"/>
+              <a:t>фільтрації</a:t>
+            </a:r>
+            <a:r>
+              <a:rPr lang="ru-RU" dirty="0"/>
+              <a:t> та </a:t>
+            </a:r>
+            <a:r>
+              <a:rPr lang="ru-RU" dirty="0" err="1"/>
+              <a:t>сортування</a:t>
+            </a:r>
+            <a:r>
+              <a:rPr lang="ru-RU" dirty="0"/>
+              <a:t> </a:t>
+            </a:r>
+            <a:r>
+              <a:rPr lang="ru-RU" dirty="0" err="1"/>
+              <a:t>результатів</a:t>
+            </a:r>
+            <a:r>
+              <a:rPr lang="ru-RU" dirty="0"/>
+              <a:t> </a:t>
+            </a:r>
+            <a:r>
+              <a:rPr lang="ru-RU" dirty="0" err="1"/>
+              <a:t>пошуку</a:t>
+            </a:r>
+            <a:r>
+              <a:rPr lang="ru-RU" dirty="0"/>
+              <a:t>.</a:t>
+            </a:r>
+            <a:endParaRPr lang="en-GB" dirty="0"/>
+          </a:p>
+        </p:txBody>
+      </p:sp>
+    </p:spTree>
+    <p:extLst>
+      <p:ext uri="{BB962C8B-B14F-4D97-AF65-F5344CB8AC3E}">
+        <p14:creationId xmlns:p14="http://schemas.microsoft.com/office/powerpoint/2010/main" val="3895604452"/>
+      </p:ext>
+    </p:extLst>
+  </p:cSld>
+  <p:clrMapOvr>
+    <a:masterClrMapping/>
+  </p:clrMapOvr>
+</p:notes>
+</file>
+
+<file path=ppt/notesSlides/notesSlide21.xml><?xml version="1.0" encoding="utf-8"?>
+<p:notes xmlns:a="http://schemas.openxmlformats.org/drawingml/2006/main" xmlns:r="http://schemas.openxmlformats.org/officeDocument/2006/relationships" xmlns:p="http://schemas.openxmlformats.org/presentationml/2006/main">
+  <p:cSld>
+    <p:spTree>
+      <p:nvGrpSpPr>
+        <p:cNvPr id="1" name=""/>
+        <p:cNvGrpSpPr/>
+        <p:nvPr/>
+      </p:nvGrpSpPr>
+      <p:grpSpPr>
+        <a:xfrm>
+          <a:off x="0" y="0"/>
+          <a:ext cx="0" cy="0"/>
+          <a:chOff x="0" y="0"/>
+          <a:chExt cx="0" cy="0"/>
+        </a:xfrm>
+      </p:grpSpPr>
+      <p:sp>
+        <p:nvSpPr>
+          <p:cNvPr id="2" name="Slide Image Placeholder 1"/>
+          <p:cNvSpPr>
+            <a:spLocks noGrp="1" noRot="1" noChangeAspect="1"/>
+          </p:cNvSpPr>
+          <p:nvPr>
+            <p:ph type="sldImg"/>
+          </p:nvPr>
+        </p:nvSpPr>
+        <p:spPr>
+          <a:xfrm>
+            <a:off x="381000" y="685800"/>
+            <a:ext cx="6096000" cy="3429000"/>
+          </a:xfrm>
+        </p:spPr>
+      </p:sp>
+      <p:sp>
+        <p:nvSpPr>
+          <p:cNvPr id="3" name="Notes Placeholder 2"/>
+          <p:cNvSpPr>
+            <a:spLocks noGrp="1"/>
+          </p:cNvSpPr>
+          <p:nvPr>
+            <p:ph type="body" idx="1"/>
+          </p:nvPr>
+        </p:nvSpPr>
+        <p:spPr/>
+        <p:txBody>
+          <a:bodyPr/>
+          <a:lstStyle/>
+          <a:p>
+            <a:pPr marL="158750" indent="0">
+              <a:buNone/>
+            </a:pPr>
+            <a:r>
+              <a:rPr lang="ru-RU" dirty="0"/>
+              <a:t>В рамках </a:t>
+            </a:r>
+            <a:r>
+              <a:rPr lang="ru-RU" dirty="0" err="1"/>
+              <a:t>розробки</a:t>
+            </a:r>
+            <a:r>
+              <a:rPr lang="ru-RU" dirty="0"/>
+              <a:t>, </a:t>
+            </a:r>
+            <a:r>
+              <a:rPr lang="ru-RU" dirty="0" err="1"/>
+              <a:t>було</a:t>
+            </a:r>
+            <a:r>
+              <a:rPr lang="ru-RU" dirty="0"/>
+              <a:t> проведено </a:t>
+            </a:r>
+            <a:r>
+              <a:rPr lang="ru-RU" dirty="0" err="1"/>
+              <a:t>модульне</a:t>
+            </a:r>
+            <a:r>
+              <a:rPr lang="ru-RU" dirty="0"/>
+              <a:t> </a:t>
+            </a:r>
+            <a:r>
+              <a:rPr lang="ru-RU" dirty="0" err="1"/>
+              <a:t>тестування</a:t>
+            </a:r>
+            <a:r>
+              <a:rPr lang="ru-RU" dirty="0"/>
+              <a:t> </a:t>
+            </a:r>
+            <a:r>
+              <a:rPr lang="ru-RU" dirty="0" err="1"/>
+              <a:t>використовуючи</a:t>
+            </a:r>
+            <a:r>
+              <a:rPr lang="ru-RU" dirty="0"/>
+              <a:t> </a:t>
+            </a:r>
+            <a:r>
+              <a:rPr lang="ru-RU" dirty="0" err="1"/>
+              <a:t>стандартні</a:t>
+            </a:r>
+            <a:r>
+              <a:rPr lang="ru-RU" dirty="0"/>
+              <a:t> </a:t>
+            </a:r>
+            <a:r>
+              <a:rPr lang="ru-RU" dirty="0" err="1"/>
+              <a:t>механізми</a:t>
+            </a:r>
+            <a:r>
+              <a:rPr lang="ru-RU" dirty="0"/>
+              <a:t> </a:t>
+            </a:r>
+            <a:r>
+              <a:rPr lang="ru-RU" dirty="0" err="1"/>
+              <a:t>мови</a:t>
+            </a:r>
+            <a:r>
+              <a:rPr lang="ru-RU" dirty="0"/>
+              <a:t> Go.</a:t>
+            </a:r>
+            <a:endParaRPr lang="en-GB" dirty="0"/>
+          </a:p>
+        </p:txBody>
+      </p:sp>
+    </p:spTree>
+    <p:extLst>
+      <p:ext uri="{BB962C8B-B14F-4D97-AF65-F5344CB8AC3E}">
+        <p14:creationId xmlns:p14="http://schemas.microsoft.com/office/powerpoint/2010/main" val="526580897"/>
+      </p:ext>
+    </p:extLst>
+  </p:cSld>
+  <p:clrMapOvr>
+    <a:masterClrMapping/>
+  </p:clrMapOvr>
+</p:notes>
+</file>
+
+<file path=ppt/notesSlides/notesSlide22.xml><?xml version="1.0" encoding="utf-8"?>
+<p:notes xmlns:a="http://schemas.openxmlformats.org/drawingml/2006/main" xmlns:r="http://schemas.openxmlformats.org/officeDocument/2006/relationships" xmlns:p="http://schemas.openxmlformats.org/presentationml/2006/main">
+  <p:cSld>
+    <p:spTree>
+      <p:nvGrpSpPr>
+        <p:cNvPr id="1" name=""/>
+        <p:cNvGrpSpPr/>
+        <p:nvPr/>
+      </p:nvGrpSpPr>
+      <p:grpSpPr>
+        <a:xfrm>
+          <a:off x="0" y="0"/>
+          <a:ext cx="0" cy="0"/>
+          <a:chOff x="0" y="0"/>
+          <a:chExt cx="0" cy="0"/>
+        </a:xfrm>
+      </p:grpSpPr>
+      <p:sp>
+        <p:nvSpPr>
+          <p:cNvPr id="2" name="Slide Image Placeholder 1"/>
+          <p:cNvSpPr>
+            <a:spLocks noGrp="1" noRot="1" noChangeAspect="1"/>
+          </p:cNvSpPr>
+          <p:nvPr>
+            <p:ph type="sldImg"/>
+          </p:nvPr>
+        </p:nvSpPr>
+        <p:spPr>
+          <a:xfrm>
+            <a:off x="381000" y="685800"/>
+            <a:ext cx="6096000" cy="3429000"/>
+          </a:xfrm>
+        </p:spPr>
+      </p:sp>
+      <p:sp>
+        <p:nvSpPr>
+          <p:cNvPr id="3" name="Notes Placeholder 2"/>
+          <p:cNvSpPr>
+            <a:spLocks noGrp="1"/>
+          </p:cNvSpPr>
+          <p:nvPr>
+            <p:ph type="body" idx="1"/>
+          </p:nvPr>
+        </p:nvSpPr>
+        <p:spPr/>
+        <p:txBody>
+          <a:bodyPr/>
+          <a:lstStyle/>
+          <a:p>
+            <a:pPr marL="158750" indent="0">
+              <a:buNone/>
+            </a:pPr>
+            <a:r>
+              <a:rPr lang="ru-RU" dirty="0" err="1"/>
+              <a:t>Аналогічно</a:t>
+            </a:r>
+            <a:r>
+              <a:rPr lang="ru-RU" dirty="0"/>
+              <a:t>, </a:t>
+            </a:r>
+            <a:r>
+              <a:rPr lang="ru-RU" dirty="0" err="1"/>
+              <a:t>було</a:t>
+            </a:r>
+            <a:r>
+              <a:rPr lang="ru-RU" dirty="0"/>
+              <a:t> </a:t>
+            </a:r>
+            <a:r>
+              <a:rPr lang="ru-RU" dirty="0" err="1"/>
+              <a:t>проведене</a:t>
+            </a:r>
+            <a:r>
+              <a:rPr lang="ru-RU" dirty="0"/>
+              <a:t> </a:t>
+            </a:r>
+            <a:r>
+              <a:rPr lang="ru-RU" dirty="0" err="1"/>
+              <a:t>інтеграційне</a:t>
+            </a:r>
+            <a:r>
+              <a:rPr lang="ru-RU" dirty="0"/>
+              <a:t> </a:t>
+            </a:r>
+            <a:r>
+              <a:rPr lang="ru-RU" dirty="0" err="1"/>
+              <a:t>тестування</a:t>
+            </a:r>
+            <a:r>
+              <a:rPr lang="ru-RU" dirty="0"/>
+              <a:t>, для </a:t>
+            </a:r>
+            <a:r>
+              <a:rPr lang="ru-RU" dirty="0" err="1"/>
+              <a:t>чого</a:t>
+            </a:r>
+            <a:r>
+              <a:rPr lang="ru-RU" dirty="0"/>
+              <a:t> також </a:t>
+            </a:r>
+            <a:r>
+              <a:rPr lang="ru-RU" dirty="0" err="1"/>
+              <a:t>використали</a:t>
+            </a:r>
+            <a:r>
+              <a:rPr lang="ru-RU" dirty="0"/>
+              <a:t> </a:t>
+            </a:r>
+            <a:r>
+              <a:rPr lang="ru-RU" dirty="0" err="1"/>
+              <a:t>функції</a:t>
+            </a:r>
+            <a:r>
+              <a:rPr lang="ru-RU" dirty="0"/>
+              <a:t>, </a:t>
+            </a:r>
+            <a:r>
+              <a:rPr lang="ru-RU" dirty="0" err="1"/>
+              <a:t>надані</a:t>
+            </a:r>
+            <a:r>
+              <a:rPr lang="ru-RU" dirty="0"/>
+              <a:t> DI-контейнером </a:t>
+            </a:r>
+            <a:r>
+              <a:rPr lang="ru-RU" dirty="0" err="1"/>
+              <a:t>uber</a:t>
+            </a:r>
+            <a:r>
+              <a:rPr lang="ru-RU" dirty="0"/>
+              <a:t>/</a:t>
+            </a:r>
+            <a:r>
+              <a:rPr lang="ru-RU" dirty="0" err="1"/>
+              <a:t>fx</a:t>
+            </a:r>
+            <a:r>
+              <a:rPr lang="ru-RU" dirty="0"/>
+              <a:t>.</a:t>
+            </a:r>
+            <a:endParaRPr lang="en-GB" dirty="0"/>
+          </a:p>
+        </p:txBody>
+      </p:sp>
+    </p:spTree>
+    <p:extLst>
+      <p:ext uri="{BB962C8B-B14F-4D97-AF65-F5344CB8AC3E}">
+        <p14:creationId xmlns:p14="http://schemas.microsoft.com/office/powerpoint/2010/main" val="3100084815"/>
+      </p:ext>
+    </p:extLst>
+  </p:cSld>
+  <p:clrMapOvr>
+    <a:masterClrMapping/>
+  </p:clrMapOvr>
+</p:notes>
+</file>
+
+<file path=ppt/notesSlides/notesSlide23.xml><?xml version="1.0" encoding="utf-8"?>
+<p:notes xmlns:a="http://schemas.openxmlformats.org/drawingml/2006/main" xmlns:r="http://schemas.openxmlformats.org/officeDocument/2006/relationships" xmlns:p="http://schemas.openxmlformats.org/presentationml/2006/main">
+  <p:cSld>
+    <p:spTree>
+      <p:nvGrpSpPr>
+        <p:cNvPr id="1" name=""/>
+        <p:cNvGrpSpPr/>
+        <p:nvPr/>
+      </p:nvGrpSpPr>
+      <p:grpSpPr>
+        <a:xfrm>
+          <a:off x="0" y="0"/>
+          <a:ext cx="0" cy="0"/>
+          <a:chOff x="0" y="0"/>
+          <a:chExt cx="0" cy="0"/>
+        </a:xfrm>
+      </p:grpSpPr>
+      <p:sp>
+        <p:nvSpPr>
+          <p:cNvPr id="2" name="Slide Image Placeholder 1"/>
+          <p:cNvSpPr>
+            <a:spLocks noGrp="1" noRot="1" noChangeAspect="1"/>
+          </p:cNvSpPr>
+          <p:nvPr>
+            <p:ph type="sldImg"/>
+          </p:nvPr>
+        </p:nvSpPr>
+        <p:spPr>
+          <a:xfrm>
+            <a:off x="381000" y="685800"/>
+            <a:ext cx="6096000" cy="3429000"/>
+          </a:xfrm>
+        </p:spPr>
+      </p:sp>
+      <p:sp>
+        <p:nvSpPr>
+          <p:cNvPr id="3" name="Notes Placeholder 2"/>
+          <p:cNvSpPr>
+            <a:spLocks noGrp="1"/>
+          </p:cNvSpPr>
+          <p:nvPr>
+            <p:ph type="body" idx="1"/>
+          </p:nvPr>
+        </p:nvSpPr>
+        <p:spPr/>
+        <p:txBody>
+          <a:bodyPr/>
+          <a:lstStyle/>
+          <a:p>
+            <a:pPr marL="158750" indent="0">
+              <a:buNone/>
+            </a:pPr>
+            <a:r>
+              <a:rPr lang="ru-RU" dirty="0" err="1"/>
+              <a:t>Навантажувальне</a:t>
+            </a:r>
+            <a:r>
+              <a:rPr lang="ru-RU" dirty="0"/>
+              <a:t> </a:t>
+            </a:r>
+            <a:r>
+              <a:rPr lang="ru-RU" dirty="0" err="1"/>
+              <a:t>тестування</a:t>
+            </a:r>
+            <a:r>
+              <a:rPr lang="ru-RU" dirty="0"/>
+              <a:t> </a:t>
+            </a:r>
+            <a:r>
+              <a:rPr lang="ru-RU" dirty="0" err="1"/>
+              <a:t>було</a:t>
+            </a:r>
+            <a:r>
+              <a:rPr lang="ru-RU" dirty="0"/>
+              <a:t> проведено з </a:t>
+            </a:r>
+            <a:r>
+              <a:rPr lang="ru-RU" dirty="0" err="1"/>
+              <a:t>використанням</a:t>
+            </a:r>
+            <a:r>
+              <a:rPr lang="ru-RU" dirty="0"/>
+              <a:t> </a:t>
+            </a:r>
+            <a:r>
+              <a:rPr lang="ru-RU" dirty="0" err="1"/>
+              <a:t>вбудованого</a:t>
+            </a:r>
+            <a:r>
+              <a:rPr lang="ru-RU" dirty="0"/>
+              <a:t> </a:t>
+            </a:r>
+            <a:r>
+              <a:rPr lang="ru-RU" dirty="0" err="1"/>
+              <a:t>профілювальника</a:t>
+            </a:r>
+            <a:r>
+              <a:rPr lang="ru-RU" dirty="0"/>
+              <a:t> </a:t>
+            </a:r>
+            <a:r>
+              <a:rPr lang="ru-RU" dirty="0" err="1"/>
+              <a:t>Goland</a:t>
+            </a:r>
+            <a:r>
+              <a:rPr lang="ru-RU" dirty="0"/>
+              <a:t> та </a:t>
+            </a:r>
+            <a:r>
+              <a:rPr lang="ru-RU" dirty="0" err="1"/>
+              <a:t>спеціально</a:t>
+            </a:r>
+            <a:r>
+              <a:rPr lang="ru-RU" dirty="0"/>
+              <a:t> </a:t>
+            </a:r>
+            <a:r>
+              <a:rPr lang="ru-RU" dirty="0" err="1"/>
+              <a:t>створених</a:t>
+            </a:r>
+            <a:r>
+              <a:rPr lang="ru-RU" dirty="0"/>
+              <a:t> </a:t>
+            </a:r>
+            <a:r>
+              <a:rPr lang="ru-RU" dirty="0" err="1"/>
+              <a:t>тестів</a:t>
+            </a:r>
+            <a:r>
+              <a:rPr lang="ru-RU" dirty="0"/>
+              <a:t>.</a:t>
+            </a:r>
+            <a:endParaRPr lang="en-GB" dirty="0"/>
+          </a:p>
+        </p:txBody>
+      </p:sp>
+    </p:spTree>
+    <p:extLst>
+      <p:ext uri="{BB962C8B-B14F-4D97-AF65-F5344CB8AC3E}">
+        <p14:creationId xmlns:p14="http://schemas.microsoft.com/office/powerpoint/2010/main" val="1077465029"/>
+      </p:ext>
+    </p:extLst>
+  </p:cSld>
+  <p:clrMapOvr>
+    <a:masterClrMapping/>
+  </p:clrMapOvr>
+</p:notes>
+</file>
+
+<file path=ppt/notesSlides/notesSlide24.xml><?xml version="1.0" encoding="utf-8"?>
+<p:notes xmlns:a="http://schemas.openxmlformats.org/drawingml/2006/main" xmlns:r="http://schemas.openxmlformats.org/officeDocument/2006/relationships" xmlns:p="http://schemas.openxmlformats.org/presentationml/2006/main">
+  <p:cSld>
+    <p:spTree>
+      <p:nvGrpSpPr>
+        <p:cNvPr id="1" name=""/>
+        <p:cNvGrpSpPr/>
+        <p:nvPr/>
+      </p:nvGrpSpPr>
+      <p:grpSpPr>
+        <a:xfrm>
+          <a:off x="0" y="0"/>
+          <a:ext cx="0" cy="0"/>
+          <a:chOff x="0" y="0"/>
+          <a:chExt cx="0" cy="0"/>
+        </a:xfrm>
+      </p:grpSpPr>
+      <p:sp>
+        <p:nvSpPr>
+          <p:cNvPr id="2" name="Slide Image Placeholder 1"/>
+          <p:cNvSpPr>
+            <a:spLocks noGrp="1" noRot="1" noChangeAspect="1"/>
+          </p:cNvSpPr>
+          <p:nvPr>
+            <p:ph type="sldImg"/>
+          </p:nvPr>
+        </p:nvSpPr>
+        <p:spPr>
+          <a:xfrm>
+            <a:off x="381000" y="685800"/>
+            <a:ext cx="6096000" cy="3429000"/>
+          </a:xfrm>
+        </p:spPr>
+      </p:sp>
+      <p:sp>
+        <p:nvSpPr>
+          <p:cNvPr id="3" name="Notes Placeholder 2"/>
+          <p:cNvSpPr>
+            <a:spLocks noGrp="1"/>
+          </p:cNvSpPr>
+          <p:nvPr>
+            <p:ph type="body" idx="1"/>
+          </p:nvPr>
+        </p:nvSpPr>
+        <p:spPr/>
+        <p:txBody>
+          <a:bodyPr/>
+          <a:lstStyle/>
+          <a:p>
+            <a:pPr marL="158750" indent="0">
+              <a:buNone/>
+            </a:pPr>
+            <a:r>
+              <a:rPr lang="ru-RU" dirty="0" err="1"/>
+              <a:t>Розробка</a:t>
+            </a:r>
+            <a:r>
+              <a:rPr lang="ru-RU" dirty="0"/>
+              <a:t> стала </a:t>
+            </a:r>
+            <a:r>
+              <a:rPr lang="ru-RU" dirty="0" err="1"/>
+              <a:t>підгрунтям</a:t>
+            </a:r>
+            <a:r>
+              <a:rPr lang="ru-RU" dirty="0"/>
+              <a:t> для </a:t>
+            </a:r>
+            <a:r>
+              <a:rPr lang="ru-RU" dirty="0" err="1"/>
+              <a:t>написання</a:t>
+            </a:r>
+            <a:r>
+              <a:rPr lang="ru-RU" dirty="0"/>
+              <a:t> тез, </a:t>
+            </a:r>
+            <a:r>
+              <a:rPr lang="ru-RU" dirty="0" err="1"/>
+              <a:t>презентованих</a:t>
+            </a:r>
+            <a:r>
+              <a:rPr lang="ru-RU" dirty="0"/>
+              <a:t> на </a:t>
+            </a:r>
+            <a:r>
+              <a:rPr lang="ru-RU" dirty="0" err="1"/>
+              <a:t>міжнародній</a:t>
+            </a:r>
+            <a:r>
+              <a:rPr lang="ru-RU" dirty="0"/>
+              <a:t> </a:t>
+            </a:r>
+            <a:r>
+              <a:rPr lang="ru-RU" dirty="0" err="1"/>
+              <a:t>науковій</a:t>
+            </a:r>
+            <a:r>
+              <a:rPr lang="ru-RU" dirty="0"/>
+              <a:t> </a:t>
+            </a:r>
+            <a:r>
+              <a:rPr lang="ru-RU" dirty="0" err="1"/>
+              <a:t>конференції</a:t>
+            </a:r>
+            <a:r>
+              <a:rPr lang="ru-RU" dirty="0"/>
+              <a:t>.</a:t>
+            </a:r>
+            <a:endParaRPr lang="en-GB" dirty="0"/>
+          </a:p>
+        </p:txBody>
+      </p:sp>
+    </p:spTree>
+    <p:extLst>
+      <p:ext uri="{BB962C8B-B14F-4D97-AF65-F5344CB8AC3E}">
+        <p14:creationId xmlns:p14="http://schemas.microsoft.com/office/powerpoint/2010/main" val="2913903594"/>
+      </p:ext>
+    </p:extLst>
+  </p:cSld>
+  <p:clrMapOvr>
+    <a:masterClrMapping/>
+  </p:clrMapOvr>
+</p:notes>
+</file>
+
+<file path=ppt/notesSlides/notesSlide25.xml><?xml version="1.0" encoding="utf-8"?>
+<p:notes xmlns:a="http://schemas.openxmlformats.org/drawingml/2006/main" xmlns:r="http://schemas.openxmlformats.org/officeDocument/2006/relationships" xmlns:p="http://schemas.openxmlformats.org/presentationml/2006/main">
+  <p:cSld>
+    <p:spTree>
+      <p:nvGrpSpPr>
+        <p:cNvPr id="1" name=""/>
+        <p:cNvGrpSpPr/>
+        <p:nvPr/>
+      </p:nvGrpSpPr>
+      <p:grpSpPr>
+        <a:xfrm>
+          <a:off x="0" y="0"/>
+          <a:ext cx="0" cy="0"/>
+          <a:chOff x="0" y="0"/>
+          <a:chExt cx="0" cy="0"/>
+        </a:xfrm>
+      </p:grpSpPr>
+      <p:sp>
+        <p:nvSpPr>
+          <p:cNvPr id="2" name="Slide Image Placeholder 1"/>
+          <p:cNvSpPr>
+            <a:spLocks noGrp="1" noRot="1" noChangeAspect="1"/>
+          </p:cNvSpPr>
+          <p:nvPr>
+            <p:ph type="sldImg"/>
+          </p:nvPr>
+        </p:nvSpPr>
+        <p:spPr>
+          <a:xfrm>
+            <a:off x="381000" y="685800"/>
+            <a:ext cx="6096000" cy="3429000"/>
+          </a:xfrm>
+        </p:spPr>
+      </p:sp>
+      <p:sp>
+        <p:nvSpPr>
+          <p:cNvPr id="3" name="Notes Placeholder 2"/>
+          <p:cNvSpPr>
+            <a:spLocks noGrp="1"/>
+          </p:cNvSpPr>
+          <p:nvPr>
+            <p:ph type="body" idx="1"/>
+          </p:nvPr>
+        </p:nvSpPr>
+        <p:spPr/>
+        <p:txBody>
+          <a:bodyPr/>
+          <a:lstStyle/>
+          <a:p>
+            <a:pPr marL="158750" indent="0">
+              <a:buNone/>
+            </a:pPr>
+            <a:r>
+              <a:rPr lang="ru-RU" dirty="0"/>
+              <a:t>Результатом </a:t>
+            </a:r>
+            <a:r>
+              <a:rPr lang="ru-RU" dirty="0" err="1"/>
+              <a:t>роботи</a:t>
+            </a:r>
+            <a:r>
+              <a:rPr lang="ru-RU" dirty="0"/>
+              <a:t> став </a:t>
+            </a:r>
+            <a:r>
+              <a:rPr lang="ru-RU" dirty="0" err="1"/>
+              <a:t>готовий</a:t>
+            </a:r>
+            <a:r>
+              <a:rPr lang="ru-RU" dirty="0"/>
+              <a:t> до </a:t>
+            </a:r>
+            <a:r>
+              <a:rPr lang="ru-RU" dirty="0" err="1"/>
+              <a:t>експлуатації</a:t>
+            </a:r>
+            <a:r>
+              <a:rPr lang="ru-RU" dirty="0"/>
+              <a:t>, </a:t>
+            </a:r>
+            <a:r>
+              <a:rPr lang="ru-RU" dirty="0" err="1"/>
+              <a:t>надійний</a:t>
+            </a:r>
+            <a:r>
+              <a:rPr lang="ru-RU" dirty="0"/>
+              <a:t> та </a:t>
+            </a:r>
+            <a:r>
+              <a:rPr lang="ru-RU" dirty="0" err="1"/>
+              <a:t>функціональних</a:t>
+            </a:r>
+            <a:r>
+              <a:rPr lang="ru-RU" dirty="0"/>
+              <a:t> </a:t>
+            </a:r>
+            <a:r>
+              <a:rPr lang="ru-RU" dirty="0" err="1"/>
+              <a:t>серверний</a:t>
+            </a:r>
+            <a:r>
+              <a:rPr lang="ru-RU" dirty="0"/>
+              <a:t> компонент </a:t>
+            </a:r>
+            <a:r>
+              <a:rPr lang="ru-RU" dirty="0" err="1"/>
+              <a:t>програмної</a:t>
+            </a:r>
+            <a:r>
+              <a:rPr lang="ru-RU" dirty="0"/>
+              <a:t> </a:t>
+            </a:r>
+            <a:r>
+              <a:rPr lang="ru-RU" dirty="0" err="1"/>
+              <a:t>частини</a:t>
+            </a:r>
+            <a:r>
+              <a:rPr lang="ru-RU" dirty="0"/>
+              <a:t> </a:t>
+            </a:r>
+            <a:r>
+              <a:rPr lang="ru-RU" dirty="0" err="1"/>
+              <a:t>хмарного</a:t>
+            </a:r>
+            <a:r>
+              <a:rPr lang="ru-RU" dirty="0"/>
+              <a:t> </a:t>
+            </a:r>
+            <a:r>
+              <a:rPr lang="ru-RU" dirty="0" err="1"/>
+              <a:t>зберігання</a:t>
+            </a:r>
+            <a:r>
+              <a:rPr lang="ru-RU" dirty="0"/>
+              <a:t> </a:t>
+            </a:r>
+            <a:r>
+              <a:rPr lang="ru-RU" dirty="0" err="1"/>
+              <a:t>файлів</a:t>
+            </a:r>
+            <a:r>
+              <a:rPr lang="ru-RU" dirty="0"/>
+              <a:t>, </a:t>
+            </a:r>
+            <a:r>
+              <a:rPr lang="ru-RU" dirty="0" err="1"/>
+              <a:t>що</a:t>
+            </a:r>
+            <a:r>
+              <a:rPr lang="ru-RU" dirty="0"/>
+              <a:t> </a:t>
+            </a:r>
+            <a:r>
+              <a:rPr lang="ru-RU" dirty="0" err="1"/>
+              <a:t>відповідає</a:t>
+            </a:r>
+            <a:r>
+              <a:rPr lang="ru-RU" dirty="0"/>
+              <a:t> </a:t>
+            </a:r>
+            <a:r>
+              <a:rPr lang="ru-RU" dirty="0" err="1"/>
+              <a:t>всім</a:t>
+            </a:r>
+            <a:r>
+              <a:rPr lang="ru-RU" dirty="0"/>
+              <a:t> </a:t>
+            </a:r>
+            <a:r>
+              <a:rPr lang="ru-RU" dirty="0" err="1"/>
+              <a:t>поставленим</a:t>
+            </a:r>
+            <a:r>
+              <a:rPr lang="ru-RU" dirty="0"/>
+              <a:t> </a:t>
+            </a:r>
+            <a:r>
+              <a:rPr lang="ru-RU" dirty="0" err="1"/>
+              <a:t>вимогам</a:t>
+            </a:r>
+            <a:r>
+              <a:rPr lang="ru-RU" dirty="0"/>
+              <a:t>.</a:t>
+            </a:r>
+            <a:endParaRPr lang="en-GB" dirty="0"/>
+          </a:p>
+        </p:txBody>
+      </p:sp>
+    </p:spTree>
+    <p:extLst>
+      <p:ext uri="{BB962C8B-B14F-4D97-AF65-F5344CB8AC3E}">
+        <p14:creationId xmlns:p14="http://schemas.microsoft.com/office/powerpoint/2010/main" val="4024137310"/>
+      </p:ext>
+    </p:extLst>
+  </p:cSld>
+  <p:clrMapOvr>
+    <a:masterClrMapping/>
+  </p:clrMapOvr>
+</p:notes>
+</file>
+
+<file path=ppt/notesSlides/notesSlide3.xml><?xml version="1.0" encoding="utf-8"?>
+<p:notes xmlns:a="http://schemas.openxmlformats.org/drawingml/2006/main" xmlns:r="http://schemas.openxmlformats.org/officeDocument/2006/relationships" xmlns:p="http://schemas.openxmlformats.org/presentationml/2006/main">
+  <p:cSld>
+    <p:spTree>
+      <p:nvGrpSpPr>
+        <p:cNvPr id="1" name=""/>
+        <p:cNvGrpSpPr/>
+        <p:nvPr/>
+      </p:nvGrpSpPr>
+      <p:grpSpPr>
+        <a:xfrm>
+          <a:off x="0" y="0"/>
+          <a:ext cx="0" cy="0"/>
+          <a:chOff x="0" y="0"/>
+          <a:chExt cx="0" cy="0"/>
+        </a:xfrm>
+      </p:grpSpPr>
+      <p:sp>
+        <p:nvSpPr>
+          <p:cNvPr id="2" name="Slide Image Placeholder 1"/>
+          <p:cNvSpPr>
+            <a:spLocks noGrp="1" noRot="1" noChangeAspect="1"/>
+          </p:cNvSpPr>
+          <p:nvPr>
+            <p:ph type="sldImg"/>
+          </p:nvPr>
+        </p:nvSpPr>
+        <p:spPr>
+          <a:xfrm>
+            <a:off x="381000" y="685800"/>
+            <a:ext cx="6096000" cy="3429000"/>
+          </a:xfrm>
+        </p:spPr>
+      </p:sp>
+      <p:sp>
+        <p:nvSpPr>
+          <p:cNvPr id="3" name="Notes Placeholder 2"/>
+          <p:cNvSpPr>
+            <a:spLocks noGrp="1"/>
+          </p:cNvSpPr>
+          <p:nvPr>
+            <p:ph type="body" idx="1"/>
+          </p:nvPr>
+        </p:nvSpPr>
+        <p:spPr/>
+        <p:txBody>
+          <a:bodyPr/>
+          <a:lstStyle/>
+          <a:p>
+            <a:pPr marL="158750" indent="0">
+              <a:buNone/>
+            </a:pPr>
+            <a:r>
+              <a:rPr lang="ru-RU" dirty="0" err="1"/>
+              <a:t>Відповідно</a:t>
+            </a:r>
+            <a:r>
+              <a:rPr lang="ru-RU" dirty="0"/>
+              <a:t>, метою </a:t>
+            </a:r>
+            <a:r>
+              <a:rPr lang="ru-RU" dirty="0" err="1"/>
+              <a:t>роботи</a:t>
+            </a:r>
+            <a:r>
+              <a:rPr lang="ru-RU" dirty="0"/>
+              <a:t> </a:t>
+            </a:r>
+            <a:r>
+              <a:rPr lang="ru-RU" dirty="0" err="1"/>
+              <a:t>було</a:t>
+            </a:r>
+            <a:r>
+              <a:rPr lang="ru-RU" dirty="0"/>
+              <a:t> </a:t>
+            </a:r>
+            <a:r>
+              <a:rPr lang="ru-RU" dirty="0" err="1"/>
+              <a:t>визначено</a:t>
+            </a:r>
+            <a:r>
+              <a:rPr lang="ru-RU" dirty="0"/>
+              <a:t> </a:t>
+            </a:r>
+            <a:r>
+              <a:rPr lang="ru-RU" dirty="0" err="1"/>
+              <a:t>розробку</a:t>
+            </a:r>
+            <a:r>
+              <a:rPr lang="ru-RU" dirty="0"/>
+              <a:t> </a:t>
+            </a:r>
+            <a:r>
+              <a:rPr lang="ru-RU" dirty="0" err="1"/>
+              <a:t>серверної</a:t>
+            </a:r>
+            <a:r>
+              <a:rPr lang="ru-RU" dirty="0"/>
+              <a:t> </a:t>
+            </a:r>
+            <a:r>
+              <a:rPr lang="ru-RU" dirty="0" err="1"/>
+              <a:t>частини</a:t>
+            </a:r>
+            <a:r>
+              <a:rPr lang="ru-RU" dirty="0"/>
+              <a:t> </a:t>
+            </a:r>
+            <a:r>
+              <a:rPr lang="ru-RU" dirty="0" err="1"/>
+              <a:t>програмної</a:t>
+            </a:r>
+            <a:r>
+              <a:rPr lang="ru-RU" dirty="0"/>
+              <a:t> </a:t>
+            </a:r>
+            <a:r>
+              <a:rPr lang="ru-RU" dirty="0" err="1"/>
+              <a:t>системи</a:t>
+            </a:r>
+            <a:r>
+              <a:rPr lang="ru-RU" dirty="0"/>
+              <a:t> для </a:t>
+            </a:r>
+            <a:r>
+              <a:rPr lang="ru-RU" dirty="0" err="1"/>
+              <a:t>хмарного</a:t>
+            </a:r>
+            <a:r>
+              <a:rPr lang="ru-RU" dirty="0"/>
+              <a:t> </a:t>
+            </a:r>
+            <a:r>
+              <a:rPr lang="ru-RU" dirty="0" err="1"/>
+              <a:t>зберігання</a:t>
+            </a:r>
+            <a:r>
+              <a:rPr lang="ru-RU" dirty="0"/>
+              <a:t> </a:t>
+            </a:r>
+            <a:r>
+              <a:rPr lang="ru-RU" dirty="0" err="1"/>
+              <a:t>особистих</a:t>
+            </a:r>
+            <a:r>
+              <a:rPr lang="ru-RU" dirty="0"/>
+              <a:t> </a:t>
+            </a:r>
+            <a:r>
+              <a:rPr lang="ru-RU" dirty="0" err="1"/>
+              <a:t>файлів</a:t>
+            </a:r>
+            <a:r>
+              <a:rPr lang="ru-RU" dirty="0"/>
+              <a:t> з акцентом на </a:t>
+            </a:r>
+            <a:r>
+              <a:rPr lang="ru-RU" dirty="0" err="1"/>
+              <a:t>швидкодії</a:t>
+            </a:r>
+            <a:r>
+              <a:rPr lang="ru-RU" dirty="0"/>
+              <a:t>, </a:t>
+            </a:r>
+            <a:r>
+              <a:rPr lang="ru-RU" dirty="0" err="1"/>
+              <a:t>зручності</a:t>
+            </a:r>
+            <a:r>
+              <a:rPr lang="ru-RU" dirty="0"/>
+              <a:t> та </a:t>
+            </a:r>
+            <a:r>
+              <a:rPr lang="ru-RU" dirty="0" err="1"/>
+              <a:t>безпеці</a:t>
+            </a:r>
+            <a:r>
+              <a:rPr lang="ru-RU" dirty="0"/>
+              <a:t>.</a:t>
+            </a:r>
+            <a:endParaRPr lang="en-GB" dirty="0"/>
+          </a:p>
+        </p:txBody>
+      </p:sp>
+    </p:spTree>
+    <p:extLst>
+      <p:ext uri="{BB962C8B-B14F-4D97-AF65-F5344CB8AC3E}">
+        <p14:creationId xmlns:p14="http://schemas.microsoft.com/office/powerpoint/2010/main" val="4130444947"/>
+      </p:ext>
+    </p:extLst>
+  </p:cSld>
+  <p:clrMapOvr>
+    <a:masterClrMapping/>
+  </p:clrMapOvr>
+</p:notes>
+</file>
+
+<file path=ppt/notesSlides/notesSlide4.xml><?xml version="1.0" encoding="utf-8"?>
+<p:notes xmlns:a="http://schemas.openxmlformats.org/drawingml/2006/main" xmlns:r="http://schemas.openxmlformats.org/officeDocument/2006/relationships" xmlns:p="http://schemas.openxmlformats.org/presentationml/2006/main">
+  <p:cSld>
+    <p:spTree>
+      <p:nvGrpSpPr>
+        <p:cNvPr id="1" name=""/>
+        <p:cNvGrpSpPr/>
+        <p:nvPr/>
+      </p:nvGrpSpPr>
+      <p:grpSpPr>
+        <a:xfrm>
+          <a:off x="0" y="0"/>
+          <a:ext cx="0" cy="0"/>
+          <a:chOff x="0" y="0"/>
+          <a:chExt cx="0" cy="0"/>
+        </a:xfrm>
+      </p:grpSpPr>
+      <p:sp>
+        <p:nvSpPr>
+          <p:cNvPr id="2" name="Slide Image Placeholder 1"/>
+          <p:cNvSpPr>
+            <a:spLocks noGrp="1" noRot="1" noChangeAspect="1"/>
+          </p:cNvSpPr>
+          <p:nvPr>
+            <p:ph type="sldImg"/>
+          </p:nvPr>
+        </p:nvSpPr>
+        <p:spPr>
+          <a:xfrm>
+            <a:off x="381000" y="685800"/>
+            <a:ext cx="6096000" cy="3429000"/>
+          </a:xfrm>
+        </p:spPr>
+      </p:sp>
+      <p:sp>
+        <p:nvSpPr>
+          <p:cNvPr id="3" name="Notes Placeholder 2"/>
+          <p:cNvSpPr>
+            <a:spLocks noGrp="1"/>
+          </p:cNvSpPr>
+          <p:nvPr>
+            <p:ph type="body" idx="1"/>
+          </p:nvPr>
+        </p:nvSpPr>
+        <p:spPr/>
+        <p:txBody>
+          <a:bodyPr/>
+          <a:lstStyle/>
+          <a:p>
+            <a:pPr marL="158750" indent="0">
+              <a:buNone/>
+            </a:pPr>
+            <a:r>
+              <a:rPr lang="ru-RU" dirty="0" err="1"/>
+              <a:t>Обсяг</a:t>
+            </a:r>
+            <a:r>
+              <a:rPr lang="ru-RU" dirty="0"/>
+              <a:t> </a:t>
+            </a:r>
+            <a:r>
+              <a:rPr lang="ru-RU" dirty="0" err="1"/>
+              <a:t>медіаконтенту</a:t>
+            </a:r>
+            <a:r>
+              <a:rPr lang="ru-RU" dirty="0"/>
+              <a:t>, </a:t>
+            </a:r>
+            <a:r>
+              <a:rPr lang="ru-RU" dirty="0" err="1"/>
+              <a:t>що</a:t>
+            </a:r>
+            <a:r>
+              <a:rPr lang="ru-RU" dirty="0"/>
+              <a:t> </a:t>
+            </a:r>
+            <a:r>
+              <a:rPr lang="ru-RU" dirty="0" err="1"/>
+              <a:t>користувачі</a:t>
+            </a:r>
+            <a:r>
+              <a:rPr lang="ru-RU" dirty="0"/>
+              <a:t> </a:t>
+            </a:r>
+            <a:r>
+              <a:rPr lang="ru-RU" dirty="0" err="1"/>
+              <a:t>створюють</a:t>
+            </a:r>
+            <a:r>
+              <a:rPr lang="ru-RU" dirty="0"/>
+              <a:t>, </a:t>
+            </a:r>
+            <a:r>
+              <a:rPr lang="ru-RU" dirty="0" err="1"/>
+              <a:t>зберігають</a:t>
+            </a:r>
+            <a:r>
+              <a:rPr lang="ru-RU" dirty="0"/>
+              <a:t> та </a:t>
+            </a:r>
+            <a:r>
+              <a:rPr lang="ru-RU" dirty="0" err="1"/>
+              <a:t>споживають</a:t>
+            </a:r>
+            <a:r>
+              <a:rPr lang="ru-RU" dirty="0"/>
+              <a:t> </a:t>
+            </a:r>
+            <a:r>
+              <a:rPr lang="ru-RU" dirty="0" err="1"/>
+              <a:t>зростає</a:t>
+            </a:r>
+            <a:r>
+              <a:rPr lang="ru-RU" dirty="0"/>
+              <a:t> </a:t>
+            </a:r>
+            <a:r>
+              <a:rPr lang="ru-RU" dirty="0" err="1"/>
+              <a:t>щороку</a:t>
+            </a:r>
+            <a:r>
+              <a:rPr lang="ru-RU" dirty="0"/>
+              <a:t>. </a:t>
+            </a:r>
+            <a:r>
+              <a:rPr lang="ru-RU" dirty="0" err="1"/>
+              <a:t>Однак</a:t>
+            </a:r>
+            <a:r>
+              <a:rPr lang="ru-RU" dirty="0"/>
+              <a:t>, </a:t>
+            </a:r>
+            <a:r>
+              <a:rPr lang="ru-RU" dirty="0" err="1"/>
+              <a:t>швидкісний</a:t>
+            </a:r>
+            <a:r>
+              <a:rPr lang="ru-RU" dirty="0"/>
+              <a:t> </a:t>
+            </a:r>
+            <a:r>
+              <a:rPr lang="ru-RU" dirty="0" err="1"/>
+              <a:t>потоковий</a:t>
+            </a:r>
+            <a:r>
+              <a:rPr lang="ru-RU" dirty="0"/>
+              <a:t> перегляд </a:t>
+            </a:r>
+            <a:r>
+              <a:rPr lang="ru-RU" dirty="0" err="1"/>
+              <a:t>мультимедіа</a:t>
+            </a:r>
+            <a:r>
+              <a:rPr lang="ru-RU" dirty="0"/>
+              <a:t> в </a:t>
+            </a:r>
+            <a:r>
+              <a:rPr lang="ru-RU" dirty="0" err="1"/>
+              <a:t>існуючих</a:t>
+            </a:r>
+            <a:r>
+              <a:rPr lang="ru-RU" dirty="0"/>
+              <a:t> системах все </a:t>
+            </a:r>
+            <a:r>
+              <a:rPr lang="ru-RU" dirty="0" err="1"/>
+              <a:t>ще</a:t>
+            </a:r>
+            <a:r>
+              <a:rPr lang="ru-RU" dirty="0"/>
+              <a:t> затруднений, а </a:t>
+            </a:r>
+            <a:r>
+              <a:rPr lang="ru-RU" dirty="0" err="1"/>
+              <a:t>безпека</a:t>
+            </a:r>
+            <a:r>
+              <a:rPr lang="ru-RU" dirty="0"/>
+              <a:t> </a:t>
+            </a:r>
+            <a:r>
+              <a:rPr lang="ru-RU" dirty="0" err="1"/>
+              <a:t>зазначених</a:t>
+            </a:r>
+            <a:r>
+              <a:rPr lang="ru-RU" dirty="0"/>
+              <a:t> систем часто </a:t>
+            </a:r>
+            <a:r>
+              <a:rPr lang="ru-RU" dirty="0" err="1"/>
+              <a:t>викликає</a:t>
+            </a:r>
+            <a:r>
+              <a:rPr lang="ru-RU" dirty="0"/>
+              <a:t> </a:t>
+            </a:r>
+            <a:r>
+              <a:rPr lang="ru-RU" dirty="0" err="1"/>
+              <a:t>сумніви</a:t>
+            </a:r>
+            <a:r>
+              <a:rPr lang="ru-RU" dirty="0"/>
+              <a:t>. </a:t>
+            </a:r>
+            <a:endParaRPr lang="en-GB" dirty="0"/>
+          </a:p>
+        </p:txBody>
+      </p:sp>
+    </p:spTree>
+    <p:extLst>
+      <p:ext uri="{BB962C8B-B14F-4D97-AF65-F5344CB8AC3E}">
+        <p14:creationId xmlns:p14="http://schemas.microsoft.com/office/powerpoint/2010/main" val="2129535894"/>
+      </p:ext>
+    </p:extLst>
+  </p:cSld>
+  <p:clrMapOvr>
+    <a:masterClrMapping/>
+  </p:clrMapOvr>
+</p:notes>
+</file>
+
+<file path=ppt/notesSlides/notesSlide5.xml><?xml version="1.0" encoding="utf-8"?>
+<p:notes xmlns:a="http://schemas.openxmlformats.org/drawingml/2006/main" xmlns:r="http://schemas.openxmlformats.org/officeDocument/2006/relationships" xmlns:p="http://schemas.openxmlformats.org/presentationml/2006/main">
+  <p:cSld>
+    <p:spTree>
+      <p:nvGrpSpPr>
+        <p:cNvPr id="1" name=""/>
+        <p:cNvGrpSpPr/>
+        <p:nvPr/>
+      </p:nvGrpSpPr>
+      <p:grpSpPr>
+        <a:xfrm>
+          <a:off x="0" y="0"/>
+          <a:ext cx="0" cy="0"/>
+          <a:chOff x="0" y="0"/>
+          <a:chExt cx="0" cy="0"/>
+        </a:xfrm>
+      </p:grpSpPr>
+      <p:sp>
+        <p:nvSpPr>
+          <p:cNvPr id="2" name="Slide Image Placeholder 1"/>
+          <p:cNvSpPr>
+            <a:spLocks noGrp="1" noRot="1" noChangeAspect="1"/>
+          </p:cNvSpPr>
+          <p:nvPr>
+            <p:ph type="sldImg"/>
+          </p:nvPr>
+        </p:nvSpPr>
+        <p:spPr>
+          <a:xfrm>
+            <a:off x="381000" y="685800"/>
+            <a:ext cx="6096000" cy="3429000"/>
+          </a:xfrm>
+        </p:spPr>
+      </p:sp>
+      <p:sp>
+        <p:nvSpPr>
+          <p:cNvPr id="3" name="Notes Placeholder 2"/>
+          <p:cNvSpPr>
+            <a:spLocks noGrp="1"/>
+          </p:cNvSpPr>
+          <p:nvPr>
+            <p:ph type="body" idx="1"/>
+          </p:nvPr>
+        </p:nvSpPr>
+        <p:spPr/>
+        <p:txBody>
+          <a:bodyPr/>
+          <a:lstStyle/>
+          <a:p>
+            <a:pPr marL="158750" indent="0">
+              <a:buNone/>
+            </a:pPr>
+            <a:r>
+              <a:rPr lang="ru-RU" dirty="0" err="1"/>
+              <a:t>Проводячи</a:t>
+            </a:r>
+            <a:r>
+              <a:rPr lang="ru-RU" dirty="0"/>
+              <a:t> </a:t>
+            </a:r>
+            <a:r>
+              <a:rPr lang="ru-RU" dirty="0" err="1"/>
+              <a:t>аналізу</a:t>
+            </a:r>
+            <a:r>
+              <a:rPr lang="ru-RU" dirty="0"/>
+              <a:t> ринку, </a:t>
+            </a:r>
+            <a:r>
+              <a:rPr lang="ru-RU" dirty="0" err="1"/>
+              <a:t>розглянули</a:t>
+            </a:r>
+            <a:r>
+              <a:rPr lang="ru-RU" dirty="0"/>
+              <a:t> </a:t>
+            </a:r>
+            <a:r>
+              <a:rPr lang="ru-RU" dirty="0" err="1"/>
+              <a:t>популярний</a:t>
+            </a:r>
+            <a:r>
+              <a:rPr lang="ru-RU" dirty="0"/>
+              <a:t> </a:t>
+            </a:r>
+            <a:r>
+              <a:rPr lang="ru-RU" dirty="0" err="1"/>
+              <a:t>швидкісний</a:t>
+            </a:r>
+            <a:r>
+              <a:rPr lang="ru-RU" dirty="0"/>
+              <a:t> </a:t>
+            </a:r>
+            <a:r>
+              <a:rPr lang="ru-RU" dirty="0" err="1"/>
+              <a:t>застосунок</a:t>
+            </a:r>
+            <a:r>
+              <a:rPr lang="ru-RU" dirty="0"/>
+              <a:t> </a:t>
+            </a:r>
+            <a:r>
+              <a:rPr lang="en-GB" dirty="0"/>
+              <a:t>Google Drive, </a:t>
+            </a:r>
+            <a:r>
+              <a:rPr lang="ru-RU" dirty="0"/>
+              <a:t>в </a:t>
+            </a:r>
+            <a:r>
+              <a:rPr lang="ru-RU" dirty="0" err="1"/>
+              <a:t>якого</a:t>
+            </a:r>
+            <a:r>
+              <a:rPr lang="ru-RU" dirty="0"/>
+              <a:t> </a:t>
+            </a:r>
+            <a:r>
+              <a:rPr lang="ru-RU" dirty="0" err="1"/>
+              <a:t>відзначили</a:t>
+            </a:r>
+            <a:r>
+              <a:rPr lang="ru-RU" dirty="0"/>
+              <a:t> </a:t>
+            </a:r>
+            <a:r>
+              <a:rPr lang="ru-RU" dirty="0" err="1"/>
+              <a:t>відсутність</a:t>
+            </a:r>
+            <a:r>
+              <a:rPr lang="ru-RU" dirty="0"/>
+              <a:t> </a:t>
+            </a:r>
+            <a:r>
+              <a:rPr lang="ru-RU" dirty="0" err="1"/>
+              <a:t>підтримки</a:t>
+            </a:r>
+            <a:r>
+              <a:rPr lang="ru-RU" dirty="0"/>
+              <a:t> потокового перегляду </a:t>
+            </a:r>
+            <a:r>
+              <a:rPr lang="ru-RU" dirty="0" err="1"/>
+              <a:t>медіаконтенту</a:t>
+            </a:r>
+            <a:r>
+              <a:rPr lang="ru-RU" dirty="0"/>
+              <a:t>, </a:t>
+            </a:r>
+            <a:r>
+              <a:rPr lang="ru-RU" dirty="0" err="1"/>
+              <a:t>високу</a:t>
+            </a:r>
+            <a:r>
+              <a:rPr lang="ru-RU" dirty="0"/>
+              <a:t> </a:t>
+            </a:r>
+            <a:r>
+              <a:rPr lang="ru-RU" dirty="0" err="1"/>
+              <a:t>ціну</a:t>
+            </a:r>
+            <a:r>
+              <a:rPr lang="ru-RU" dirty="0"/>
+              <a:t> та </a:t>
+            </a:r>
+            <a:r>
+              <a:rPr lang="ru-RU" dirty="0" err="1"/>
+              <a:t>закненість</a:t>
+            </a:r>
+            <a:r>
+              <a:rPr lang="ru-RU" dirty="0"/>
+              <a:t> на </a:t>
+            </a:r>
+            <a:r>
+              <a:rPr lang="ru-RU" dirty="0" err="1"/>
+              <a:t>екосистемі</a:t>
+            </a:r>
+            <a:r>
+              <a:rPr lang="ru-RU" dirty="0"/>
+              <a:t>, </a:t>
+            </a:r>
+            <a:r>
+              <a:rPr lang="ru-RU" dirty="0" err="1"/>
+              <a:t>що</a:t>
+            </a:r>
+            <a:r>
+              <a:rPr lang="ru-RU" dirty="0"/>
+              <a:t> не </a:t>
+            </a:r>
+            <a:r>
+              <a:rPr lang="ru-RU" dirty="0" err="1"/>
+              <a:t>дає</a:t>
+            </a:r>
+            <a:r>
+              <a:rPr lang="ru-RU" dirty="0"/>
+              <a:t> </a:t>
+            </a:r>
+            <a:r>
+              <a:rPr lang="ru-RU" dirty="0" err="1"/>
+              <a:t>змогу</a:t>
+            </a:r>
+            <a:r>
+              <a:rPr lang="ru-RU" dirty="0"/>
+              <a:t> </a:t>
+            </a:r>
+            <a:r>
+              <a:rPr lang="ru-RU" dirty="0" err="1"/>
+              <a:t>використовувати</a:t>
+            </a:r>
+            <a:r>
+              <a:rPr lang="ru-RU" dirty="0"/>
+              <a:t> </a:t>
+            </a:r>
+            <a:r>
+              <a:rPr lang="ru-RU" dirty="0" err="1"/>
+              <a:t>його</a:t>
+            </a:r>
+            <a:r>
+              <a:rPr lang="ru-RU" dirty="0"/>
+              <a:t> без </a:t>
+            </a:r>
+            <a:r>
+              <a:rPr lang="ru-RU" dirty="0" err="1"/>
+              <a:t>інтеграції</a:t>
+            </a:r>
+            <a:r>
+              <a:rPr lang="ru-RU" dirty="0"/>
+              <a:t> з </a:t>
+            </a:r>
+            <a:r>
+              <a:rPr lang="ru-RU" dirty="0" err="1"/>
+              <a:t>іншими</a:t>
+            </a:r>
+            <a:r>
+              <a:rPr lang="ru-RU" dirty="0"/>
+              <a:t> </a:t>
+            </a:r>
+            <a:r>
+              <a:rPr lang="ru-RU" dirty="0" err="1"/>
+              <a:t>сервісами</a:t>
+            </a:r>
+            <a:r>
+              <a:rPr lang="ru-RU" dirty="0"/>
+              <a:t> </a:t>
+            </a:r>
+            <a:r>
+              <a:rPr lang="ru-RU" dirty="0" err="1"/>
+              <a:t>компанії</a:t>
+            </a:r>
+            <a:r>
+              <a:rPr lang="ru-RU" dirty="0"/>
+              <a:t>.</a:t>
+            </a:r>
+            <a:endParaRPr lang="en-GB" dirty="0"/>
+          </a:p>
+        </p:txBody>
+      </p:sp>
+    </p:spTree>
+    <p:extLst>
+      <p:ext uri="{BB962C8B-B14F-4D97-AF65-F5344CB8AC3E}">
+        <p14:creationId xmlns:p14="http://schemas.microsoft.com/office/powerpoint/2010/main" val="1027747489"/>
+      </p:ext>
+    </p:extLst>
+  </p:cSld>
+  <p:clrMapOvr>
+    <a:masterClrMapping/>
+  </p:clrMapOvr>
+</p:notes>
+</file>
+
+<file path=ppt/notesSlides/notesSlide6.xml><?xml version="1.0" encoding="utf-8"?>
+<p:notes xmlns:a="http://schemas.openxmlformats.org/drawingml/2006/main" xmlns:r="http://schemas.openxmlformats.org/officeDocument/2006/relationships" xmlns:p="http://schemas.openxmlformats.org/presentationml/2006/main">
+  <p:cSld>
+    <p:spTree>
+      <p:nvGrpSpPr>
+        <p:cNvPr id="1" name=""/>
+        <p:cNvGrpSpPr/>
+        <p:nvPr/>
+      </p:nvGrpSpPr>
+      <p:grpSpPr>
+        <a:xfrm>
+          <a:off x="0" y="0"/>
+          <a:ext cx="0" cy="0"/>
+          <a:chOff x="0" y="0"/>
+          <a:chExt cx="0" cy="0"/>
+        </a:xfrm>
+      </p:grpSpPr>
+      <p:sp>
+        <p:nvSpPr>
+          <p:cNvPr id="2" name="Slide Image Placeholder 1"/>
+          <p:cNvSpPr>
+            <a:spLocks noGrp="1" noRot="1" noChangeAspect="1"/>
+          </p:cNvSpPr>
+          <p:nvPr>
+            <p:ph type="sldImg"/>
+          </p:nvPr>
+        </p:nvSpPr>
+        <p:spPr>
+          <a:xfrm>
+            <a:off x="381000" y="685800"/>
+            <a:ext cx="6096000" cy="3429000"/>
+          </a:xfrm>
+        </p:spPr>
+      </p:sp>
+      <p:sp>
+        <p:nvSpPr>
+          <p:cNvPr id="3" name="Notes Placeholder 2"/>
+          <p:cNvSpPr>
+            <a:spLocks noGrp="1"/>
+          </p:cNvSpPr>
+          <p:nvPr>
+            <p:ph type="body" idx="1"/>
+          </p:nvPr>
+        </p:nvSpPr>
+        <p:spPr/>
+        <p:txBody>
+          <a:bodyPr/>
+          <a:lstStyle/>
+          <a:p>
+            <a:pPr marL="158750" indent="0">
+              <a:buNone/>
+            </a:pPr>
+            <a:r>
+              <a:rPr lang="ru-RU" dirty="0" err="1"/>
+              <a:t>Сервіс</a:t>
+            </a:r>
+            <a:r>
+              <a:rPr lang="ru-RU" dirty="0"/>
+              <a:t> </a:t>
+            </a:r>
+            <a:r>
+              <a:rPr lang="en-GB" dirty="0"/>
+              <a:t>Microsoft OneDrive </a:t>
+            </a:r>
+            <a:r>
+              <a:rPr lang="ru-RU" dirty="0" err="1"/>
+              <a:t>має</a:t>
+            </a:r>
+            <a:r>
+              <a:rPr lang="ru-RU" dirty="0"/>
+              <a:t> </a:t>
+            </a:r>
+            <a:r>
+              <a:rPr lang="ru-RU" dirty="0" err="1"/>
+              <a:t>схожі</a:t>
+            </a:r>
+            <a:r>
+              <a:rPr lang="ru-RU" dirty="0"/>
+              <a:t> </a:t>
+            </a:r>
+            <a:r>
+              <a:rPr lang="ru-RU" dirty="0" err="1"/>
+              <a:t>чесноти</a:t>
+            </a:r>
+            <a:r>
+              <a:rPr lang="ru-RU" dirty="0"/>
+              <a:t>, до </a:t>
+            </a:r>
+            <a:r>
+              <a:rPr lang="ru-RU" dirty="0" err="1"/>
+              <a:t>яких</a:t>
+            </a:r>
+            <a:r>
+              <a:rPr lang="ru-RU" dirty="0"/>
+              <a:t> </a:t>
+            </a:r>
+            <a:r>
+              <a:rPr lang="ru-RU" dirty="0" err="1"/>
+              <a:t>включається</a:t>
+            </a:r>
+            <a:r>
+              <a:rPr lang="ru-RU" dirty="0"/>
+              <a:t> </a:t>
+            </a:r>
+            <a:r>
+              <a:rPr lang="ru-RU" dirty="0" err="1"/>
+              <a:t>унікальна</a:t>
+            </a:r>
+            <a:r>
+              <a:rPr lang="ru-RU" dirty="0"/>
+              <a:t> </a:t>
+            </a:r>
+            <a:r>
+              <a:rPr lang="ru-RU" dirty="0" err="1"/>
+              <a:t>інтеграція</a:t>
+            </a:r>
+            <a:r>
+              <a:rPr lang="ru-RU" dirty="0"/>
+              <a:t> с </a:t>
+            </a:r>
+            <a:r>
+              <a:rPr lang="en-GB" dirty="0"/>
+              <a:t>Microsoft Office. </a:t>
+            </a:r>
+            <a:r>
+              <a:rPr lang="ru-RU" dirty="0" err="1"/>
+              <a:t>Недоліки</a:t>
+            </a:r>
+            <a:r>
+              <a:rPr lang="ru-RU" dirty="0"/>
+              <a:t> </a:t>
+            </a:r>
+            <a:r>
+              <a:rPr lang="ru-RU" dirty="0" err="1"/>
+              <a:t>аналогічні</a:t>
+            </a:r>
+            <a:r>
+              <a:rPr lang="ru-RU" dirty="0"/>
+              <a:t> </a:t>
+            </a:r>
+            <a:r>
+              <a:rPr lang="ru-RU" dirty="0" err="1"/>
+              <a:t>минулій</a:t>
+            </a:r>
+            <a:r>
+              <a:rPr lang="ru-RU" dirty="0"/>
+              <a:t> </a:t>
+            </a:r>
+            <a:r>
+              <a:rPr lang="ru-RU" dirty="0" err="1"/>
+              <a:t>системі</a:t>
+            </a:r>
+            <a:r>
+              <a:rPr lang="ru-RU" dirty="0"/>
+              <a:t>, </a:t>
+            </a:r>
+            <a:r>
+              <a:rPr lang="ru-RU" dirty="0" err="1"/>
+              <a:t>але</a:t>
+            </a:r>
+            <a:r>
+              <a:rPr lang="ru-RU" dirty="0"/>
+              <a:t> до них </a:t>
+            </a:r>
+            <a:r>
+              <a:rPr lang="ru-RU" dirty="0" err="1"/>
+              <a:t>додається</a:t>
+            </a:r>
+            <a:r>
+              <a:rPr lang="ru-RU" dirty="0"/>
+              <a:t> </a:t>
+            </a:r>
+            <a:r>
+              <a:rPr lang="ru-RU" dirty="0" err="1"/>
+              <a:t>посередня</a:t>
+            </a:r>
+            <a:r>
+              <a:rPr lang="ru-RU" dirty="0"/>
+              <a:t> </a:t>
+            </a:r>
+            <a:r>
+              <a:rPr lang="ru-RU" dirty="0" err="1"/>
+              <a:t>швидкодія</a:t>
+            </a:r>
+            <a:r>
+              <a:rPr lang="ru-RU" dirty="0"/>
+              <a:t> </a:t>
+            </a:r>
+            <a:r>
+              <a:rPr lang="ru-RU" dirty="0" err="1"/>
+              <a:t>сервісу</a:t>
+            </a:r>
+            <a:r>
+              <a:rPr lang="ru-RU" dirty="0"/>
+              <a:t>.</a:t>
+            </a:r>
+            <a:endParaRPr lang="en-GB" dirty="0"/>
+          </a:p>
+        </p:txBody>
+      </p:sp>
+    </p:spTree>
+    <p:extLst>
+      <p:ext uri="{BB962C8B-B14F-4D97-AF65-F5344CB8AC3E}">
+        <p14:creationId xmlns:p14="http://schemas.microsoft.com/office/powerpoint/2010/main" val="578886503"/>
+      </p:ext>
+    </p:extLst>
+  </p:cSld>
+  <p:clrMapOvr>
+    <a:masterClrMapping/>
+  </p:clrMapOvr>
+</p:notes>
+</file>
+
+<file path=ppt/notesSlides/notesSlide7.xml><?xml version="1.0" encoding="utf-8"?>
+<p:notes xmlns:a="http://schemas.openxmlformats.org/drawingml/2006/main" xmlns:r="http://schemas.openxmlformats.org/officeDocument/2006/relationships" xmlns:p="http://schemas.openxmlformats.org/presentationml/2006/main">
+  <p:cSld>
+    <p:spTree>
+      <p:nvGrpSpPr>
+        <p:cNvPr id="1" name=""/>
+        <p:cNvGrpSpPr/>
+        <p:nvPr/>
+      </p:nvGrpSpPr>
+      <p:grpSpPr>
+        <a:xfrm>
+          <a:off x="0" y="0"/>
+          <a:ext cx="0" cy="0"/>
+          <a:chOff x="0" y="0"/>
+          <a:chExt cx="0" cy="0"/>
+        </a:xfrm>
+      </p:grpSpPr>
+      <p:sp>
+        <p:nvSpPr>
+          <p:cNvPr id="2" name="Slide Image Placeholder 1"/>
+          <p:cNvSpPr>
+            <a:spLocks noGrp="1" noRot="1" noChangeAspect="1"/>
+          </p:cNvSpPr>
+          <p:nvPr>
+            <p:ph type="sldImg"/>
+          </p:nvPr>
+        </p:nvSpPr>
+        <p:spPr>
+          <a:xfrm>
+            <a:off x="381000" y="685800"/>
+            <a:ext cx="6096000" cy="3429000"/>
+          </a:xfrm>
+        </p:spPr>
+      </p:sp>
+      <p:sp>
+        <p:nvSpPr>
+          <p:cNvPr id="3" name="Notes Placeholder 2"/>
+          <p:cNvSpPr>
+            <a:spLocks noGrp="1"/>
+          </p:cNvSpPr>
+          <p:nvPr>
+            <p:ph type="body" idx="1"/>
+          </p:nvPr>
+        </p:nvSpPr>
+        <p:spPr/>
+        <p:txBody>
+          <a:bodyPr/>
+          <a:lstStyle/>
+          <a:p>
+            <a:pPr marL="158750" indent="0">
+              <a:buNone/>
+            </a:pPr>
+            <a:r>
+              <a:rPr lang="ru-RU" dirty="0" err="1"/>
+              <a:t>Сервіс</a:t>
+            </a:r>
+            <a:r>
+              <a:rPr lang="ru-RU" dirty="0"/>
+              <a:t> </a:t>
+            </a:r>
+            <a:r>
+              <a:rPr lang="en-GB" dirty="0" err="1"/>
+              <a:t>Koofr</a:t>
+            </a:r>
+            <a:r>
+              <a:rPr lang="en-GB" dirty="0"/>
+              <a:t> </a:t>
+            </a:r>
+            <a:r>
+              <a:rPr lang="ru-RU" dirty="0" err="1"/>
+              <a:t>беззаперечно</a:t>
+            </a:r>
+            <a:r>
+              <a:rPr lang="ru-RU" dirty="0"/>
+              <a:t> </a:t>
+            </a:r>
+            <a:r>
+              <a:rPr lang="ru-RU" dirty="0" err="1"/>
+              <a:t>вразив</a:t>
+            </a:r>
+            <a:r>
+              <a:rPr lang="ru-RU" dirty="0"/>
+              <a:t> </a:t>
+            </a:r>
+            <a:r>
+              <a:rPr lang="ru-RU" dirty="0" err="1"/>
+              <a:t>своєю</a:t>
+            </a:r>
+            <a:r>
+              <a:rPr lang="ru-RU" dirty="0"/>
+              <a:t> </a:t>
+            </a:r>
+            <a:r>
+              <a:rPr lang="ru-RU" dirty="0" err="1"/>
+              <a:t>приємною</a:t>
+            </a:r>
+            <a:r>
+              <a:rPr lang="ru-RU" dirty="0"/>
+              <a:t> </a:t>
+            </a:r>
+            <a:r>
+              <a:rPr lang="ru-RU" dirty="0" err="1"/>
+              <a:t>ціною</a:t>
+            </a:r>
+            <a:r>
+              <a:rPr lang="ru-RU" dirty="0"/>
+              <a:t> та </a:t>
+            </a:r>
+            <a:r>
+              <a:rPr lang="ru-RU" dirty="0" err="1"/>
+              <a:t>високою</a:t>
+            </a:r>
+            <a:r>
+              <a:rPr lang="ru-RU" dirty="0"/>
+              <a:t> </a:t>
+            </a:r>
+            <a:r>
+              <a:rPr lang="ru-RU" dirty="0" err="1"/>
+              <a:t>загальною</a:t>
+            </a:r>
+            <a:r>
+              <a:rPr lang="ru-RU" dirty="0"/>
+              <a:t> </a:t>
+            </a:r>
+            <a:r>
+              <a:rPr lang="ru-RU" dirty="0" err="1"/>
+              <a:t>швидкодією</a:t>
+            </a:r>
+            <a:r>
+              <a:rPr lang="ru-RU" dirty="0"/>
+              <a:t>, </a:t>
+            </a:r>
+            <a:r>
+              <a:rPr lang="ru-RU" dirty="0" err="1"/>
+              <a:t>проте</a:t>
+            </a:r>
+            <a:r>
+              <a:rPr lang="ru-RU" dirty="0"/>
+              <a:t>, все </a:t>
+            </a:r>
+            <a:r>
+              <a:rPr lang="ru-RU" dirty="0" err="1"/>
+              <a:t>ще</a:t>
+            </a:r>
+            <a:r>
+              <a:rPr lang="ru-RU" dirty="0"/>
+              <a:t> мав </a:t>
+            </a:r>
+            <a:r>
+              <a:rPr lang="ru-RU" dirty="0" err="1"/>
+              <a:t>суттєві</a:t>
+            </a:r>
+            <a:r>
+              <a:rPr lang="ru-RU" dirty="0"/>
+              <a:t> </a:t>
+            </a:r>
+            <a:r>
+              <a:rPr lang="ru-RU" dirty="0" err="1"/>
+              <a:t>обмеження</a:t>
+            </a:r>
+            <a:r>
+              <a:rPr lang="ru-RU" dirty="0"/>
+              <a:t> у </a:t>
+            </a:r>
+            <a:r>
+              <a:rPr lang="ru-RU" dirty="0" err="1"/>
+              <a:t>попередньому</a:t>
+            </a:r>
+            <a:r>
+              <a:rPr lang="ru-RU" dirty="0"/>
+              <a:t> </a:t>
+            </a:r>
+            <a:r>
+              <a:rPr lang="ru-RU" dirty="0" err="1"/>
+              <a:t>перегляді</a:t>
+            </a:r>
+            <a:r>
+              <a:rPr lang="ru-RU" dirty="0"/>
+              <a:t> </a:t>
+            </a:r>
+            <a:r>
+              <a:rPr lang="ru-RU" dirty="0" err="1"/>
+              <a:t>файлів</a:t>
+            </a:r>
+            <a:r>
+              <a:rPr lang="ru-RU" dirty="0"/>
+              <a:t>.</a:t>
+            </a:r>
+            <a:endParaRPr lang="en-GB" dirty="0"/>
+          </a:p>
+        </p:txBody>
+      </p:sp>
+    </p:spTree>
+    <p:extLst>
+      <p:ext uri="{BB962C8B-B14F-4D97-AF65-F5344CB8AC3E}">
+        <p14:creationId xmlns:p14="http://schemas.microsoft.com/office/powerpoint/2010/main" val="644042769"/>
+      </p:ext>
+    </p:extLst>
+  </p:cSld>
+  <p:clrMapOvr>
+    <a:masterClrMapping/>
+  </p:clrMapOvr>
+</p:notes>
+</file>
+
+<file path=ppt/notesSlides/notesSlide8.xml><?xml version="1.0" encoding="utf-8"?>
+<p:notes xmlns:a="http://schemas.openxmlformats.org/drawingml/2006/main" xmlns:r="http://schemas.openxmlformats.org/officeDocument/2006/relationships" xmlns:p="http://schemas.openxmlformats.org/presentationml/2006/main">
+  <p:cSld>
+    <p:spTree>
+      <p:nvGrpSpPr>
+        <p:cNvPr id="1" name=""/>
+        <p:cNvGrpSpPr/>
+        <p:nvPr/>
+      </p:nvGrpSpPr>
+      <p:grpSpPr>
+        <a:xfrm>
+          <a:off x="0" y="0"/>
+          <a:ext cx="0" cy="0"/>
+          <a:chOff x="0" y="0"/>
+          <a:chExt cx="0" cy="0"/>
+        </a:xfrm>
+      </p:grpSpPr>
+      <p:sp>
+        <p:nvSpPr>
+          <p:cNvPr id="2" name="Slide Image Placeholder 1"/>
+          <p:cNvSpPr>
+            <a:spLocks noGrp="1" noRot="1" noChangeAspect="1"/>
+          </p:cNvSpPr>
+          <p:nvPr>
+            <p:ph type="sldImg"/>
+          </p:nvPr>
+        </p:nvSpPr>
+        <p:spPr>
+          <a:xfrm>
+            <a:off x="381000" y="685800"/>
+            <a:ext cx="6096000" cy="3429000"/>
+          </a:xfrm>
+        </p:spPr>
+      </p:sp>
+      <p:sp>
+        <p:nvSpPr>
+          <p:cNvPr id="3" name="Notes Placeholder 2"/>
+          <p:cNvSpPr>
+            <a:spLocks noGrp="1"/>
+          </p:cNvSpPr>
+          <p:nvPr>
+            <p:ph type="body" idx="1"/>
+          </p:nvPr>
+        </p:nvSpPr>
+        <p:spPr/>
+        <p:txBody>
+          <a:bodyPr/>
+          <a:lstStyle/>
+          <a:p>
+            <a:pPr marL="158750" indent="0">
+              <a:buNone/>
+            </a:pPr>
+            <a:r>
+              <a:rPr lang="ru-RU" dirty="0" err="1"/>
+              <a:t>Отже</a:t>
+            </a:r>
+            <a:r>
+              <a:rPr lang="ru-RU" dirty="0"/>
+              <a:t>, задачею є </a:t>
+            </a:r>
+            <a:r>
+              <a:rPr lang="ru-RU" dirty="0" err="1"/>
+              <a:t>реалізація</a:t>
+            </a:r>
+            <a:r>
+              <a:rPr lang="ru-RU" dirty="0"/>
+              <a:t> </a:t>
+            </a:r>
+            <a:r>
+              <a:rPr lang="ru-RU" dirty="0" err="1"/>
+              <a:t>швидкої</a:t>
+            </a:r>
+            <a:r>
+              <a:rPr lang="ru-RU" dirty="0"/>
+              <a:t>, </a:t>
+            </a:r>
+            <a:r>
+              <a:rPr lang="ru-RU" dirty="0" err="1"/>
+              <a:t>безпечної</a:t>
+            </a:r>
+            <a:r>
+              <a:rPr lang="ru-RU" dirty="0"/>
+              <a:t>, </a:t>
+            </a:r>
+            <a:r>
+              <a:rPr lang="ru-RU" dirty="0" err="1"/>
+              <a:t>масштабованої</a:t>
+            </a:r>
+            <a:r>
+              <a:rPr lang="ru-RU" dirty="0"/>
+              <a:t> та </a:t>
+            </a:r>
+            <a:r>
+              <a:rPr lang="ru-RU" dirty="0" err="1"/>
+              <a:t>відмовостійкої</a:t>
+            </a:r>
+            <a:r>
+              <a:rPr lang="ru-RU" dirty="0"/>
+              <a:t> </a:t>
+            </a:r>
+            <a:r>
+              <a:rPr lang="ru-RU" dirty="0" err="1"/>
+              <a:t>хмарної</a:t>
+            </a:r>
+            <a:r>
+              <a:rPr lang="ru-RU" dirty="0"/>
+              <a:t> </a:t>
+            </a:r>
+            <a:r>
+              <a:rPr lang="ru-RU" dirty="0" err="1"/>
+              <a:t>системи</a:t>
+            </a:r>
+            <a:r>
+              <a:rPr lang="ru-RU" dirty="0"/>
+              <a:t> з </a:t>
+            </a:r>
+            <a:r>
+              <a:rPr lang="ru-RU" dirty="0" err="1"/>
+              <a:t>підтримкою</a:t>
+            </a:r>
+            <a:r>
+              <a:rPr lang="ru-RU" dirty="0"/>
+              <a:t> потокового перегляду </a:t>
+            </a:r>
+            <a:r>
+              <a:rPr lang="ru-RU" dirty="0" err="1"/>
+              <a:t>файлів</a:t>
+            </a:r>
+            <a:r>
+              <a:rPr lang="ru-RU" dirty="0"/>
+              <a:t> </a:t>
+            </a:r>
+            <a:r>
+              <a:rPr lang="ru-RU" dirty="0" err="1"/>
+              <a:t>різних</a:t>
+            </a:r>
+            <a:r>
+              <a:rPr lang="ru-RU" dirty="0"/>
+              <a:t> </a:t>
+            </a:r>
+            <a:r>
+              <a:rPr lang="ru-RU" dirty="0" err="1"/>
+              <a:t>форматів</a:t>
+            </a:r>
+            <a:r>
+              <a:rPr lang="ru-RU" dirty="0"/>
+              <a:t>.</a:t>
+            </a:r>
+            <a:endParaRPr lang="en-GB" dirty="0"/>
+          </a:p>
+        </p:txBody>
+      </p:sp>
+    </p:spTree>
+    <p:extLst>
+      <p:ext uri="{BB962C8B-B14F-4D97-AF65-F5344CB8AC3E}">
+        <p14:creationId xmlns:p14="http://schemas.microsoft.com/office/powerpoint/2010/main" val="4260149471"/>
+      </p:ext>
+    </p:extLst>
+  </p:cSld>
+  <p:clrMapOvr>
+    <a:masterClrMapping/>
+  </p:clrMapOvr>
+</p:notes>
+</file>
+
+<file path=ppt/notesSlides/notesSlide9.xml><?xml version="1.0" encoding="utf-8"?>
+<p:notes xmlns:a="http://schemas.openxmlformats.org/drawingml/2006/main" xmlns:r="http://schemas.openxmlformats.org/officeDocument/2006/relationships" xmlns:p="http://schemas.openxmlformats.org/presentationml/2006/main">
+  <p:cSld>
+    <p:spTree>
+      <p:nvGrpSpPr>
+        <p:cNvPr id="1" name=""/>
+        <p:cNvGrpSpPr/>
+        <p:nvPr/>
+      </p:nvGrpSpPr>
+      <p:grpSpPr>
+        <a:xfrm>
+          <a:off x="0" y="0"/>
+          <a:ext cx="0" cy="0"/>
+          <a:chOff x="0" y="0"/>
+          <a:chExt cx="0" cy="0"/>
+        </a:xfrm>
+      </p:grpSpPr>
+      <p:sp>
+        <p:nvSpPr>
+          <p:cNvPr id="2" name="Slide Image Placeholder 1"/>
+          <p:cNvSpPr>
+            <a:spLocks noGrp="1" noRot="1" noChangeAspect="1"/>
+          </p:cNvSpPr>
+          <p:nvPr>
+            <p:ph type="sldImg"/>
+          </p:nvPr>
+        </p:nvSpPr>
+        <p:spPr>
+          <a:xfrm>
+            <a:off x="381000" y="685800"/>
+            <a:ext cx="6096000" cy="3429000"/>
+          </a:xfrm>
+        </p:spPr>
+      </p:sp>
+      <p:sp>
+        <p:nvSpPr>
+          <p:cNvPr id="3" name="Notes Placeholder 2"/>
+          <p:cNvSpPr>
+            <a:spLocks noGrp="1"/>
+          </p:cNvSpPr>
+          <p:nvPr>
+            <p:ph type="body" idx="1"/>
+          </p:nvPr>
+        </p:nvSpPr>
+        <p:spPr/>
+        <p:txBody>
+          <a:bodyPr/>
+          <a:lstStyle/>
+          <a:p>
+            <a:pPr marL="158750" indent="0">
+              <a:buNone/>
+            </a:pPr>
+            <a:r>
+              <a:rPr lang="ru-RU" dirty="0" err="1"/>
+              <a:t>Користувач</a:t>
+            </a:r>
+            <a:r>
+              <a:rPr lang="ru-RU" dirty="0"/>
+              <a:t> </a:t>
+            </a:r>
+            <a:r>
+              <a:rPr lang="ru-RU" dirty="0" err="1"/>
+              <a:t>хотів</a:t>
+            </a:r>
+            <a:r>
+              <a:rPr lang="ru-RU" dirty="0"/>
+              <a:t> би </a:t>
+            </a:r>
+            <a:r>
+              <a:rPr lang="ru-RU" dirty="0" err="1"/>
+              <a:t>бачити</a:t>
+            </a:r>
+            <a:r>
+              <a:rPr lang="ru-RU" dirty="0"/>
+              <a:t> у </a:t>
+            </a:r>
+            <a:r>
+              <a:rPr lang="ru-RU" dirty="0" err="1"/>
+              <a:t>такій</a:t>
+            </a:r>
+            <a:r>
+              <a:rPr lang="ru-RU" dirty="0"/>
+              <a:t> </a:t>
+            </a:r>
+            <a:r>
+              <a:rPr lang="ru-RU" dirty="0" err="1"/>
+              <a:t>системі</a:t>
+            </a:r>
+            <a:r>
+              <a:rPr lang="ru-RU" dirty="0"/>
+              <a:t> </a:t>
+            </a:r>
+            <a:r>
+              <a:rPr lang="en-GB" dirty="0"/>
+              <a:t>CRUD </a:t>
+            </a:r>
+            <a:r>
+              <a:rPr lang="ru-RU" dirty="0" err="1"/>
+              <a:t>операції</a:t>
+            </a:r>
+            <a:r>
+              <a:rPr lang="ru-RU" dirty="0"/>
+              <a:t> над файлами та </a:t>
+            </a:r>
+            <a:r>
+              <a:rPr lang="ru-RU" dirty="0" err="1"/>
+              <a:t>директоріями</a:t>
+            </a:r>
+            <a:r>
+              <a:rPr lang="ru-RU" dirty="0"/>
+              <a:t>, </a:t>
+            </a:r>
+            <a:r>
+              <a:rPr lang="ru-RU" dirty="0" err="1"/>
+              <a:t>можливості</a:t>
+            </a:r>
+            <a:r>
+              <a:rPr lang="ru-RU" dirty="0"/>
+              <a:t> </a:t>
+            </a:r>
+            <a:r>
+              <a:rPr lang="ru-RU" dirty="0" err="1"/>
+              <a:t>фільтрації</a:t>
+            </a:r>
+            <a:r>
+              <a:rPr lang="ru-RU" dirty="0"/>
+              <a:t> та </a:t>
+            </a:r>
+            <a:r>
+              <a:rPr lang="ru-RU" dirty="0" err="1"/>
+              <a:t>сортування</a:t>
+            </a:r>
+            <a:r>
+              <a:rPr lang="ru-RU" dirty="0"/>
+              <a:t>.</a:t>
+            </a:r>
+            <a:endParaRPr lang="en-GB" dirty="0"/>
+          </a:p>
+        </p:txBody>
+      </p:sp>
+    </p:spTree>
+    <p:extLst>
+      <p:ext uri="{BB962C8B-B14F-4D97-AF65-F5344CB8AC3E}">
+        <p14:creationId xmlns:p14="http://schemas.microsoft.com/office/powerpoint/2010/main" val="723709099"/>
+      </p:ext>
+    </p:extLst>
   </p:cSld>
   <p:clrMapOvr>
     <a:masterClrMapping/>
@@ -1428,6 +5919,52 @@
           </a:lstStyle>
           <a:p>
             <a:endParaRPr/>
+          </a:p>
+        </p:txBody>
+      </p:sp>
+      <p:sp>
+        <p:nvSpPr>
+          <p:cNvPr id="2" name="TextBox 1">
+            <a:extLst>
+              <a:ext uri="{FF2B5EF4-FFF2-40B4-BE49-F238E27FC236}">
+                <a16:creationId xmlns:a16="http://schemas.microsoft.com/office/drawing/2014/main" id="{47E5D748-AD86-4E61-B9CD-3CD178F3D33F}"/>
+              </a:ext>
+            </a:extLst>
+          </p:cNvPr>
+          <p:cNvSpPr txBox="1"/>
+          <p:nvPr userDrawn="1"/>
+        </p:nvSpPr>
+        <p:spPr>
+          <a:xfrm>
+            <a:off x="8675602" y="0"/>
+            <a:ext cx="468398" cy="338554"/>
+          </a:xfrm>
+          <a:prstGeom prst="rect">
+            <a:avLst/>
+          </a:prstGeom>
+          <a:noFill/>
+        </p:spPr>
+        <p:txBody>
+          <a:bodyPr wrap="none" rtlCol="0">
+            <a:spAutoFit/>
+          </a:bodyPr>
+          <a:lstStyle/>
+          <a:p>
+            <a:fld id="{22204A76-84EC-4860-9D2A-684F30F54BE5}" type="slidenum">
+              <a:rPr lang="uk-UA" sz="1600" smtClean="0">
+                <a:solidFill>
+                  <a:schemeClr val="tx1"/>
+                </a:solidFill>
+                <a:latin typeface="Raleway" pitchFamily="2" charset="0"/>
+              </a:rPr>
+              <a:t>‹#›</a:t>
+            </a:fld>
+            <a:endParaRPr lang="en-GB" sz="1600" dirty="0">
+              <a:solidFill>
+                <a:schemeClr val="tx1"/>
+              </a:solidFill>
+              <a:latin typeface="Raleway" pitchFamily="2" charset="0"/>
+            </a:endParaRPr>
           </a:p>
         </p:txBody>
       </p:sp>
@@ -8015,6 +12552,52 @@
           </p:spPr>
         </p:cxnSp>
       </p:grpSp>
+      <p:sp>
+        <p:nvSpPr>
+          <p:cNvPr id="2" name="TextBox 1">
+            <a:extLst>
+              <a:ext uri="{FF2B5EF4-FFF2-40B4-BE49-F238E27FC236}">
+                <a16:creationId xmlns:a16="http://schemas.microsoft.com/office/drawing/2014/main" id="{2DAE4CB8-A5E3-0DC6-AC69-D64D876CCAF6}"/>
+              </a:ext>
+            </a:extLst>
+          </p:cNvPr>
+          <p:cNvSpPr txBox="1"/>
+          <p:nvPr userDrawn="1"/>
+        </p:nvSpPr>
+        <p:spPr>
+          <a:xfrm>
+            <a:off x="8616473" y="4443550"/>
+            <a:ext cx="468398" cy="338554"/>
+          </a:xfrm>
+          <a:prstGeom prst="rect">
+            <a:avLst/>
+          </a:prstGeom>
+          <a:noFill/>
+        </p:spPr>
+        <p:txBody>
+          <a:bodyPr wrap="none" rtlCol="0">
+            <a:spAutoFit/>
+          </a:bodyPr>
+          <a:lstStyle/>
+          <a:p>
+            <a:fld id="{22204A76-84EC-4860-9D2A-684F30F54BE5}" type="slidenum">
+              <a:rPr lang="uk-UA" sz="1600" smtClean="0">
+                <a:solidFill>
+                  <a:schemeClr val="tx1"/>
+                </a:solidFill>
+                <a:latin typeface="Raleway" pitchFamily="2" charset="0"/>
+              </a:rPr>
+              <a:t>‹#›</a:t>
+            </a:fld>
+            <a:endParaRPr lang="en-GB" sz="1600" dirty="0">
+              <a:solidFill>
+                <a:schemeClr val="tx1"/>
+              </a:solidFill>
+              <a:latin typeface="Raleway" pitchFamily="2" charset="0"/>
+            </a:endParaRPr>
+          </a:p>
+        </p:txBody>
+      </p:sp>
     </p:spTree>
   </p:cSld>
   <p:clrMapOvr>
@@ -25241,6 +29824,52 @@
           </a:ln>
         </p:spPr>
       </p:cxnSp>
+      <p:sp>
+        <p:nvSpPr>
+          <p:cNvPr id="2" name="TextBox 1">
+            <a:extLst>
+              <a:ext uri="{FF2B5EF4-FFF2-40B4-BE49-F238E27FC236}">
+                <a16:creationId xmlns:a16="http://schemas.microsoft.com/office/drawing/2014/main" id="{DBAF22C1-75DD-0CF2-FEE6-7B9AF52E68CD}"/>
+              </a:ext>
+            </a:extLst>
+          </p:cNvPr>
+          <p:cNvSpPr txBox="1"/>
+          <p:nvPr userDrawn="1"/>
+        </p:nvSpPr>
+        <p:spPr>
+          <a:xfrm>
+            <a:off x="8675602" y="0"/>
+            <a:ext cx="468398" cy="338554"/>
+          </a:xfrm>
+          <a:prstGeom prst="rect">
+            <a:avLst/>
+          </a:prstGeom>
+          <a:noFill/>
+        </p:spPr>
+        <p:txBody>
+          <a:bodyPr wrap="none" rtlCol="0">
+            <a:spAutoFit/>
+          </a:bodyPr>
+          <a:lstStyle/>
+          <a:p>
+            <a:fld id="{22204A76-84EC-4860-9D2A-684F30F54BE5}" type="slidenum">
+              <a:rPr lang="uk-UA" sz="1600" smtClean="0">
+                <a:solidFill>
+                  <a:schemeClr val="tx1"/>
+                </a:solidFill>
+                <a:latin typeface="Raleway" pitchFamily="2" charset="0"/>
+              </a:rPr>
+              <a:t>‹#›</a:t>
+            </a:fld>
+            <a:endParaRPr lang="en-GB" sz="1600" dirty="0">
+              <a:solidFill>
+                <a:schemeClr val="tx1"/>
+              </a:solidFill>
+              <a:latin typeface="Raleway" pitchFamily="2" charset="0"/>
+            </a:endParaRPr>
+          </a:p>
+        </p:txBody>
+      </p:sp>
     </p:spTree>
   </p:cSld>
   <p:clrMapOvr>
@@ -25571,6 +30200,52 @@
           </p:spPr>
         </p:cxnSp>
       </p:grpSp>
+      <p:sp>
+        <p:nvSpPr>
+          <p:cNvPr id="3" name="TextBox 2">
+            <a:extLst>
+              <a:ext uri="{FF2B5EF4-FFF2-40B4-BE49-F238E27FC236}">
+                <a16:creationId xmlns:a16="http://schemas.microsoft.com/office/drawing/2014/main" id="{96A0B7BD-703A-2745-A786-07A75936AAB3}"/>
+              </a:ext>
+            </a:extLst>
+          </p:cNvPr>
+          <p:cNvSpPr txBox="1"/>
+          <p:nvPr userDrawn="1"/>
+        </p:nvSpPr>
+        <p:spPr>
+          <a:xfrm>
+            <a:off x="8675602" y="0"/>
+            <a:ext cx="468398" cy="338554"/>
+          </a:xfrm>
+          <a:prstGeom prst="rect">
+            <a:avLst/>
+          </a:prstGeom>
+          <a:noFill/>
+        </p:spPr>
+        <p:txBody>
+          <a:bodyPr wrap="none" rtlCol="0">
+            <a:spAutoFit/>
+          </a:bodyPr>
+          <a:lstStyle/>
+          <a:p>
+            <a:fld id="{22204A76-84EC-4860-9D2A-684F30F54BE5}" type="slidenum">
+              <a:rPr lang="uk-UA" sz="1600" smtClean="0">
+                <a:solidFill>
+                  <a:schemeClr val="tx1"/>
+                </a:solidFill>
+                <a:latin typeface="Raleway" pitchFamily="2" charset="0"/>
+              </a:rPr>
+              <a:t>‹#›</a:t>
+            </a:fld>
+            <a:endParaRPr lang="en-GB" sz="1600" dirty="0">
+              <a:solidFill>
+                <a:schemeClr val="tx1"/>
+              </a:solidFill>
+              <a:latin typeface="Raleway" pitchFamily="2" charset="0"/>
+            </a:endParaRPr>
+          </a:p>
+        </p:txBody>
+      </p:sp>
     </p:spTree>
   </p:cSld>
   <p:clrMapOvr>
@@ -25987,6 +30662,52 @@
           </a:ln>
         </p:spPr>
       </p:cxnSp>
+      <p:sp>
+        <p:nvSpPr>
+          <p:cNvPr id="2" name="TextBox 1">
+            <a:extLst>
+              <a:ext uri="{FF2B5EF4-FFF2-40B4-BE49-F238E27FC236}">
+                <a16:creationId xmlns:a16="http://schemas.microsoft.com/office/drawing/2014/main" id="{7BDAFBA5-CBFD-3F01-4EDC-10FAC7CB7F11}"/>
+              </a:ext>
+            </a:extLst>
+          </p:cNvPr>
+          <p:cNvSpPr txBox="1"/>
+          <p:nvPr userDrawn="1"/>
+        </p:nvSpPr>
+        <p:spPr>
+          <a:xfrm>
+            <a:off x="8675602" y="0"/>
+            <a:ext cx="468398" cy="338554"/>
+          </a:xfrm>
+          <a:prstGeom prst="rect">
+            <a:avLst/>
+          </a:prstGeom>
+          <a:noFill/>
+        </p:spPr>
+        <p:txBody>
+          <a:bodyPr wrap="none" rtlCol="0">
+            <a:spAutoFit/>
+          </a:bodyPr>
+          <a:lstStyle/>
+          <a:p>
+            <a:fld id="{22204A76-84EC-4860-9D2A-684F30F54BE5}" type="slidenum">
+              <a:rPr lang="uk-UA" sz="1600" smtClean="0">
+                <a:solidFill>
+                  <a:schemeClr val="tx1"/>
+                </a:solidFill>
+                <a:latin typeface="Raleway" pitchFamily="2" charset="0"/>
+              </a:rPr>
+              <a:t>‹#›</a:t>
+            </a:fld>
+            <a:endParaRPr lang="en-GB" sz="1600" dirty="0">
+              <a:solidFill>
+                <a:schemeClr val="tx1"/>
+              </a:solidFill>
+              <a:latin typeface="Raleway" pitchFamily="2" charset="0"/>
+            </a:endParaRPr>
+          </a:p>
+        </p:txBody>
+      </p:sp>
     </p:spTree>
   </p:cSld>
   <p:clrMapOvr>
@@ -26506,6 +31227,52 @@
             <a:tailEnd type="none" w="sm" len="sm"/>
           </a:ln>
         </p:spPr>
+      </p:sp>
+      <p:sp>
+        <p:nvSpPr>
+          <p:cNvPr id="3" name="TextBox 2">
+            <a:extLst>
+              <a:ext uri="{FF2B5EF4-FFF2-40B4-BE49-F238E27FC236}">
+                <a16:creationId xmlns:a16="http://schemas.microsoft.com/office/drawing/2014/main" id="{D0404B12-BF1F-CBA0-9D33-FE9E8086A862}"/>
+              </a:ext>
+            </a:extLst>
+          </p:cNvPr>
+          <p:cNvSpPr txBox="1"/>
+          <p:nvPr userDrawn="1"/>
+        </p:nvSpPr>
+        <p:spPr>
+          <a:xfrm>
+            <a:off x="8675602" y="0"/>
+            <a:ext cx="468398" cy="338554"/>
+          </a:xfrm>
+          <a:prstGeom prst="rect">
+            <a:avLst/>
+          </a:prstGeom>
+          <a:noFill/>
+        </p:spPr>
+        <p:txBody>
+          <a:bodyPr wrap="none" rtlCol="0">
+            <a:spAutoFit/>
+          </a:bodyPr>
+          <a:lstStyle/>
+          <a:p>
+            <a:fld id="{22204A76-84EC-4860-9D2A-684F30F54BE5}" type="slidenum">
+              <a:rPr lang="uk-UA" sz="1600" smtClean="0">
+                <a:solidFill>
+                  <a:schemeClr val="tx1"/>
+                </a:solidFill>
+                <a:latin typeface="Raleway" pitchFamily="2" charset="0"/>
+              </a:rPr>
+              <a:t>‹#›</a:t>
+            </a:fld>
+            <a:endParaRPr lang="en-GB" sz="1600" dirty="0">
+              <a:solidFill>
+                <a:schemeClr val="tx1"/>
+              </a:solidFill>
+              <a:latin typeface="Raleway" pitchFamily="2" charset="0"/>
+            </a:endParaRPr>
+          </a:p>
+        </p:txBody>
       </p:sp>
     </p:spTree>
   </p:cSld>
@@ -31028,7 +35795,7 @@
           <p:nvPr/>
         </p:nvPicPr>
         <p:blipFill>
-          <a:blip r:embed="rId2">
+          <a:blip r:embed="rId3">
             <a:extLst>
               <a:ext uri="{28A0092B-C50C-407E-A947-70E740481C1C}">
                 <a14:useLocalDpi xmlns:a14="http://schemas.microsoft.com/office/drawing/2010/main" val="0"/>
@@ -31167,7 +35934,7 @@
           </p:nvPr>
         </p:nvPicPr>
         <p:blipFill>
-          <a:blip r:embed="rId2" cstate="print">
+          <a:blip r:embed="rId3" cstate="print">
             <a:extLst>
               <a:ext uri="{28A0092B-C50C-407E-A947-70E740481C1C}">
                 <a14:useLocalDpi xmlns:a14="http://schemas.microsoft.com/office/drawing/2010/main" val="0"/>
@@ -31352,7 +36119,7 @@
           <p:nvPr/>
         </p:nvPicPr>
         <p:blipFill>
-          <a:blip r:embed="rId2"/>
+          <a:blip r:embed="rId3"/>
           <a:stretch>
             <a:fillRect/>
           </a:stretch>
@@ -31508,7 +36275,7 @@
           <p:nvPr/>
         </p:nvPicPr>
         <p:blipFill>
-          <a:blip r:embed="rId2"/>
+          <a:blip r:embed="rId3"/>
           <a:stretch>
             <a:fillRect/>
           </a:stretch>
@@ -31710,10 +36477,10 @@
           <p:nvPr/>
         </p:nvPicPr>
         <p:blipFill>
-          <a:blip r:embed="rId2">
+          <a:blip r:embed="rId3">
             <a:extLst>
               <a:ext uri="{96DAC541-7B7A-43D3-8B79-37D633B846F1}">
-                <asvg:svgBlip xmlns:asvg="http://schemas.microsoft.com/office/drawing/2016/SVG/main" r:embed="rId3"/>
+                <asvg:svgBlip xmlns:asvg="http://schemas.microsoft.com/office/drawing/2016/SVG/main" r:embed="rId4"/>
               </a:ext>
             </a:extLst>
           </a:blip>
@@ -31872,7 +36639,7 @@
           <p:nvPr/>
         </p:nvPicPr>
         <p:blipFill>
-          <a:blip r:embed="rId2"/>
+          <a:blip r:embed="rId3"/>
           <a:stretch>
             <a:fillRect/>
           </a:stretch>
@@ -31975,11 +36742,11 @@
           <p:nvPr/>
         </p:nvPicPr>
         <p:blipFill>
-          <a:blip r:embed="rId2">
+          <a:blip r:embed="rId3">
             <a:extLst>
               <a:ext uri="{BEBA8EAE-BF5A-486C-A8C5-ECC9F3942E4B}">
                 <a14:imgProps xmlns:a14="http://schemas.microsoft.com/office/drawing/2010/main">
-                  <a14:imgLayer r:embed="rId3">
+                  <a14:imgLayer r:embed="rId4">
                     <a14:imgEffect>
                       <a14:saturation sat="0"/>
                     </a14:imgEffect>
@@ -32066,8 +36833,8 @@
         </p:nvSpPr>
         <p:spPr>
           <a:xfrm>
-            <a:off x="5563462" y="1742850"/>
-            <a:ext cx="3519600" cy="1657800"/>
+            <a:off x="6154786" y="1352975"/>
+            <a:ext cx="3211850" cy="2430591"/>
           </a:xfrm>
         </p:spPr>
         <p:txBody>
@@ -32097,11 +36864,11 @@
           <p:nvPr/>
         </p:nvPicPr>
         <p:blipFill>
-          <a:blip r:embed="rId2" cstate="print">
+          <a:blip r:embed="rId3" cstate="print">
             <a:extLst>
               <a:ext uri="{BEBA8EAE-BF5A-486C-A8C5-ECC9F3942E4B}">
                 <a14:imgProps xmlns:a14="http://schemas.microsoft.com/office/drawing/2010/main">
-                  <a14:imgLayer r:embed="rId3">
+                  <a14:imgLayer r:embed="rId4">
                     <a14:imgEffect>
                       <a14:saturation sat="0"/>
                     </a14:imgEffect>
@@ -32120,8 +36887,8 @@
         </p:blipFill>
         <p:spPr bwMode="auto">
           <a:xfrm>
-            <a:off x="0" y="561388"/>
-            <a:ext cx="5558819" cy="3872500"/>
+            <a:off x="0" y="485028"/>
+            <a:ext cx="6028526" cy="4199717"/>
           </a:xfrm>
           <a:prstGeom prst="rect">
             <a:avLst/>
@@ -32148,6 +36915,105 @@
 </file>
 
 <file path=ppt/slides/slide18.xml><?xml version="1.0" encoding="utf-8"?>
+<p:sld xmlns:a="http://schemas.openxmlformats.org/drawingml/2006/main" xmlns:r="http://schemas.openxmlformats.org/officeDocument/2006/relationships" xmlns:p="http://schemas.openxmlformats.org/presentationml/2006/main">
+  <p:cSld>
+    <p:spTree>
+      <p:nvGrpSpPr>
+        <p:cNvPr id="1" name="">
+          <a:extLst>
+            <a:ext uri="{FF2B5EF4-FFF2-40B4-BE49-F238E27FC236}">
+              <a16:creationId xmlns:a16="http://schemas.microsoft.com/office/drawing/2014/main" id="{6C28DAB3-1491-0C02-010E-0ED847DEFD68}"/>
+            </a:ext>
+          </a:extLst>
+        </p:cNvPr>
+        <p:cNvGrpSpPr/>
+        <p:nvPr/>
+      </p:nvGrpSpPr>
+      <p:grpSpPr>
+        <a:xfrm>
+          <a:off x="0" y="0"/>
+          <a:ext cx="0" cy="0"/>
+          <a:chOff x="0" y="0"/>
+          <a:chExt cx="0" cy="0"/>
+        </a:xfrm>
+      </p:grpSpPr>
+      <p:sp>
+        <p:nvSpPr>
+          <p:cNvPr id="2" name="Title 1">
+            <a:extLst>
+              <a:ext uri="{FF2B5EF4-FFF2-40B4-BE49-F238E27FC236}">
+                <a16:creationId xmlns:a16="http://schemas.microsoft.com/office/drawing/2014/main" id="{FFA794D8-19C3-5BD2-0465-DB45FFAA1FC8}"/>
+              </a:ext>
+            </a:extLst>
+          </p:cNvPr>
+          <p:cNvSpPr>
+            <a:spLocks noGrp="1"/>
+          </p:cNvSpPr>
+          <p:nvPr>
+            <p:ph type="title"/>
+          </p:nvPr>
+        </p:nvSpPr>
+        <p:spPr/>
+        <p:txBody>
+          <a:bodyPr/>
+          <a:lstStyle/>
+          <a:p>
+            <a:r>
+              <a:rPr lang="uk-UA" dirty="0"/>
+              <a:t>Приклад коду взаємодії </a:t>
+            </a:r>
+            <a:r>
+              <a:rPr lang="uk-UA" dirty="0" err="1"/>
+              <a:t>мікросервісів</a:t>
+            </a:r>
+            <a:endParaRPr lang="en-GB" dirty="0"/>
+          </a:p>
+        </p:txBody>
+      </p:sp>
+      <p:pic>
+        <p:nvPicPr>
+          <p:cNvPr id="4" name="Picture 3">
+            <a:extLst>
+              <a:ext uri="{FF2B5EF4-FFF2-40B4-BE49-F238E27FC236}">
+                <a16:creationId xmlns:a16="http://schemas.microsoft.com/office/drawing/2014/main" id="{A5197051-9E5C-65E6-06FA-EFD10A3476D6}"/>
+              </a:ext>
+            </a:extLst>
+          </p:cNvPr>
+          <p:cNvPicPr>
+            <a:picLocks noChangeAspect="1"/>
+          </p:cNvPicPr>
+          <p:nvPr/>
+        </p:nvPicPr>
+        <p:blipFill>
+          <a:blip r:embed="rId3"/>
+          <a:stretch>
+            <a:fillRect/>
+          </a:stretch>
+        </p:blipFill>
+        <p:spPr>
+          <a:xfrm>
+            <a:off x="71681" y="1512031"/>
+            <a:ext cx="8352319" cy="3433679"/>
+          </a:xfrm>
+          <a:prstGeom prst="rect">
+            <a:avLst/>
+          </a:prstGeom>
+        </p:spPr>
+      </p:pic>
+    </p:spTree>
+    <p:extLst>
+      <p:ext uri="{BB962C8B-B14F-4D97-AF65-F5344CB8AC3E}">
+        <p14:creationId xmlns:p14="http://schemas.microsoft.com/office/powerpoint/2010/main" val="1219772070"/>
+      </p:ext>
+    </p:extLst>
+  </p:cSld>
+  <p:clrMapOvr>
+    <a:masterClrMapping/>
+  </p:clrMapOvr>
+</p:sld>
+</file>
+
+<file path=ppt/slides/slide19.xml><?xml version="1.0" encoding="utf-8"?>
 <p:sld xmlns:a="http://schemas.openxmlformats.org/drawingml/2006/main" xmlns:r="http://schemas.openxmlformats.org/officeDocument/2006/relationships" xmlns:p="http://schemas.openxmlformats.org/presentationml/2006/main">
   <p:cSld>
     <p:spTree>
@@ -32202,7 +37068,11 @@
             </a:r>
             <a:r>
               <a:rPr lang="uk-UA" dirty="0" err="1"/>
-              <a:t>кешування</a:t>
+              <a:t>буферизованого</a:t>
+            </a:r>
+            <a:r>
+              <a:rPr lang="uk-UA" dirty="0"/>
+              <a:t> читання</a:t>
             </a:r>
             <a:endParaRPr lang="en-GB" dirty="0"/>
           </a:p>
@@ -32210,10 +37080,10 @@
       </p:sp>
       <p:pic>
         <p:nvPicPr>
-          <p:cNvPr id="5" name="Picture 4">
+          <p:cNvPr id="4" name="Picture 3">
             <a:extLst>
               <a:ext uri="{FF2B5EF4-FFF2-40B4-BE49-F238E27FC236}">
-                <a16:creationId xmlns:a16="http://schemas.microsoft.com/office/drawing/2014/main" id="{6D331DAD-92E1-D801-9106-191B85DD1849}"/>
+                <a16:creationId xmlns:a16="http://schemas.microsoft.com/office/drawing/2014/main" id="{8FF4D10C-4123-5C3B-06FD-AF5A4531239F}"/>
               </a:ext>
             </a:extLst>
           </p:cNvPr>
@@ -32223,15 +37093,15 @@
           <p:nvPr/>
         </p:nvPicPr>
         <p:blipFill>
-          <a:blip r:embed="rId2"/>
+          <a:blip r:embed="rId3"/>
           <a:stretch>
             <a:fillRect/>
           </a:stretch>
         </p:blipFill>
         <p:spPr>
           <a:xfrm>
-            <a:off x="723900" y="583582"/>
-            <a:ext cx="4105960" cy="3855067"/>
+            <a:off x="698437" y="572494"/>
+            <a:ext cx="4604568" cy="4023360"/>
           </a:xfrm>
           <a:prstGeom prst="rect">
             <a:avLst/>
@@ -32242,105 +37112,6 @@
     <p:extLst>
       <p:ext uri="{BB962C8B-B14F-4D97-AF65-F5344CB8AC3E}">
         <p14:creationId xmlns:p14="http://schemas.microsoft.com/office/powerpoint/2010/main" val="718885511"/>
-      </p:ext>
-    </p:extLst>
-  </p:cSld>
-  <p:clrMapOvr>
-    <a:masterClrMapping/>
-  </p:clrMapOvr>
-</p:sld>
-</file>
-
-<file path=ppt/slides/slide19.xml><?xml version="1.0" encoding="utf-8"?>
-<p:sld xmlns:a="http://schemas.openxmlformats.org/drawingml/2006/main" xmlns:r="http://schemas.openxmlformats.org/officeDocument/2006/relationships" xmlns:p="http://schemas.openxmlformats.org/presentationml/2006/main">
-  <p:cSld>
-    <p:spTree>
-      <p:nvGrpSpPr>
-        <p:cNvPr id="1" name="">
-          <a:extLst>
-            <a:ext uri="{FF2B5EF4-FFF2-40B4-BE49-F238E27FC236}">
-              <a16:creationId xmlns:a16="http://schemas.microsoft.com/office/drawing/2014/main" id="{6C28DAB3-1491-0C02-010E-0ED847DEFD68}"/>
-            </a:ext>
-          </a:extLst>
-        </p:cNvPr>
-        <p:cNvGrpSpPr/>
-        <p:nvPr/>
-      </p:nvGrpSpPr>
-      <p:grpSpPr>
-        <a:xfrm>
-          <a:off x="0" y="0"/>
-          <a:ext cx="0" cy="0"/>
-          <a:chOff x="0" y="0"/>
-          <a:chExt cx="0" cy="0"/>
-        </a:xfrm>
-      </p:grpSpPr>
-      <p:sp>
-        <p:nvSpPr>
-          <p:cNvPr id="2" name="Title 1">
-            <a:extLst>
-              <a:ext uri="{FF2B5EF4-FFF2-40B4-BE49-F238E27FC236}">
-                <a16:creationId xmlns:a16="http://schemas.microsoft.com/office/drawing/2014/main" id="{FFA794D8-19C3-5BD2-0465-DB45FFAA1FC8}"/>
-              </a:ext>
-            </a:extLst>
-          </p:cNvPr>
-          <p:cNvSpPr>
-            <a:spLocks noGrp="1"/>
-          </p:cNvSpPr>
-          <p:nvPr>
-            <p:ph type="title"/>
-          </p:nvPr>
-        </p:nvSpPr>
-        <p:spPr/>
-        <p:txBody>
-          <a:bodyPr/>
-          <a:lstStyle/>
-          <a:p>
-            <a:r>
-              <a:rPr lang="uk-UA" dirty="0"/>
-              <a:t>Приклад коду взаємодії </a:t>
-            </a:r>
-            <a:r>
-              <a:rPr lang="uk-UA" dirty="0" err="1"/>
-              <a:t>мікросервісів</a:t>
-            </a:r>
-            <a:endParaRPr lang="en-GB" dirty="0"/>
-          </a:p>
-        </p:txBody>
-      </p:sp>
-      <p:pic>
-        <p:nvPicPr>
-          <p:cNvPr id="7" name="Picture 6">
-            <a:extLst>
-              <a:ext uri="{FF2B5EF4-FFF2-40B4-BE49-F238E27FC236}">
-                <a16:creationId xmlns:a16="http://schemas.microsoft.com/office/drawing/2014/main" id="{DEE04B24-728C-53CA-856B-38B09A18A0A8}"/>
-              </a:ext>
-            </a:extLst>
-          </p:cNvPr>
-          <p:cNvPicPr>
-            <a:picLocks noChangeAspect="1"/>
-          </p:cNvPicPr>
-          <p:nvPr/>
-        </p:nvPicPr>
-        <p:blipFill>
-          <a:blip r:embed="rId2"/>
-          <a:stretch>
-            <a:fillRect/>
-          </a:stretch>
-        </p:blipFill>
-        <p:spPr>
-          <a:xfrm>
-            <a:off x="405925" y="1611071"/>
-            <a:ext cx="7798037" cy="3355023"/>
-          </a:xfrm>
-          <a:prstGeom prst="rect">
-            <a:avLst/>
-          </a:prstGeom>
-        </p:spPr>
-      </p:pic>
-    </p:spTree>
-    <p:extLst>
-      <p:ext uri="{BB962C8B-B14F-4D97-AF65-F5344CB8AC3E}">
-        <p14:creationId xmlns:p14="http://schemas.microsoft.com/office/powerpoint/2010/main" val="1219772070"/>
       </p:ext>
     </p:extLst>
   </p:cSld>
@@ -32493,8 +37264,8 @@
         </p:nvSpPr>
         <p:spPr>
           <a:xfrm>
-            <a:off x="5563462" y="1742850"/>
-            <a:ext cx="3519600" cy="1657800"/>
+            <a:off x="6188758" y="1579091"/>
+            <a:ext cx="3519600" cy="1985318"/>
           </a:xfrm>
         </p:spPr>
         <p:txBody>
@@ -32503,7 +37274,15 @@
           <a:p>
             <a:r>
               <a:rPr lang="uk-UA" dirty="0"/>
-              <a:t>Приклад агрегованих запитів до </a:t>
+              <a:t>Приклад </a:t>
+            </a:r>
+            <a:r>
+              <a:rPr lang="uk-UA" dirty="0" err="1"/>
+              <a:t>агрегаційних</a:t>
+            </a:r>
+            <a:r>
+              <a:rPr lang="uk-UA" dirty="0"/>
+              <a:t> запитів до </a:t>
             </a:r>
             <a:r>
               <a:rPr lang="en-GB" dirty="0"/>
@@ -32514,10 +37293,10 @@
       </p:sp>
       <p:pic>
         <p:nvPicPr>
-          <p:cNvPr id="4" name="Picture 3">
+          <p:cNvPr id="9" name="Picture 8">
             <a:extLst>
               <a:ext uri="{FF2B5EF4-FFF2-40B4-BE49-F238E27FC236}">
-                <a16:creationId xmlns:a16="http://schemas.microsoft.com/office/drawing/2014/main" id="{00B937E1-B273-C141-42A3-23F072FA46D1}"/>
+                <a16:creationId xmlns:a16="http://schemas.microsoft.com/office/drawing/2014/main" id="{CD52688B-9C79-DE68-CF0F-25EFC2E0ADA7}"/>
               </a:ext>
             </a:extLst>
           </p:cNvPr>
@@ -32527,15 +37306,15 @@
           <p:nvPr/>
         </p:nvPicPr>
         <p:blipFill>
-          <a:blip r:embed="rId2"/>
+          <a:blip r:embed="rId3"/>
           <a:stretch>
             <a:fillRect/>
           </a:stretch>
         </p:blipFill>
         <p:spPr>
           <a:xfrm>
-            <a:off x="714375" y="553839"/>
-            <a:ext cx="4756474" cy="3984823"/>
+            <a:off x="709612" y="558572"/>
+            <a:ext cx="5430674" cy="4027715"/>
           </a:xfrm>
           <a:prstGeom prst="rect">
             <a:avLst/>
@@ -32682,7 +37461,7 @@
           <p:nvPr/>
         </p:nvPicPr>
         <p:blipFill>
-          <a:blip r:embed="rId2"/>
+          <a:blip r:embed="rId3"/>
           <a:stretch>
             <a:fillRect/>
           </a:stretch>
@@ -32845,7 +37624,7 @@
           <p:nvPr/>
         </p:nvPicPr>
         <p:blipFill>
-          <a:blip r:embed="rId2"/>
+          <a:blip r:embed="rId3"/>
           <a:stretch>
             <a:fillRect/>
           </a:stretch>
@@ -32964,8 +37743,12 @@
               <a:t> </a:t>
             </a:r>
             <a:r>
+              <a:rPr lang="en-GB" dirty="0" err="1"/>
+              <a:t>Jetbrains</a:t>
+            </a:r>
+            <a:r>
               <a:rPr lang="en-GB" dirty="0"/>
-              <a:t>GoLand</a:t>
+              <a:t> GoLand</a:t>
             </a:r>
           </a:p>
           <a:p>
@@ -32996,14 +37779,14 @@
           <p:nvPr/>
         </p:nvPicPr>
         <p:blipFill rotWithShape="1">
-          <a:blip r:embed="rId2"/>
+          <a:blip r:embed="rId3"/>
           <a:srcRect l="5950" t="13987"/>
           <a:stretch/>
         </p:blipFill>
         <p:spPr bwMode="auto">
           <a:xfrm>
-            <a:off x="0" y="3106572"/>
-            <a:ext cx="4458971" cy="2036928"/>
+            <a:off x="85458" y="3321284"/>
+            <a:ext cx="3988952" cy="1822216"/>
           </a:xfrm>
           <a:prstGeom prst="rect">
             <a:avLst/>
@@ -33033,14 +37816,14 @@
           <p:nvPr/>
         </p:nvPicPr>
         <p:blipFill rotWithShape="1">
-          <a:blip r:embed="rId3"/>
+          <a:blip r:embed="rId4"/>
           <a:srcRect l="6035" t="14303"/>
           <a:stretch/>
         </p:blipFill>
         <p:spPr bwMode="auto">
           <a:xfrm>
-            <a:off x="4458971" y="3076084"/>
-            <a:ext cx="4685029" cy="2067415"/>
+            <a:off x="4309420" y="3341043"/>
+            <a:ext cx="4039822" cy="1782697"/>
           </a:xfrm>
           <a:prstGeom prst="rect">
             <a:avLst/>
@@ -33109,8 +37892,8 @@
         </p:nvSpPr>
         <p:spPr>
           <a:xfrm>
-            <a:off x="5563462" y="1742850"/>
-            <a:ext cx="3519600" cy="1657800"/>
+            <a:off x="5501639" y="2004486"/>
+            <a:ext cx="3519600" cy="1134528"/>
           </a:xfrm>
         </p:spPr>
         <p:txBody>
@@ -33119,7 +37902,7 @@
           <a:p>
             <a:r>
               <a:rPr lang="uk-UA" dirty="0"/>
-              <a:t>Апробація результатів</a:t>
+              <a:t>Наукова апробація результатів</a:t>
             </a:r>
             <a:endParaRPr lang="en-GB" dirty="0"/>
           </a:p>
@@ -33140,7 +37923,7 @@
           <p:nvPr/>
         </p:nvPicPr>
         <p:blipFill>
-          <a:blip r:embed="rId2"/>
+          <a:blip r:embed="rId3"/>
           <a:stretch>
             <a:fillRect/>
           </a:stretch>
@@ -33204,10 +37987,15 @@
             <a:spLocks noGrp="1"/>
           </p:cNvSpPr>
           <p:nvPr>
-            <p:ph type="title"/>
+            <p:ph type="title" idx="4294967295"/>
           </p:nvPr>
         </p:nvSpPr>
-        <p:spPr/>
+        <p:spPr>
+          <a:xfrm>
+            <a:off x="720724" y="572568"/>
+            <a:ext cx="7702550" cy="573088"/>
+          </a:xfrm>
+        </p:spPr>
         <p:txBody>
           <a:bodyPr/>
           <a:lstStyle/>
@@ -33233,13 +38021,13 @@
             <a:spLocks noGrp="1"/>
           </p:cNvSpPr>
           <p:nvPr>
-            <p:ph type="body" idx="1"/>
+            <p:ph type="body" idx="4294967295"/>
           </p:nvPr>
         </p:nvSpPr>
         <p:spPr>
           <a:xfrm>
-            <a:off x="720000" y="1200480"/>
-            <a:ext cx="7433400" cy="3080700"/>
+            <a:off x="855662" y="1375079"/>
+            <a:ext cx="7432675" cy="3081338"/>
           </a:xfrm>
         </p:spPr>
         <p:txBody>
@@ -33247,24 +38035,7 @@
           <a:lstStyle/>
           <a:p>
             <a:r>
-              <a:rPr lang="uk-UA" dirty="0">
-                <a:latin typeface="Times New Roman" panose="02020603050405020304" pitchFamily="18" charset="0"/>
-                <a:ea typeface="MS Mincho" panose="02020609040205080304" pitchFamily="49" charset="-128"/>
-              </a:rPr>
-              <a:t>Б</a:t>
-            </a:r>
-            <a:r>
-              <a:rPr lang="uk-UA" sz="1800" kern="0" dirty="0">
-                <a:effectLst/>
-                <a:latin typeface="Times New Roman" panose="02020603050405020304" pitchFamily="18" charset="0"/>
-                <a:ea typeface="MS Mincho" panose="02020609040205080304" pitchFamily="49" charset="-128"/>
-              </a:rPr>
-              <a:t>уло розроблено серверну частину програмної системи для хмарного зберігання особистих, що відповідає сучасним вимогам до продуктивності, надійності та безпеки.</a:t>
-            </a:r>
-          </a:p>
-          <a:p>
-            <a:r>
-              <a:rPr lang="uk-UA" dirty="0">
+              <a:rPr lang="uk-UA" sz="1800" dirty="0">
                 <a:latin typeface="Times New Roman" panose="02020603050405020304" pitchFamily="18" charset="0"/>
                 <a:ea typeface="MS Mincho" panose="02020609040205080304" pitchFamily="49" charset="-128"/>
               </a:rPr>
@@ -33291,19 +38062,12 @@
           </a:p>
           <a:p>
             <a:r>
-              <a:rPr lang="uk-UA" dirty="0">
-                <a:latin typeface="Times New Roman" panose="02020603050405020304" pitchFamily="18" charset="0"/>
-                <a:ea typeface="MS Mincho" panose="02020609040205080304" pitchFamily="49" charset="-128"/>
-              </a:rPr>
-              <a:t>З</a:t>
-            </a:r>
-            <a:r>
               <a:rPr lang="uk-UA" sz="1800" kern="0" dirty="0">
                 <a:effectLst/>
                 <a:latin typeface="Times New Roman" panose="02020603050405020304" pitchFamily="18" charset="0"/>
                 <a:ea typeface="MS Mincho" panose="02020609040205080304" pitchFamily="49" charset="-128"/>
               </a:rPr>
-              <a:t>астосовано унікальний метод серверного </a:t>
+              <a:t>Застосовано унікальний метод серверної </a:t>
             </a:r>
             <a:r>
               <a:rPr lang="uk-UA" sz="1800" kern="0" dirty="0" err="1">
@@ -33311,7 +38075,7 @@
                 <a:latin typeface="Times New Roman" panose="02020603050405020304" pitchFamily="18" charset="0"/>
                 <a:ea typeface="MS Mincho" panose="02020609040205080304" pitchFamily="49" charset="-128"/>
               </a:rPr>
-              <a:t>кешування</a:t>
+              <a:t>буферизації</a:t>
             </a:r>
             <a:r>
               <a:rPr lang="uk-UA" sz="1800" kern="0" dirty="0">
@@ -33329,9 +38093,8 @@
                 <a:latin typeface="Times New Roman" panose="02020603050405020304" pitchFamily="18" charset="0"/>
                 <a:ea typeface="MS Mincho" panose="02020609040205080304" pitchFamily="49" charset="-128"/>
               </a:rPr>
-              <a:t>Результатом виконаної роботи став готовий до експлуатації, надійний та функціональний серверний компонент програмної системи хмарного зберігання.</a:t>
-            </a:r>
-            <a:endParaRPr lang="en-GB" dirty="0"/>
+              <a:t>Результатом виконаної роботи став готовий до експлуатації, надійний та функціональний серверний компонент програмної системи хмарного зберігання файлів, що відповідає сучасним вимогам до продуктивності, надійності та безпеки.</a:t>
+            </a:r>
           </a:p>
         </p:txBody>
       </p:sp>
@@ -34119,7 +38882,7 @@
           <p:nvPr/>
         </p:nvPicPr>
         <p:blipFill>
-          <a:blip r:embed="rId2"/>
+          <a:blip r:embed="rId3"/>
           <a:stretch>
             <a:fillRect/>
           </a:stretch>
@@ -34602,7 +39365,7 @@
           <p:nvPr/>
         </p:nvPicPr>
         <p:blipFill>
-          <a:blip r:embed="rId2"/>
+          <a:blip r:embed="rId3"/>
           <a:stretch>
             <a:fillRect/>
           </a:stretch>
@@ -35079,7 +39842,7 @@
           <p:nvPr/>
         </p:nvPicPr>
         <p:blipFill>
-          <a:blip r:embed="rId2"/>
+          <a:blip r:embed="rId3"/>
           <a:stretch>
             <a:fillRect/>
           </a:stretch>
@@ -35307,7 +40070,7 @@
           <p:nvPr/>
         </p:nvPicPr>
         <p:blipFill>
-          <a:blip r:embed="rId2">
+          <a:blip r:embed="rId3">
             <a:extLst>
               <a:ext uri="{28A0092B-C50C-407E-A947-70E740481C1C}">
                 <a14:useLocalDpi xmlns:a14="http://schemas.microsoft.com/office/drawing/2010/main" val="0"/>

--- a/2025_Б_ПІ_ПЗПІ_21_2_Буцулін_І_О.pptx
+++ b/2025_Б_ПІ_ПЗПІ_21_2_Буцулін_І_О.pptx
@@ -1045,7 +1045,7 @@
             </a:r>
             <a:r>
               <a:rPr lang="ru-RU" dirty="0" err="1"/>
-              <a:t>екзаменційної</a:t>
+              <a:t>екзаменаційної</a:t>
             </a:r>
             <a:r>
               <a:rPr lang="ru-RU" dirty="0"/>
@@ -1442,7 +1442,255 @@
             </a:r>
             <a:r>
               <a:rPr lang="ru-RU" dirty="0"/>
-              <a:t>.</a:t>
+              <a:t>. </a:t>
+            </a:r>
+            <a:r>
+              <a:rPr lang="ru-RU" dirty="0" err="1"/>
+              <a:t>Сервіс</a:t>
+            </a:r>
+            <a:r>
+              <a:rPr lang="ru-RU" dirty="0"/>
+              <a:t> </a:t>
+            </a:r>
+            <a:r>
+              <a:rPr lang="ru-RU" dirty="0" err="1"/>
+              <a:t>файлів</a:t>
+            </a:r>
+            <a:r>
+              <a:rPr lang="ru-RU" dirty="0"/>
+              <a:t> буде </a:t>
+            </a:r>
+            <a:r>
+              <a:rPr lang="ru-RU" dirty="0" err="1"/>
+              <a:t>відповідати</a:t>
+            </a:r>
+            <a:r>
+              <a:rPr lang="ru-RU" dirty="0"/>
+              <a:t> за </a:t>
+            </a:r>
+            <a:r>
+              <a:rPr lang="ru-RU" dirty="0" err="1"/>
+              <a:t>збереження</a:t>
+            </a:r>
+            <a:r>
+              <a:rPr lang="ru-RU" dirty="0"/>
+              <a:t> </a:t>
+            </a:r>
+            <a:r>
+              <a:rPr lang="ru-RU" dirty="0" err="1"/>
+              <a:t>файлів</a:t>
+            </a:r>
+            <a:r>
+              <a:rPr lang="ru-RU" dirty="0"/>
+              <a:t> у </a:t>
+            </a:r>
+            <a:r>
+              <a:rPr lang="ru-RU" dirty="0" err="1"/>
+              <a:t>файловій</a:t>
+            </a:r>
+            <a:r>
+              <a:rPr lang="ru-RU" dirty="0"/>
+              <a:t> </a:t>
+            </a:r>
+            <a:r>
+              <a:rPr lang="ru-RU" dirty="0" err="1"/>
+              <a:t>системі</a:t>
+            </a:r>
+            <a:r>
+              <a:rPr lang="ru-RU" dirty="0"/>
+              <a:t> </a:t>
+            </a:r>
+            <a:r>
+              <a:rPr lang="ru-RU" dirty="0" err="1"/>
+              <a:t>операційної</a:t>
+            </a:r>
+            <a:r>
+              <a:rPr lang="ru-RU" dirty="0"/>
+              <a:t> </a:t>
+            </a:r>
+            <a:r>
+              <a:rPr lang="ru-RU" dirty="0" err="1"/>
+              <a:t>системи</a:t>
+            </a:r>
+            <a:r>
+              <a:rPr lang="ru-RU" dirty="0"/>
+              <a:t> та </a:t>
+            </a:r>
+            <a:r>
+              <a:rPr lang="ru-RU" dirty="0" err="1"/>
+              <a:t>їх</a:t>
+            </a:r>
+            <a:r>
+              <a:rPr lang="ru-RU" dirty="0"/>
+              <a:t> </a:t>
+            </a:r>
+            <a:r>
+              <a:rPr lang="ru-RU" dirty="0" err="1"/>
+              <a:t>отримання</a:t>
+            </a:r>
+            <a:r>
+              <a:rPr lang="ru-RU" dirty="0"/>
+              <a:t> </a:t>
+            </a:r>
+            <a:r>
+              <a:rPr lang="ru-RU" dirty="0" err="1"/>
+              <a:t>користувачем</a:t>
+            </a:r>
+            <a:r>
+              <a:rPr lang="ru-RU" dirty="0"/>
+              <a:t> при </a:t>
+            </a:r>
+            <a:r>
+              <a:rPr lang="ru-RU" dirty="0" err="1"/>
+              <a:t>завантаженні</a:t>
+            </a:r>
+            <a:r>
+              <a:rPr lang="ru-RU" dirty="0"/>
+              <a:t> </a:t>
+            </a:r>
+            <a:r>
+              <a:rPr lang="ru-RU" dirty="0" err="1"/>
+              <a:t>чи</a:t>
+            </a:r>
+            <a:r>
+              <a:rPr lang="ru-RU" dirty="0"/>
+              <a:t> </a:t>
+            </a:r>
+            <a:r>
+              <a:rPr lang="ru-RU" dirty="0" err="1"/>
+              <a:t>попередньому</a:t>
+            </a:r>
+            <a:r>
+              <a:rPr lang="ru-RU" dirty="0"/>
+              <a:t> </a:t>
+            </a:r>
+            <a:r>
+              <a:rPr lang="ru-RU" dirty="0" err="1"/>
+              <a:t>перегляді</a:t>
+            </a:r>
+            <a:r>
+              <a:rPr lang="ru-RU" dirty="0"/>
+              <a:t>. Менеджер </a:t>
+            </a:r>
+            <a:r>
+              <a:rPr lang="ru-RU" dirty="0" err="1"/>
+              <a:t>файлової</a:t>
+            </a:r>
+            <a:r>
+              <a:rPr lang="ru-RU" dirty="0"/>
+              <a:t> </a:t>
+            </a:r>
+            <a:r>
+              <a:rPr lang="ru-RU" dirty="0" err="1"/>
+              <a:t>системи</a:t>
+            </a:r>
+            <a:r>
+              <a:rPr lang="ru-RU" dirty="0"/>
+              <a:t> </a:t>
+            </a:r>
+            <a:r>
+              <a:rPr lang="ru-RU" dirty="0" err="1"/>
+              <a:t>зберігає</a:t>
+            </a:r>
+            <a:r>
+              <a:rPr lang="ru-RU" dirty="0"/>
+              <a:t> </a:t>
+            </a:r>
+            <a:r>
+              <a:rPr lang="ru-RU" dirty="0" err="1"/>
+              <a:t>метадані</a:t>
+            </a:r>
+            <a:r>
+              <a:rPr lang="ru-RU" dirty="0"/>
+              <a:t> про </a:t>
+            </a:r>
+            <a:r>
+              <a:rPr lang="ru-RU" dirty="0" err="1"/>
+              <a:t>файли</a:t>
+            </a:r>
+            <a:r>
+              <a:rPr lang="ru-RU" dirty="0"/>
+              <a:t> та </a:t>
+            </a:r>
+            <a:r>
+              <a:rPr lang="ru-RU" dirty="0" err="1"/>
+              <a:t>директорії</a:t>
+            </a:r>
+            <a:r>
+              <a:rPr lang="ru-RU" dirty="0"/>
+              <a:t>. </a:t>
+            </a:r>
+            <a:r>
+              <a:rPr lang="ru-RU" dirty="0" err="1"/>
+              <a:t>Сервіс</a:t>
+            </a:r>
+            <a:r>
+              <a:rPr lang="ru-RU" dirty="0"/>
+              <a:t> </a:t>
+            </a:r>
+            <a:r>
+              <a:rPr lang="ru-RU" dirty="0" err="1"/>
+              <a:t>автентифікації</a:t>
+            </a:r>
+            <a:r>
+              <a:rPr lang="ru-RU" dirty="0"/>
+              <a:t> </a:t>
+            </a:r>
+            <a:r>
+              <a:rPr lang="ru-RU" dirty="0" err="1"/>
+              <a:t>створений</a:t>
+            </a:r>
+            <a:r>
+              <a:rPr lang="ru-RU" dirty="0"/>
+              <a:t> для </a:t>
+            </a:r>
+            <a:r>
+              <a:rPr lang="ru-RU" dirty="0" err="1"/>
+              <a:t>ідентифікації</a:t>
+            </a:r>
+            <a:r>
+              <a:rPr lang="ru-RU" dirty="0"/>
+              <a:t> </a:t>
+            </a:r>
+            <a:r>
+              <a:rPr lang="ru-RU" dirty="0" err="1"/>
+              <a:t>користувача</a:t>
+            </a:r>
+            <a:r>
+              <a:rPr lang="ru-RU" dirty="0"/>
+              <a:t> та </a:t>
+            </a:r>
+            <a:r>
+              <a:rPr lang="ru-RU" dirty="0" err="1"/>
+              <a:t>взаємодії</a:t>
+            </a:r>
+            <a:r>
+              <a:rPr lang="ru-RU" dirty="0"/>
+              <a:t> з </a:t>
+            </a:r>
+            <a:r>
+              <a:rPr lang="ru-RU" dirty="0" err="1"/>
+              <a:t>зовнішніми</a:t>
+            </a:r>
+            <a:r>
+              <a:rPr lang="ru-RU" dirty="0"/>
+              <a:t> </a:t>
+            </a:r>
+            <a:r>
+              <a:rPr lang="ru-RU" dirty="0" err="1"/>
+              <a:t>постачальниками</a:t>
+            </a:r>
+            <a:r>
+              <a:rPr lang="ru-RU" dirty="0"/>
+              <a:t> </a:t>
+            </a:r>
+            <a:r>
+              <a:rPr lang="ru-RU" dirty="0" err="1"/>
+              <a:t>даних</a:t>
+            </a:r>
+            <a:r>
+              <a:rPr lang="ru-RU" dirty="0"/>
+              <a:t> про них.</a:t>
             </a:r>
             <a:endParaRPr lang="en-GB" dirty="0"/>
           </a:p>
@@ -1611,6 +1859,38 @@
             </a:r>
             <a:r>
               <a:rPr lang="ru-RU" dirty="0"/>
+              <a:t> </a:t>
+            </a:r>
+            <a:r>
+              <a:rPr lang="ru-RU" dirty="0" err="1"/>
+              <a:t>завдяки</a:t>
+            </a:r>
+            <a:r>
+              <a:rPr lang="ru-RU" dirty="0"/>
+              <a:t> </a:t>
+            </a:r>
+            <a:r>
+              <a:rPr lang="ru-RU" dirty="0" err="1"/>
+              <a:t>унікальнил</a:t>
+            </a:r>
+            <a:r>
+              <a:rPr lang="ru-RU" dirty="0"/>
+              <a:t> </a:t>
+            </a:r>
+            <a:r>
+              <a:rPr lang="ru-RU" dirty="0" err="1"/>
+              <a:t>полегшеним</a:t>
+            </a:r>
+            <a:r>
+              <a:rPr lang="ru-RU" dirty="0"/>
+              <a:t> "потокам" - </a:t>
+            </a:r>
+            <a:r>
+              <a:rPr lang="ru-RU" dirty="0" err="1"/>
+              <a:t>горутинам</a:t>
+            </a:r>
+            <a:r>
+              <a:rPr lang="ru-RU" dirty="0"/>
               <a:t>.</a:t>
             </a:r>
             <a:endParaRPr lang="en-GB" dirty="0"/>
@@ -1772,11 +2052,99 @@
             </a:r>
             <a:r>
               <a:rPr lang="ru-RU" dirty="0"/>
-              <a:t>.. </a:t>
-            </a:r>
-            <a:r>
-              <a:rPr lang="ru-RU" dirty="0" err="1"/>
-              <a:t>Відзначимо</a:t>
+              <a:t>. Також, </a:t>
+            </a:r>
+            <a:r>
+              <a:rPr lang="ru-RU" dirty="0" err="1"/>
+              <a:t>визначним</a:t>
+            </a:r>
+            <a:r>
+              <a:rPr lang="ru-RU" dirty="0"/>
+              <a:t> є те, </a:t>
+            </a:r>
+            <a:r>
+              <a:rPr lang="ru-RU" dirty="0" err="1"/>
+              <a:t>що</a:t>
+            </a:r>
+            <a:r>
+              <a:rPr lang="ru-RU" dirty="0"/>
+              <a:t> </a:t>
+            </a:r>
+            <a:r>
+              <a:rPr lang="ru-RU" dirty="0" err="1"/>
+              <a:t>кожен</a:t>
+            </a:r>
+            <a:r>
+              <a:rPr lang="ru-RU" dirty="0"/>
+              <a:t> запит до </a:t>
+            </a:r>
+            <a:r>
+              <a:rPr lang="ru-RU" dirty="0" err="1"/>
+              <a:t>неї</a:t>
+            </a:r>
+            <a:r>
+              <a:rPr lang="ru-RU" dirty="0"/>
+              <a:t> є </a:t>
+            </a:r>
+            <a:r>
+              <a:rPr lang="ru-RU" dirty="0" err="1"/>
+              <a:t>атомарним</a:t>
+            </a:r>
+            <a:r>
+              <a:rPr lang="ru-RU" dirty="0"/>
+              <a:t>. Так як </a:t>
+            </a:r>
+            <a:r>
+              <a:rPr lang="ru-RU" dirty="0" err="1"/>
+              <a:t>користувачі</a:t>
+            </a:r>
+            <a:r>
+              <a:rPr lang="ru-RU" dirty="0"/>
+              <a:t> в </a:t>
+            </a:r>
+            <a:r>
+              <a:rPr lang="ru-RU" dirty="0" err="1"/>
+              <a:t>середньому</a:t>
+            </a:r>
+            <a:r>
+              <a:rPr lang="ru-RU" dirty="0"/>
+              <a:t> </a:t>
+            </a:r>
+            <a:r>
+              <a:rPr lang="ru-RU" dirty="0" err="1"/>
+              <a:t>частіше</a:t>
+            </a:r>
+            <a:r>
+              <a:rPr lang="ru-RU" dirty="0"/>
+              <a:t> </a:t>
+            </a:r>
+            <a:r>
+              <a:rPr lang="ru-RU" dirty="0" err="1"/>
+              <a:t>отримують</a:t>
+            </a:r>
+            <a:r>
+              <a:rPr lang="ru-RU" dirty="0"/>
+              <a:t> </a:t>
+            </a:r>
+            <a:r>
+              <a:rPr lang="ru-RU" dirty="0" err="1"/>
+              <a:t>дані</a:t>
+            </a:r>
+            <a:r>
+              <a:rPr lang="ru-RU" dirty="0"/>
+              <a:t> про </a:t>
+            </a:r>
+            <a:r>
+              <a:rPr lang="ru-RU" dirty="0" err="1"/>
+              <a:t>директорії</a:t>
+            </a:r>
+            <a:r>
+              <a:rPr lang="ru-RU" dirty="0"/>
+              <a:t> та </a:t>
+            </a:r>
+            <a:r>
+              <a:rPr lang="ru-RU" dirty="0" err="1"/>
+              <a:t>файли</a:t>
             </a:r>
             <a:r>
               <a:rPr lang="ru-RU" dirty="0"/>
@@ -1784,7 +2152,7 @@
             </a:r>
             <a:r>
               <a:rPr lang="ru-RU" dirty="0" err="1"/>
-              <a:t>що</a:t>
+              <a:t>аніж</a:t>
             </a:r>
             <a:r>
               <a:rPr lang="ru-RU" dirty="0"/>
@@ -1792,31 +2160,23 @@
             </a:r>
             <a:r>
               <a:rPr lang="ru-RU" dirty="0" err="1"/>
-              <a:t>кожен</a:t>
-            </a:r>
-            <a:r>
-              <a:rPr lang="ru-RU" dirty="0"/>
-              <a:t> запит до </a:t>
-            </a:r>
-            <a:r>
-              <a:rPr lang="ru-RU" dirty="0" err="1"/>
-              <a:t>неї</a:t>
-            </a:r>
-            <a:r>
-              <a:rPr lang="ru-RU" dirty="0"/>
-              <a:t> є </a:t>
-            </a:r>
-            <a:r>
-              <a:rPr lang="ru-RU" dirty="0" err="1"/>
-              <a:t>атомарним</a:t>
-            </a:r>
-            <a:r>
-              <a:rPr lang="ru-RU" dirty="0"/>
-              <a:t>. </a:t>
-            </a:r>
-            <a:r>
-              <a:rPr lang="ru-RU" dirty="0" err="1"/>
-              <a:t>Ненормалізована</a:t>
+              <a:t>їх</a:t>
+            </a:r>
+            <a:r>
+              <a:rPr lang="ru-RU" dirty="0"/>
+              <a:t> </a:t>
+            </a:r>
+            <a:r>
+              <a:rPr lang="ru-RU" dirty="0" err="1"/>
+              <a:t>редагують</a:t>
+            </a:r>
+            <a:r>
+              <a:rPr lang="ru-RU" dirty="0"/>
+              <a:t>, </a:t>
+            </a:r>
+            <a:r>
+              <a:rPr lang="ru-RU" dirty="0" err="1"/>
+              <a:t>ненормалізована</a:t>
             </a:r>
             <a:r>
               <a:rPr lang="ru-RU" dirty="0"/>
@@ -1844,7 +2204,7 @@
             </a:r>
             <a:r>
               <a:rPr lang="ru-RU" dirty="0"/>
-              <a:t>  </a:t>
+              <a:t> </a:t>
             </a:r>
             <a:r>
               <a:rPr lang="ru-RU" dirty="0" err="1"/>
@@ -1856,11 +2216,51 @@
             </a:r>
             <a:r>
               <a:rPr lang="ru-RU" dirty="0" err="1"/>
-              <a:t>даних</a:t>
-            </a:r>
-            <a:r>
-              <a:rPr lang="ru-RU" dirty="0"/>
-              <a:t>. </a:t>
+              <a:t>файлів</a:t>
+            </a:r>
+            <a:r>
+              <a:rPr lang="ru-RU" dirty="0"/>
+              <a:t> та </a:t>
+            </a:r>
+            <a:r>
+              <a:rPr lang="ru-RU" dirty="0" err="1"/>
+              <a:t>директорій</a:t>
+            </a:r>
+            <a:r>
+              <a:rPr lang="ru-RU" dirty="0"/>
+              <a:t> за </a:t>
+            </a:r>
+            <a:r>
+              <a:rPr lang="ru-RU" dirty="0" err="1"/>
+              <a:t>рахунок</a:t>
+            </a:r>
+            <a:r>
+              <a:rPr lang="ru-RU" dirty="0"/>
+              <a:t> </a:t>
+            </a:r>
+            <a:r>
+              <a:rPr lang="ru-RU" dirty="0" err="1"/>
+              <a:t>швидкості</a:t>
+            </a:r>
+            <a:r>
+              <a:rPr lang="ru-RU" dirty="0"/>
+              <a:t> </a:t>
+            </a:r>
+            <a:r>
+              <a:rPr lang="ru-RU" dirty="0" err="1"/>
+              <a:t>їх</a:t>
+            </a:r>
+            <a:r>
+              <a:rPr lang="ru-RU" dirty="0"/>
+              <a:t> </a:t>
+            </a:r>
+            <a:r>
+              <a:rPr lang="ru-RU" dirty="0" err="1"/>
+              <a:t>додавання</a:t>
+            </a:r>
+            <a:r>
+              <a:rPr lang="ru-RU" dirty="0"/>
+              <a:t> до БД. </a:t>
             </a:r>
             <a:endParaRPr lang="en-GB" dirty="0"/>
           </a:p>
@@ -1965,11 +2365,67 @@
             </a:r>
             <a:r>
               <a:rPr lang="ru-RU" dirty="0"/>
-              <a:t> HTTP-сервер </a:t>
-            </a:r>
-            <a:r>
-              <a:rPr lang="ru-RU" dirty="0" err="1"/>
-              <a:t>Caddy</a:t>
+              <a:t> </a:t>
+            </a:r>
+            <a:r>
+              <a:rPr lang="en-GB" dirty="0"/>
+              <a:t>HTTP-</a:t>
+            </a:r>
+            <a:r>
+              <a:rPr lang="ru-RU" dirty="0"/>
+              <a:t>сервер </a:t>
+            </a:r>
+            <a:r>
+              <a:rPr lang="en-GB" dirty="0"/>
+              <a:t>Caddy, </a:t>
+            </a:r>
+            <a:r>
+              <a:rPr lang="ru-RU" dirty="0" err="1"/>
+              <a:t>розроблений</a:t>
+            </a:r>
+            <a:r>
+              <a:rPr lang="ru-RU" dirty="0"/>
+              <a:t> з </a:t>
+            </a:r>
+            <a:r>
+              <a:rPr lang="ru-RU" dirty="0" err="1"/>
+              <a:t>використанням</a:t>
+            </a:r>
+            <a:r>
+              <a:rPr lang="ru-RU" dirty="0"/>
+              <a:t> </a:t>
+            </a:r>
+            <a:r>
+              <a:rPr lang="en-GB" dirty="0"/>
+              <a:t>Go. </a:t>
+            </a:r>
+            <a:r>
+              <a:rPr lang="ru-RU" dirty="0" err="1"/>
+              <a:t>Він</a:t>
+            </a:r>
+            <a:r>
+              <a:rPr lang="ru-RU" dirty="0"/>
+              <a:t> є легко </a:t>
+            </a:r>
+            <a:r>
+              <a:rPr lang="ru-RU" dirty="0" err="1"/>
+              <a:t>налаштовуваним</a:t>
+            </a:r>
+            <a:r>
+              <a:rPr lang="ru-RU" dirty="0"/>
+              <a:t> та </a:t>
+            </a:r>
+            <a:r>
+              <a:rPr lang="ru-RU" dirty="0" err="1"/>
+              <a:t>підримує</a:t>
+            </a:r>
+            <a:r>
+              <a:rPr lang="ru-RU" dirty="0"/>
+              <a:t> </a:t>
+            </a:r>
+            <a:r>
+              <a:rPr lang="ru-RU" dirty="0" err="1"/>
+              <a:t>контейнеризацію</a:t>
             </a:r>
             <a:r>
               <a:rPr lang="ru-RU" dirty="0"/>
@@ -1977,19 +2433,27 @@
             </a:r>
             <a:r>
               <a:rPr lang="ru-RU" dirty="0" err="1"/>
-              <a:t>розроблений</a:t>
-            </a:r>
-            <a:r>
-              <a:rPr lang="ru-RU" dirty="0"/>
-              <a:t> з </a:t>
-            </a:r>
-            <a:r>
-              <a:rPr lang="ru-RU" dirty="0" err="1"/>
-              <a:t>використанням</a:t>
-            </a:r>
-            <a:r>
-              <a:rPr lang="ru-RU" dirty="0"/>
-              <a:t> Go.</a:t>
+              <a:t>що</a:t>
+            </a:r>
+            <a:r>
+              <a:rPr lang="ru-RU" dirty="0"/>
+              <a:t> </a:t>
+            </a:r>
+            <a:r>
+              <a:rPr lang="ru-RU" dirty="0" err="1"/>
+              <a:t>допомагає</a:t>
+            </a:r>
+            <a:r>
+              <a:rPr lang="ru-RU" dirty="0"/>
+              <a:t> при </a:t>
+            </a:r>
+            <a:r>
+              <a:rPr lang="ru-RU" dirty="0" err="1"/>
+              <a:t>розгортанні</a:t>
+            </a:r>
+            <a:r>
+              <a:rPr lang="ru-RU" dirty="0"/>
+              <a:t>.</a:t>
             </a:r>
             <a:endParaRPr lang="en-GB" dirty="0"/>
           </a:p>
@@ -2089,12 +2553,12 @@
               <a:t> </a:t>
             </a:r>
             <a:r>
-              <a:rPr lang="en-GB" dirty="0"/>
-              <a:t>RabbitMQ </a:t>
-            </a:r>
-            <a:r>
-              <a:rPr lang="ru-RU" dirty="0"/>
-              <a:t>через </a:t>
+              <a:rPr lang="ru-RU" dirty="0" err="1"/>
+              <a:t>RabbitMQ</a:t>
+            </a:r>
+            <a:r>
+              <a:rPr lang="ru-RU" dirty="0"/>
+              <a:t> через </a:t>
             </a:r>
             <a:r>
               <a:rPr lang="ru-RU" dirty="0" err="1"/>
@@ -2113,12 +2577,28 @@
               <a:t> режиму </a:t>
             </a:r>
             <a:r>
-              <a:rPr lang="en-GB" dirty="0"/>
-              <a:t>fanout </a:t>
-            </a:r>
-            <a:r>
-              <a:rPr lang="ru-RU" dirty="0"/>
-              <a:t>для </a:t>
+              <a:rPr lang="ru-RU" dirty="0" err="1"/>
+              <a:t>fanout</a:t>
+            </a:r>
+            <a:r>
+              <a:rPr lang="ru-RU" dirty="0"/>
+              <a:t>, </a:t>
+            </a:r>
+            <a:r>
+              <a:rPr lang="ru-RU" dirty="0" err="1"/>
+              <a:t>який</a:t>
+            </a:r>
+            <a:r>
+              <a:rPr lang="ru-RU" dirty="0"/>
+              <a:t> </a:t>
+            </a:r>
+            <a:r>
+              <a:rPr lang="ru-RU" dirty="0" err="1"/>
+              <a:t>знадобився</a:t>
+            </a:r>
+            <a:r>
+              <a:rPr lang="ru-RU" dirty="0"/>
+              <a:t> нам для </a:t>
             </a:r>
             <a:r>
               <a:rPr lang="ru-RU" dirty="0" err="1"/>
@@ -2137,8 +2617,12 @@
               <a:t> </a:t>
             </a:r>
             <a:r>
-              <a:rPr lang="en-GB" dirty="0" err="1"/>
+              <a:rPr lang="ru-RU" dirty="0" err="1"/>
               <a:t>PubSub</a:t>
+            </a:r>
+            <a:r>
+              <a:rPr lang="ru-RU" dirty="0"/>
+              <a:t>.</a:t>
             </a:r>
             <a:endParaRPr lang="en-GB" dirty="0"/>
           </a:p>
@@ -2275,7 +2759,11 @@
             </a:r>
             <a:r>
               <a:rPr lang="ru-RU" dirty="0"/>
-              <a:t> JWT </a:t>
+              <a:t> </a:t>
+            </a:r>
+            <a:r>
+              <a:rPr lang="en-GB" dirty="0"/>
+              <a:t>JWT </a:t>
             </a:r>
             <a:r>
               <a:rPr lang="ru-RU" dirty="0" err="1"/>
@@ -2288,6 +2776,318 @@
             <a:r>
               <a:rPr lang="ru-RU" dirty="0" err="1"/>
               <a:t>оновлення</a:t>
+            </a:r>
+            <a:r>
+              <a:rPr lang="ru-RU" dirty="0"/>
+              <a:t>.  </a:t>
+            </a:r>
+            <a:r>
+              <a:rPr lang="ru-RU" dirty="0" err="1"/>
+              <a:t>Загальний</a:t>
+            </a:r>
+            <a:r>
+              <a:rPr lang="ru-RU" dirty="0"/>
+              <a:t> </a:t>
+            </a:r>
+            <a:r>
+              <a:rPr lang="ru-RU" dirty="0" err="1"/>
+              <a:t>процес</a:t>
+            </a:r>
+            <a:r>
+              <a:rPr lang="ru-RU" dirty="0"/>
+              <a:t> </a:t>
+            </a:r>
+            <a:r>
+              <a:rPr lang="ru-RU" dirty="0" err="1"/>
+              <a:t>автентифікації</a:t>
+            </a:r>
+            <a:r>
+              <a:rPr lang="ru-RU" dirty="0"/>
+              <a:t> </a:t>
+            </a:r>
+            <a:r>
+              <a:rPr lang="ru-RU" dirty="0" err="1"/>
+              <a:t>виглядає</a:t>
+            </a:r>
+            <a:r>
+              <a:rPr lang="ru-RU" dirty="0"/>
+              <a:t> </a:t>
+            </a:r>
+            <a:r>
+              <a:rPr lang="ru-RU" dirty="0" err="1"/>
+              <a:t>наступним</a:t>
+            </a:r>
+            <a:r>
+              <a:rPr lang="ru-RU" dirty="0"/>
+              <a:t> чином: </a:t>
+            </a:r>
+            <a:r>
+              <a:rPr lang="ru-RU" dirty="0" err="1"/>
+              <a:t>користувач</a:t>
+            </a:r>
+            <a:r>
+              <a:rPr lang="ru-RU" dirty="0"/>
+              <a:t> робить запит до одного з </a:t>
+            </a:r>
+            <a:r>
+              <a:rPr lang="ru-RU" dirty="0" err="1"/>
+              <a:t>зовнішніх</a:t>
+            </a:r>
+            <a:r>
+              <a:rPr lang="ru-RU" dirty="0"/>
+              <a:t> </a:t>
+            </a:r>
+            <a:r>
+              <a:rPr lang="ru-RU" dirty="0" err="1"/>
+              <a:t>постачальників</a:t>
+            </a:r>
+            <a:r>
+              <a:rPr lang="ru-RU" dirty="0"/>
+              <a:t> </a:t>
+            </a:r>
+            <a:r>
+              <a:rPr lang="ru-RU" dirty="0" err="1"/>
+              <a:t>послуг</a:t>
+            </a:r>
+            <a:r>
+              <a:rPr lang="ru-RU" dirty="0"/>
+              <a:t> (у </a:t>
+            </a:r>
+            <a:r>
+              <a:rPr lang="ru-RU" dirty="0" err="1"/>
+              <a:t>нашому</a:t>
+            </a:r>
+            <a:r>
+              <a:rPr lang="ru-RU" dirty="0"/>
+              <a:t> </a:t>
+            </a:r>
+            <a:r>
+              <a:rPr lang="ru-RU" dirty="0" err="1"/>
+              <a:t>випадку</a:t>
+            </a:r>
+            <a:r>
+              <a:rPr lang="ru-RU" dirty="0"/>
+              <a:t>: </a:t>
+            </a:r>
+            <a:r>
+              <a:rPr lang="en-GB" dirty="0"/>
+              <a:t>Google </a:t>
+            </a:r>
+            <a:r>
+              <a:rPr lang="ru-RU" dirty="0"/>
+              <a:t>та </a:t>
+            </a:r>
+            <a:r>
+              <a:rPr lang="en-GB" dirty="0"/>
+              <a:t>Firebase), </a:t>
+            </a:r>
+            <a:r>
+              <a:rPr lang="ru-RU" dirty="0" err="1"/>
+              <a:t>отримуючи</a:t>
+            </a:r>
+            <a:r>
+              <a:rPr lang="ru-RU" dirty="0"/>
+              <a:t> </a:t>
+            </a:r>
+            <a:r>
+              <a:rPr lang="ru-RU" dirty="0" err="1"/>
+              <a:t>від</a:t>
+            </a:r>
+            <a:r>
+              <a:rPr lang="ru-RU" dirty="0"/>
+              <a:t> </a:t>
+            </a:r>
+            <a:r>
+              <a:rPr lang="ru-RU" dirty="0" err="1"/>
+              <a:t>нього</a:t>
+            </a:r>
+            <a:r>
+              <a:rPr lang="ru-RU" dirty="0"/>
+              <a:t> </a:t>
+            </a:r>
+            <a:r>
+              <a:rPr lang="ru-RU" dirty="0" err="1"/>
+              <a:t>ідентифікаційний</a:t>
+            </a:r>
+            <a:r>
+              <a:rPr lang="ru-RU" dirty="0"/>
+              <a:t> маркер. При </a:t>
+            </a:r>
+            <a:r>
+              <a:rPr lang="ru-RU" dirty="0" err="1"/>
+              <a:t>передачі</a:t>
+            </a:r>
+            <a:r>
+              <a:rPr lang="ru-RU" dirty="0"/>
+              <a:t> </a:t>
+            </a:r>
+            <a:r>
+              <a:rPr lang="ru-RU" dirty="0" err="1"/>
+              <a:t>ідентифікаційного</a:t>
+            </a:r>
+            <a:r>
+              <a:rPr lang="ru-RU" dirty="0"/>
+              <a:t> маркеру до </a:t>
+            </a:r>
+            <a:r>
+              <a:rPr lang="ru-RU" dirty="0" err="1"/>
+              <a:t>сервісу</a:t>
+            </a:r>
+            <a:r>
+              <a:rPr lang="ru-RU" dirty="0"/>
+              <a:t> </a:t>
+            </a:r>
+            <a:r>
+              <a:rPr lang="ru-RU" dirty="0" err="1"/>
+              <a:t>автентифікації</a:t>
+            </a:r>
+            <a:r>
+              <a:rPr lang="ru-RU" dirty="0"/>
+              <a:t>, буде створена нова </a:t>
+            </a:r>
+            <a:r>
+              <a:rPr lang="ru-RU" dirty="0" err="1"/>
+              <a:t>сесія</a:t>
+            </a:r>
+            <a:r>
+              <a:rPr lang="ru-RU" dirty="0"/>
+              <a:t> та </a:t>
+            </a:r>
+            <a:r>
+              <a:rPr lang="ru-RU" dirty="0" err="1"/>
+              <a:t>користувач</a:t>
+            </a:r>
+            <a:r>
+              <a:rPr lang="ru-RU" dirty="0"/>
+              <a:t> </a:t>
+            </a:r>
+            <a:r>
+              <a:rPr lang="ru-RU" dirty="0" err="1"/>
+              <a:t>отримає</a:t>
+            </a:r>
+            <a:r>
+              <a:rPr lang="ru-RU" dirty="0"/>
+              <a:t> два </a:t>
+            </a:r>
+            <a:r>
+              <a:rPr lang="en-GB" dirty="0"/>
+              <a:t>JWT </a:t>
+            </a:r>
+            <a:r>
+              <a:rPr lang="ru-RU" dirty="0" err="1"/>
+              <a:t>маркери</a:t>
+            </a:r>
+            <a:r>
+              <a:rPr lang="ru-RU" dirty="0"/>
+              <a:t>: доступу та </a:t>
+            </a:r>
+            <a:r>
+              <a:rPr lang="ru-RU" dirty="0" err="1"/>
+              <a:t>оновлення</a:t>
+            </a:r>
+            <a:r>
+              <a:rPr lang="ru-RU" dirty="0"/>
+              <a:t>. Маркер доступу </a:t>
+            </a:r>
+            <a:r>
+              <a:rPr lang="ru-RU" dirty="0" err="1"/>
+              <a:t>дозволяє</a:t>
+            </a:r>
+            <a:r>
+              <a:rPr lang="ru-RU" dirty="0"/>
+              <a:t> </a:t>
+            </a:r>
+            <a:r>
+              <a:rPr lang="ru-RU" dirty="0" err="1"/>
+              <a:t>робити</a:t>
+            </a:r>
+            <a:r>
+              <a:rPr lang="ru-RU" dirty="0"/>
+              <a:t> </a:t>
+            </a:r>
+            <a:r>
+              <a:rPr lang="ru-RU" dirty="0" err="1"/>
+              <a:t>запити</a:t>
+            </a:r>
+            <a:r>
+              <a:rPr lang="ru-RU" dirty="0"/>
+              <a:t> до менеджера </a:t>
+            </a:r>
+            <a:r>
+              <a:rPr lang="ru-RU" dirty="0" err="1"/>
+              <a:t>файлової</a:t>
+            </a:r>
+            <a:r>
+              <a:rPr lang="ru-RU" dirty="0"/>
+              <a:t> </a:t>
+            </a:r>
+            <a:r>
+              <a:rPr lang="ru-RU" dirty="0" err="1"/>
+              <a:t>системи</a:t>
+            </a:r>
+            <a:r>
+              <a:rPr lang="ru-RU" dirty="0"/>
+              <a:t>. Маркер </a:t>
+            </a:r>
+            <a:r>
+              <a:rPr lang="ru-RU" dirty="0" err="1"/>
+              <a:t>оновлення</a:t>
+            </a:r>
+            <a:r>
+              <a:rPr lang="ru-RU" dirty="0"/>
+              <a:t>, у свою </a:t>
+            </a:r>
+            <a:r>
+              <a:rPr lang="ru-RU" dirty="0" err="1"/>
+              <a:t>чергу</a:t>
+            </a:r>
+            <a:r>
+              <a:rPr lang="ru-RU" dirty="0"/>
+              <a:t>, </a:t>
+            </a:r>
+            <a:r>
+              <a:rPr lang="ru-RU" dirty="0" err="1"/>
+              <a:t>дозволяє</a:t>
+            </a:r>
+            <a:r>
+              <a:rPr lang="ru-RU" dirty="0"/>
+              <a:t> </a:t>
+            </a:r>
+            <a:r>
+              <a:rPr lang="ru-RU" dirty="0" err="1"/>
+              <a:t>продовжити</a:t>
+            </a:r>
+            <a:r>
+              <a:rPr lang="ru-RU" dirty="0"/>
+              <a:t> </a:t>
+            </a:r>
+            <a:r>
+              <a:rPr lang="ru-RU" dirty="0" err="1"/>
+              <a:t>сесію</a:t>
+            </a:r>
+            <a:r>
+              <a:rPr lang="ru-RU" dirty="0"/>
+              <a:t>, коли </a:t>
+            </a:r>
+            <a:r>
+              <a:rPr lang="ru-RU" dirty="0" err="1"/>
+              <a:t>термін</a:t>
+            </a:r>
+            <a:r>
+              <a:rPr lang="ru-RU" dirty="0"/>
+              <a:t> </a:t>
+            </a:r>
+            <a:r>
+              <a:rPr lang="ru-RU" dirty="0" err="1"/>
+              <a:t>дії</a:t>
+            </a:r>
+            <a:r>
+              <a:rPr lang="ru-RU" dirty="0"/>
+              <a:t> маркеру доступу </a:t>
+            </a:r>
+            <a:r>
+              <a:rPr lang="ru-RU" dirty="0" err="1"/>
+              <a:t>завершився</a:t>
             </a:r>
             <a:r>
               <a:rPr lang="ru-RU" dirty="0"/>
@@ -2364,7 +3164,7 @@
             </a:pPr>
             <a:r>
               <a:rPr lang="ru-RU" dirty="0"/>
-              <a:t>Для </a:t>
+              <a:t>З метою </a:t>
             </a:r>
             <a:r>
               <a:rPr lang="ru-RU" dirty="0" err="1"/>
@@ -2376,7 +3176,7 @@
             </a:r>
             <a:r>
               <a:rPr lang="ru-RU" dirty="0" err="1"/>
-              <a:t>даних</a:t>
+              <a:t>інформації</a:t>
             </a:r>
             <a:r>
               <a:rPr lang="ru-RU" dirty="0"/>
@@ -2420,6 +3220,14 @@
             </a:r>
             <a:r>
               <a:rPr lang="ru-RU" dirty="0"/>
+              <a:t>, </a:t>
+            </a:r>
+            <a:r>
+              <a:rPr lang="ru-RU" dirty="0" err="1"/>
+              <a:t>було</a:t>
+            </a:r>
+            <a:r>
+              <a:rPr lang="ru-RU" dirty="0"/>
               <a:t> </a:t>
             </a:r>
             <a:r>
@@ -2436,7 +3244,15 @@
             </a:r>
             <a:r>
               <a:rPr lang="ru-RU" dirty="0"/>
-              <a:t> протокол </a:t>
+              <a:t> протокол для </a:t>
+            </a:r>
+            <a:r>
+              <a:rPr lang="ru-RU" dirty="0" err="1"/>
+              <a:t>їх</a:t>
+            </a:r>
+            <a:r>
+              <a:rPr lang="ru-RU" dirty="0"/>
+              <a:t> </a:t>
             </a:r>
             <a:r>
               <a:rPr lang="ru-RU" dirty="0" err="1"/>
@@ -2448,19 +3264,35 @@
             </a:r>
             <a:r>
               <a:rPr lang="ru-RU" dirty="0" err="1"/>
-              <a:t>Спочатку</a:t>
-            </a:r>
-            <a:r>
-              <a:rPr lang="ru-RU" dirty="0"/>
-              <a:t> сигнал </a:t>
-            </a:r>
-            <a:r>
-              <a:rPr lang="ru-RU" dirty="0" err="1"/>
-              <a:t>від</a:t>
-            </a:r>
-            <a:r>
-              <a:rPr lang="ru-RU" dirty="0"/>
-              <a:t> менеджеру </a:t>
+              <a:t>Під</a:t>
+            </a:r>
+            <a:r>
+              <a:rPr lang="ru-RU" dirty="0"/>
+              <a:t> час </a:t>
+            </a:r>
+            <a:r>
+              <a:rPr lang="ru-RU" dirty="0" err="1"/>
+              <a:t>виконання</a:t>
+            </a:r>
+            <a:r>
+              <a:rPr lang="ru-RU" dirty="0"/>
+              <a:t> </a:t>
+            </a:r>
+            <a:r>
+              <a:rPr lang="ru-RU" dirty="0" err="1"/>
+              <a:t>запиту</a:t>
+            </a:r>
+            <a:r>
+              <a:rPr lang="ru-RU" dirty="0"/>
+              <a:t> </a:t>
+            </a:r>
+            <a:r>
+              <a:rPr lang="ru-RU" dirty="0" err="1"/>
+              <a:t>користувачем</a:t>
+            </a:r>
+            <a:r>
+              <a:rPr lang="ru-RU" dirty="0"/>
+              <a:t> до менеджеру </a:t>
             </a:r>
             <a:r>
               <a:rPr lang="ru-RU" dirty="0" err="1"/>
@@ -2476,7 +3308,55 @@
             </a:r>
             <a:r>
               <a:rPr lang="ru-RU" dirty="0"/>
-              <a:t> до </a:t>
+              <a:t> з метою </a:t>
+            </a:r>
+            <a:r>
+              <a:rPr lang="ru-RU" dirty="0" err="1"/>
+              <a:t>завантаження</a:t>
+            </a:r>
+            <a:r>
+              <a:rPr lang="ru-RU" dirty="0"/>
+              <a:t>, </a:t>
+            </a:r>
+            <a:r>
+              <a:rPr lang="ru-RU" dirty="0" err="1"/>
+              <a:t>вивантаження</a:t>
+            </a:r>
+            <a:r>
+              <a:rPr lang="ru-RU" dirty="0"/>
+              <a:t> </a:t>
+            </a:r>
+            <a:r>
+              <a:rPr lang="ru-RU" dirty="0" err="1"/>
+              <a:t>чи</a:t>
+            </a:r>
+            <a:r>
+              <a:rPr lang="ru-RU" dirty="0"/>
+              <a:t> </a:t>
+            </a:r>
+            <a:r>
+              <a:rPr lang="ru-RU" dirty="0" err="1"/>
+              <a:t>видалення</a:t>
+            </a:r>
+            <a:r>
+              <a:rPr lang="ru-RU" dirty="0"/>
+              <a:t> файлу, сигнал до </a:t>
+            </a:r>
+            <a:r>
+              <a:rPr lang="ru-RU" dirty="0" err="1"/>
+              <a:t>всіх</a:t>
+            </a:r>
+            <a:r>
+              <a:rPr lang="ru-RU" dirty="0"/>
+              <a:t> </a:t>
+            </a:r>
+            <a:r>
+              <a:rPr lang="ru-RU" dirty="0" err="1"/>
+              <a:t>діючих</a:t>
+            </a:r>
+            <a:r>
+              <a:rPr lang="ru-RU" dirty="0"/>
+              <a:t> </a:t>
             </a:r>
             <a:r>
               <a:rPr lang="ru-RU" dirty="0" err="1"/>
@@ -2576,6 +3456,38 @@
             </a:pPr>
             <a:r>
               <a:rPr lang="ru-RU" dirty="0" err="1"/>
+              <a:t>Кожен</a:t>
+            </a:r>
+            <a:r>
+              <a:rPr lang="ru-RU" dirty="0"/>
+              <a:t> </a:t>
+            </a:r>
+            <a:r>
+              <a:rPr lang="ru-RU" dirty="0" err="1"/>
+              <a:t>сервіс</a:t>
+            </a:r>
+            <a:r>
+              <a:rPr lang="ru-RU" dirty="0"/>
+              <a:t> </a:t>
+            </a:r>
+            <a:r>
+              <a:rPr lang="ru-RU" dirty="0" err="1"/>
+              <a:t>файлів</a:t>
+            </a:r>
+            <a:r>
+              <a:rPr lang="ru-RU" dirty="0"/>
+              <a:t> </a:t>
+            </a:r>
+            <a:r>
+              <a:rPr lang="ru-RU" dirty="0" err="1"/>
+              <a:t>оброблює</a:t>
+            </a:r>
+            <a:r>
+              <a:rPr lang="ru-RU" dirty="0"/>
+              <a:t> запит. </a:t>
+            </a:r>
+            <a:r>
+              <a:rPr lang="ru-RU" dirty="0" err="1"/>
               <a:t>Далі</a:t>
             </a:r>
             <a:r>
@@ -2592,6 +3504,126 @@
             </a:r>
             <a:r>
               <a:rPr lang="ru-RU" dirty="0" err="1"/>
+              <a:t>сервісів</a:t>
+            </a:r>
+            <a:r>
+              <a:rPr lang="ru-RU" dirty="0"/>
+              <a:t> </a:t>
+            </a:r>
+            <a:r>
+              <a:rPr lang="ru-RU" dirty="0" err="1"/>
+              <a:t>файлів</a:t>
+            </a:r>
+            <a:r>
+              <a:rPr lang="ru-RU" dirty="0"/>
+              <a:t> до менеджеру </a:t>
+            </a:r>
+            <a:r>
+              <a:rPr lang="ru-RU" dirty="0" err="1"/>
+              <a:t>файлової</a:t>
+            </a:r>
+            <a:r>
+              <a:rPr lang="ru-RU" dirty="0"/>
+              <a:t> </a:t>
+            </a:r>
+            <a:r>
+              <a:rPr lang="ru-RU" dirty="0" err="1"/>
+              <a:t>системи</a:t>
+            </a:r>
+            <a:r>
+              <a:rPr lang="ru-RU" dirty="0"/>
+              <a:t> в рамках протоколу </a:t>
+            </a:r>
+            <a:r>
+              <a:rPr lang="ru-RU" dirty="0" err="1"/>
+              <a:t>надсилається</a:t>
+            </a:r>
+            <a:r>
+              <a:rPr lang="ru-RU" dirty="0"/>
+              <a:t> </a:t>
+            </a:r>
+            <a:r>
+              <a:rPr lang="en-GB" dirty="0"/>
+              <a:t>HTTP-</a:t>
+            </a:r>
+            <a:r>
+              <a:rPr lang="ru-RU" dirty="0"/>
+              <a:t>запит, для </a:t>
+            </a:r>
+            <a:r>
+              <a:rPr lang="ru-RU" dirty="0" err="1"/>
+              <a:t>отримання</a:t>
+            </a:r>
+            <a:r>
+              <a:rPr lang="ru-RU" dirty="0"/>
+              <a:t> </a:t>
+            </a:r>
+            <a:r>
+              <a:rPr lang="ru-RU" dirty="0" err="1"/>
+              <a:t>якого</a:t>
+            </a:r>
+            <a:r>
+              <a:rPr lang="ru-RU" dirty="0"/>
+              <a:t> створили </a:t>
+            </a:r>
+            <a:r>
+              <a:rPr lang="ru-RU" dirty="0" err="1"/>
+              <a:t>спеціальний</a:t>
+            </a:r>
+            <a:r>
+              <a:rPr lang="ru-RU" dirty="0"/>
+              <a:t> </a:t>
+            </a:r>
+            <a:r>
+              <a:rPr lang="ru-RU" dirty="0" err="1"/>
+              <a:t>ендпоінт</a:t>
+            </a:r>
+            <a:r>
+              <a:rPr lang="ru-RU" dirty="0"/>
+              <a:t>, код </a:t>
+            </a:r>
+            <a:r>
+              <a:rPr lang="ru-RU" dirty="0" err="1"/>
+              <a:t>якого</a:t>
+            </a:r>
+            <a:r>
+              <a:rPr lang="ru-RU" dirty="0"/>
+              <a:t> представлений. </a:t>
+            </a:r>
+            <a:r>
+              <a:rPr lang="ru-RU" dirty="0" err="1"/>
+              <a:t>Важливо</a:t>
+            </a:r>
+            <a:r>
+              <a:rPr lang="ru-RU" dirty="0"/>
+              <a:t>, </a:t>
+            </a:r>
+            <a:r>
+              <a:rPr lang="ru-RU" dirty="0" err="1"/>
+              <a:t>що</a:t>
+            </a:r>
+            <a:r>
+              <a:rPr lang="ru-RU" dirty="0"/>
+              <a:t> в </a:t>
+            </a:r>
+            <a:r>
+              <a:rPr lang="ru-RU" dirty="0" err="1"/>
+              <a:t>обробку</a:t>
+            </a:r>
+            <a:r>
+              <a:rPr lang="ru-RU" dirty="0"/>
+              <a:t> буде взятий </a:t>
+            </a:r>
+            <a:r>
+              <a:rPr lang="ru-RU" dirty="0" err="1"/>
+              <a:t>лише</a:t>
+            </a:r>
+            <a:r>
+              <a:rPr lang="ru-RU" dirty="0"/>
+              <a:t> запит одного </a:t>
+            </a:r>
+            <a:r>
+              <a:rPr lang="ru-RU" dirty="0" err="1"/>
               <a:t>сервісу</a:t>
             </a:r>
             <a:r>
@@ -2604,11 +3636,19 @@
             </a:r>
             <a:r>
               <a:rPr lang="ru-RU" dirty="0"/>
-              <a:t> до менеджеру </a:t>
-            </a:r>
-            <a:r>
-              <a:rPr lang="ru-RU" dirty="0" err="1"/>
-              <a:t>файлової</a:t>
+              <a:t>. Для </a:t>
+            </a:r>
+            <a:r>
+              <a:rPr lang="ru-RU" dirty="0" err="1"/>
+              <a:t>цього</a:t>
+            </a:r>
+            <a:r>
+              <a:rPr lang="ru-RU" dirty="0"/>
+              <a:t> створили </a:t>
+            </a:r>
+            <a:r>
+              <a:rPr lang="ru-RU" dirty="0" err="1"/>
+              <a:t>власний</a:t>
             </a:r>
             <a:r>
               <a:rPr lang="ru-RU" dirty="0"/>
@@ -2616,15 +3656,7 @@
             </a:r>
             <a:r>
               <a:rPr lang="ru-RU" dirty="0" err="1"/>
-              <a:t>системи</a:t>
-            </a:r>
-            <a:r>
-              <a:rPr lang="ru-RU" dirty="0"/>
-              <a:t> в рамках протоколу </a:t>
-            </a:r>
-            <a:r>
-              <a:rPr lang="ru-RU" dirty="0" err="1"/>
-              <a:t>надсиляється</a:t>
+              <a:t>примітив</a:t>
             </a:r>
             <a:r>
               <a:rPr lang="ru-RU" dirty="0"/>
@@ -2632,15 +3664,15 @@
             </a:r>
             <a:r>
               <a:rPr lang="ru-RU" dirty="0" err="1"/>
-              <a:t>синхронний</a:t>
-            </a:r>
-            <a:r>
-              <a:rPr lang="ru-RU" dirty="0"/>
-              <a:t> HTTP-запит, для </a:t>
-            </a:r>
-            <a:r>
-              <a:rPr lang="ru-RU" dirty="0" err="1"/>
-              <a:t>отримання</a:t>
+              <a:t>синхронізації</a:t>
+            </a:r>
+            <a:r>
+              <a:rPr lang="ru-RU" dirty="0"/>
+              <a:t> на </a:t>
+            </a:r>
+            <a:r>
+              <a:rPr lang="ru-RU" dirty="0" err="1"/>
+              <a:t>основі</a:t>
             </a:r>
             <a:r>
               <a:rPr lang="ru-RU" dirty="0"/>
@@ -2648,27 +3680,303 @@
             </a:r>
             <a:r>
               <a:rPr lang="ru-RU" dirty="0" err="1"/>
+              <a:t>наданих</a:t>
+            </a:r>
+            <a:r>
+              <a:rPr lang="ru-RU" dirty="0"/>
+              <a:t> стандартною </a:t>
+            </a:r>
+            <a:r>
+              <a:rPr lang="ru-RU" dirty="0" err="1"/>
+              <a:t>бібліотекою</a:t>
+            </a:r>
+            <a:r>
+              <a:rPr lang="ru-RU" dirty="0"/>
+              <a:t> </a:t>
+            </a:r>
+            <a:r>
+              <a:rPr lang="ru-RU" dirty="0" err="1"/>
+              <a:t>мови</a:t>
+            </a:r>
+            <a:r>
+              <a:rPr lang="ru-RU" dirty="0"/>
+              <a:t> </a:t>
+            </a:r>
+            <a:r>
+              <a:rPr lang="ru-RU" dirty="0" err="1"/>
+              <a:t>програмування</a:t>
+            </a:r>
+            <a:r>
+              <a:rPr lang="ru-RU" dirty="0"/>
+              <a:t> </a:t>
+            </a:r>
+            <a:r>
+              <a:rPr lang="en-GB" dirty="0"/>
+              <a:t>Go </a:t>
+            </a:r>
+            <a:r>
+              <a:rPr lang="en-GB" dirty="0" err="1"/>
+              <a:t>sync.Map</a:t>
+            </a:r>
+            <a:r>
+              <a:rPr lang="en-GB" dirty="0"/>
+              <a:t> </a:t>
+            </a:r>
+            <a:r>
+              <a:rPr lang="ru-RU" dirty="0"/>
+              <a:t>та </a:t>
+            </a:r>
+            <a:r>
+              <a:rPr lang="en-GB" dirty="0" err="1"/>
+              <a:t>sync.Once</a:t>
+            </a:r>
+            <a:r>
+              <a:rPr lang="en-GB" dirty="0"/>
+              <a:t>, </a:t>
+            </a:r>
+            <a:r>
+              <a:rPr lang="ru-RU" dirty="0"/>
+              <a:t>мета </a:t>
+            </a:r>
+            <a:r>
+              <a:rPr lang="ru-RU" dirty="0" err="1"/>
               <a:t>якого</a:t>
             </a:r>
             <a:r>
               <a:rPr lang="ru-RU" dirty="0"/>
-              <a:t> створили </a:t>
-            </a:r>
-            <a:r>
-              <a:rPr lang="ru-RU" dirty="0" err="1"/>
-              <a:t>спеціальний</a:t>
-            </a:r>
-            <a:r>
-              <a:rPr lang="ru-RU" dirty="0"/>
               <a:t> </a:t>
             </a:r>
             <a:r>
               <a:rPr lang="ru-RU" dirty="0" err="1"/>
-              <a:t>ендпоінт</a:t>
+              <a:t>полягає</a:t>
+            </a:r>
+            <a:r>
+              <a:rPr lang="ru-RU" dirty="0"/>
+              <a:t> в </a:t>
+            </a:r>
+            <a:r>
+              <a:rPr lang="ru-RU" dirty="0" err="1"/>
+              <a:t>обробці</a:t>
+            </a:r>
+            <a:r>
+              <a:rPr lang="ru-RU" dirty="0"/>
+              <a:t> </a:t>
+            </a:r>
+            <a:r>
+              <a:rPr lang="ru-RU" dirty="0" err="1"/>
+              <a:t>лише</a:t>
+            </a:r>
+            <a:r>
+              <a:rPr lang="ru-RU" dirty="0"/>
+              <a:t> </a:t>
+            </a:r>
+            <a:r>
+              <a:rPr lang="ru-RU" dirty="0" err="1"/>
+              <a:t>першого</a:t>
+            </a:r>
+            <a:r>
+              <a:rPr lang="ru-RU" dirty="0"/>
+              <a:t> </a:t>
+            </a:r>
+            <a:r>
+              <a:rPr lang="ru-RU" dirty="0" err="1"/>
+              <a:t>успішного</a:t>
+            </a:r>
+            <a:r>
+              <a:rPr lang="ru-RU" dirty="0"/>
+              <a:t> </a:t>
+            </a:r>
+            <a:r>
+              <a:rPr lang="ru-RU" dirty="0" err="1"/>
+              <a:t>запиту</a:t>
+            </a:r>
+            <a:r>
+              <a:rPr lang="ru-RU" dirty="0"/>
+              <a:t>, а </a:t>
+            </a:r>
+            <a:r>
+              <a:rPr lang="ru-RU" dirty="0" err="1"/>
+              <a:t>іншим</a:t>
+            </a:r>
+            <a:r>
+              <a:rPr lang="ru-RU" dirty="0"/>
+              <a:t> буде </a:t>
+            </a:r>
+            <a:r>
+              <a:rPr lang="ru-RU" dirty="0" err="1"/>
+              <a:t>наданий</a:t>
+            </a:r>
+            <a:r>
+              <a:rPr lang="ru-RU" dirty="0"/>
+              <a:t> сигнал </a:t>
+            </a:r>
+            <a:r>
+              <a:rPr lang="ru-RU" dirty="0" err="1"/>
+              <a:t>щодо</a:t>
+            </a:r>
+            <a:r>
+              <a:rPr lang="ru-RU" dirty="0"/>
+              <a:t> </a:t>
+            </a:r>
+            <a:r>
+              <a:rPr lang="ru-RU" dirty="0" err="1"/>
+              <a:t>відкату</a:t>
+            </a:r>
+            <a:r>
+              <a:rPr lang="ru-RU" dirty="0"/>
+              <a:t> проведений </a:t>
+            </a:r>
+            <a:r>
+              <a:rPr lang="ru-RU" dirty="0" err="1"/>
+              <a:t>змін</a:t>
             </a:r>
             <a:r>
               <a:rPr lang="ru-RU" dirty="0"/>
               <a:t>. </a:t>
+            </a:r>
+            <a:r>
+              <a:rPr lang="ru-RU" dirty="0" err="1"/>
+              <a:t>Його</a:t>
+            </a:r>
+            <a:r>
+              <a:rPr lang="ru-RU" dirty="0"/>
+              <a:t> </a:t>
+            </a:r>
+            <a:r>
+              <a:rPr lang="ru-RU" dirty="0" err="1"/>
+              <a:t>використання</a:t>
+            </a:r>
+            <a:r>
+              <a:rPr lang="ru-RU" dirty="0"/>
+              <a:t> </a:t>
+            </a:r>
+            <a:r>
+              <a:rPr lang="ru-RU" dirty="0" err="1"/>
+              <a:t>ви</a:t>
+            </a:r>
+            <a:r>
+              <a:rPr lang="ru-RU" dirty="0"/>
+              <a:t> можете </a:t>
+            </a:r>
+            <a:r>
+              <a:rPr lang="ru-RU" dirty="0" err="1"/>
+              <a:t>побачити</a:t>
+            </a:r>
+            <a:r>
+              <a:rPr lang="ru-RU" dirty="0"/>
+              <a:t> на рядку 68. </a:t>
+            </a:r>
+            <a:r>
+              <a:rPr lang="ru-RU" dirty="0" err="1"/>
+              <a:t>Далі</a:t>
+            </a:r>
+            <a:r>
+              <a:rPr lang="ru-RU" dirty="0"/>
+              <a:t> </a:t>
+            </a:r>
+            <a:r>
+              <a:rPr lang="ru-RU" dirty="0" err="1"/>
+              <a:t>успішність</a:t>
+            </a:r>
+            <a:r>
+              <a:rPr lang="ru-RU" dirty="0"/>
+              <a:t> </a:t>
+            </a:r>
+            <a:r>
+              <a:rPr lang="ru-RU" dirty="0" err="1"/>
+              <a:t>виконання</a:t>
+            </a:r>
+            <a:r>
+              <a:rPr lang="ru-RU" dirty="0"/>
+              <a:t> </a:t>
+            </a:r>
+            <a:r>
+              <a:rPr lang="ru-RU" dirty="0" err="1"/>
+              <a:t>задачі</a:t>
+            </a:r>
+            <a:r>
+              <a:rPr lang="ru-RU" dirty="0"/>
+              <a:t> </a:t>
+            </a:r>
+            <a:r>
+              <a:rPr lang="ru-RU" dirty="0" err="1"/>
+              <a:t>сигналізується</a:t>
+            </a:r>
+            <a:r>
+              <a:rPr lang="ru-RU" dirty="0"/>
+              <a:t> </a:t>
+            </a:r>
+            <a:r>
+              <a:rPr lang="ru-RU" dirty="0" err="1"/>
+              <a:t>користувачу</a:t>
+            </a:r>
+            <a:r>
+              <a:rPr lang="ru-RU" dirty="0"/>
+              <a:t> разом з, в </a:t>
+            </a:r>
+            <a:r>
+              <a:rPr lang="ru-RU" dirty="0" err="1"/>
+              <a:t>разі</a:t>
+            </a:r>
+            <a:r>
+              <a:rPr lang="ru-RU" dirty="0"/>
+              <a:t> потреби, передачею </a:t>
+            </a:r>
+            <a:r>
+              <a:rPr lang="ru-RU" dirty="0" err="1"/>
+              <a:t>інформації</a:t>
+            </a:r>
+            <a:r>
+              <a:rPr lang="ru-RU" dirty="0"/>
+              <a:t> </a:t>
+            </a:r>
+            <a:r>
+              <a:rPr lang="ru-RU" dirty="0" err="1"/>
+              <a:t>щодо</a:t>
+            </a:r>
+            <a:r>
+              <a:rPr lang="ru-RU" dirty="0"/>
+              <a:t> маршруту </a:t>
+            </a:r>
+            <a:r>
+              <a:rPr lang="ru-RU" dirty="0" err="1"/>
+              <a:t>підключення</a:t>
+            </a:r>
+            <a:r>
+              <a:rPr lang="ru-RU" dirty="0"/>
+              <a:t> до </a:t>
+            </a:r>
+            <a:r>
+              <a:rPr lang="ru-RU" dirty="0" err="1"/>
+              <a:t>сервісу</a:t>
+            </a:r>
+            <a:r>
+              <a:rPr lang="ru-RU" dirty="0"/>
+              <a:t> </a:t>
+            </a:r>
+            <a:r>
+              <a:rPr lang="ru-RU" dirty="0" err="1"/>
+              <a:t>файлів</a:t>
+            </a:r>
+            <a:r>
+              <a:rPr lang="ru-RU" dirty="0"/>
+              <a:t> для </a:t>
+            </a:r>
+            <a:r>
+              <a:rPr lang="ru-RU" dirty="0" err="1"/>
+              <a:t>продовження</a:t>
+            </a:r>
+            <a:r>
+              <a:rPr lang="ru-RU" dirty="0"/>
+              <a:t> </a:t>
+            </a:r>
+            <a:r>
+              <a:rPr lang="ru-RU" dirty="0" err="1"/>
+              <a:t>взаємодії</a:t>
+            </a:r>
+            <a:r>
+              <a:rPr lang="ru-RU" dirty="0"/>
+              <a:t>.</a:t>
             </a:r>
             <a:endParaRPr lang="en-GB" dirty="0"/>
           </a:p>
@@ -2817,11 +4125,27 @@
             </a:r>
             <a:r>
               <a:rPr lang="ru-RU" dirty="0"/>
-              <a:t> з метою </a:t>
-            </a:r>
-            <a:r>
-              <a:rPr lang="ru-RU" dirty="0" err="1"/>
-              <a:t>оптимізації</a:t>
+              <a:t>, приклад коду </a:t>
+            </a:r>
+            <a:r>
+              <a:rPr lang="ru-RU" dirty="0" err="1"/>
+              <a:t>якого</a:t>
+            </a:r>
+            <a:r>
+              <a:rPr lang="ru-RU" dirty="0"/>
+              <a:t> представлений. </a:t>
+            </a:r>
+            <a:r>
+              <a:rPr lang="ru-RU" dirty="0" err="1"/>
+              <a:t>Його</a:t>
+            </a:r>
+            <a:r>
+              <a:rPr lang="ru-RU" dirty="0"/>
+              <a:t> мета: </a:t>
+            </a:r>
+            <a:r>
+              <a:rPr lang="ru-RU" dirty="0" err="1"/>
+              <a:t>оптимізація</a:t>
             </a:r>
             <a:r>
               <a:rPr lang="ru-RU" dirty="0"/>
@@ -2865,11 +4189,11 @@
             </a:r>
             <a:r>
               <a:rPr lang="ru-RU" dirty="0"/>
-              <a:t> до ФС. Варто </a:t>
-            </a:r>
-            <a:r>
-              <a:rPr lang="ru-RU" dirty="0" err="1"/>
-              <a:t>зазначити</a:t>
+              <a:t> до ФС. </a:t>
+            </a:r>
+            <a:r>
+              <a:rPr lang="ru-RU" dirty="0" err="1"/>
+              <a:t>Загальновідомо</a:t>
             </a:r>
             <a:r>
               <a:rPr lang="ru-RU" dirty="0"/>
@@ -2881,7 +4205,211 @@
             </a:r>
             <a:r>
               <a:rPr lang="ru-RU" dirty="0"/>
-              <a:t> для </a:t>
+              <a:t> велика </a:t>
+            </a:r>
+            <a:r>
+              <a:rPr lang="ru-RU" dirty="0" err="1"/>
+              <a:t>кількість</a:t>
+            </a:r>
+            <a:r>
+              <a:rPr lang="ru-RU" dirty="0"/>
+              <a:t> </a:t>
+            </a:r>
+            <a:r>
+              <a:rPr lang="ru-RU" dirty="0" err="1"/>
+              <a:t>запитів</a:t>
+            </a:r>
+            <a:r>
+              <a:rPr lang="ru-RU" dirty="0"/>
+              <a:t> до ядра ОС </a:t>
+            </a:r>
+            <a:r>
+              <a:rPr lang="ru-RU" dirty="0" err="1"/>
+              <a:t>сповільнює</a:t>
+            </a:r>
+            <a:r>
+              <a:rPr lang="ru-RU" dirty="0"/>
+              <a:t> </a:t>
+            </a:r>
+            <a:r>
+              <a:rPr lang="ru-RU" dirty="0" err="1"/>
+              <a:t>застосунок</a:t>
+            </a:r>
+            <a:r>
+              <a:rPr lang="ru-RU" dirty="0"/>
+              <a:t>, а </a:t>
+            </a:r>
+            <a:r>
+              <a:rPr lang="ru-RU" dirty="0" err="1"/>
+              <a:t>окрім</a:t>
+            </a:r>
+            <a:r>
+              <a:rPr lang="ru-RU" dirty="0"/>
+              <a:t> </a:t>
+            </a:r>
+            <a:r>
+              <a:rPr lang="ru-RU" dirty="0" err="1"/>
+              <a:t>цього</a:t>
+            </a:r>
+            <a:r>
+              <a:rPr lang="ru-RU" dirty="0"/>
+              <a:t> </a:t>
+            </a:r>
+            <a:r>
+              <a:rPr lang="ru-RU" dirty="0" err="1"/>
+              <a:t>блокує</a:t>
+            </a:r>
+            <a:r>
+              <a:rPr lang="ru-RU" dirty="0"/>
+              <a:t> </a:t>
+            </a:r>
+            <a:r>
+              <a:rPr lang="ru-RU" dirty="0" err="1"/>
+              <a:t>ціле</a:t>
+            </a:r>
+            <a:r>
+              <a:rPr lang="ru-RU" dirty="0"/>
+              <a:t> ядро процессора. </a:t>
+            </a:r>
+            <a:r>
+              <a:rPr lang="ru-RU" dirty="0" err="1"/>
+              <a:t>Відповідно</a:t>
+            </a:r>
+            <a:r>
+              <a:rPr lang="ru-RU" dirty="0"/>
+              <a:t> при </a:t>
+            </a:r>
+            <a:r>
+              <a:rPr lang="ru-RU" dirty="0" err="1"/>
+              <a:t>виконанні</a:t>
+            </a:r>
+            <a:r>
+              <a:rPr lang="ru-RU" dirty="0"/>
+              <a:t> </a:t>
+            </a:r>
+            <a:r>
+              <a:rPr lang="ru-RU" dirty="0" err="1"/>
+              <a:t>часткового</a:t>
+            </a:r>
+            <a:r>
+              <a:rPr lang="ru-RU" dirty="0"/>
+              <a:t> </a:t>
+            </a:r>
+            <a:r>
+              <a:rPr lang="ru-RU" dirty="0" err="1"/>
+              <a:t>читання</a:t>
+            </a:r>
+            <a:r>
+              <a:rPr lang="ru-RU" dirty="0"/>
+              <a:t> </a:t>
+            </a:r>
+            <a:r>
+              <a:rPr lang="ru-RU" dirty="0" err="1"/>
+              <a:t>даних</a:t>
+            </a:r>
+            <a:r>
+              <a:rPr lang="ru-RU" dirty="0"/>
+              <a:t> (</a:t>
+            </a:r>
+            <a:r>
+              <a:rPr lang="ru-RU" dirty="0" err="1"/>
+              <a:t>зокрема</a:t>
+            </a:r>
+            <a:r>
+              <a:rPr lang="ru-RU" dirty="0"/>
+              <a:t>, </a:t>
+            </a:r>
+            <a:r>
+              <a:rPr lang="en-GB" dirty="0"/>
+              <a:t>Range-</a:t>
+            </a:r>
+            <a:r>
+              <a:rPr lang="ru-RU" dirty="0" err="1"/>
+              <a:t>запитів</a:t>
+            </a:r>
+            <a:r>
+              <a:rPr lang="ru-RU" dirty="0"/>
+              <a:t>) з файлу за запитом </a:t>
+            </a:r>
+            <a:r>
+              <a:rPr lang="ru-RU" dirty="0" err="1"/>
+              <a:t>користувача</a:t>
+            </a:r>
+            <a:r>
+              <a:rPr lang="ru-RU" dirty="0"/>
+              <a:t>, система </a:t>
+            </a:r>
+            <a:r>
+              <a:rPr lang="ru-RU" dirty="0" err="1"/>
+              <a:t>зчитує</a:t>
+            </a:r>
+            <a:r>
+              <a:rPr lang="ru-RU" dirty="0"/>
+              <a:t> </a:t>
+            </a:r>
+            <a:r>
+              <a:rPr lang="ru-RU" dirty="0" err="1"/>
+              <a:t>більше</a:t>
+            </a:r>
+            <a:r>
+              <a:rPr lang="ru-RU" dirty="0"/>
+              <a:t>, </a:t>
+            </a:r>
+            <a:r>
+              <a:rPr lang="ru-RU" dirty="0" err="1"/>
+              <a:t>аніж</a:t>
+            </a:r>
+            <a:r>
+              <a:rPr lang="ru-RU" dirty="0"/>
+              <a:t> </a:t>
+            </a:r>
+            <a:r>
+              <a:rPr lang="ru-RU" dirty="0" err="1"/>
+              <a:t>повертає</a:t>
+            </a:r>
+            <a:r>
+              <a:rPr lang="ru-RU" dirty="0"/>
+              <a:t>, а </a:t>
+            </a:r>
+            <a:r>
+              <a:rPr lang="ru-RU" dirty="0" err="1"/>
+              <a:t>залишок</a:t>
+            </a:r>
+            <a:r>
+              <a:rPr lang="ru-RU" dirty="0"/>
+              <a:t> </a:t>
+            </a:r>
+            <a:r>
+              <a:rPr lang="ru-RU" dirty="0" err="1"/>
+              <a:t>зберігає</a:t>
+            </a:r>
+            <a:r>
+              <a:rPr lang="ru-RU" dirty="0"/>
+              <a:t> в </a:t>
+            </a:r>
+            <a:r>
+              <a:rPr lang="ru-RU" dirty="0" err="1"/>
+              <a:t>оперативній</a:t>
+            </a:r>
+            <a:r>
+              <a:rPr lang="ru-RU" dirty="0"/>
+              <a:t> </a:t>
+            </a:r>
+            <a:r>
+              <a:rPr lang="ru-RU" dirty="0" err="1"/>
+              <a:t>пам'яті</a:t>
+            </a:r>
+            <a:r>
+              <a:rPr lang="ru-RU" dirty="0"/>
+              <a:t> й </a:t>
+            </a:r>
+            <a:r>
+              <a:rPr lang="ru-RU" dirty="0" err="1"/>
+              <a:t>використовує</a:t>
+            </a:r>
+            <a:r>
+              <a:rPr lang="ru-RU" dirty="0"/>
+              <a:t> </a:t>
             </a:r>
             <a:r>
               <a:rPr lang="ru-RU" dirty="0" err="1"/>
@@ -2889,11 +4417,39 @@
             </a:r>
             <a:r>
               <a:rPr lang="ru-RU" dirty="0"/>
+              <a:t> при </a:t>
+            </a:r>
+            <a:r>
+              <a:rPr lang="ru-RU" dirty="0" err="1"/>
+              <a:t>повторних</a:t>
+            </a:r>
+            <a:r>
+              <a:rPr lang="ru-RU" dirty="0"/>
               <a:t> </a:t>
             </a:r>
             <a:r>
-              <a:rPr lang="ru-RU" dirty="0" err="1"/>
-              <a:t>функціонування</a:t>
+              <a:rPr lang="en-GB" dirty="0"/>
+              <a:t>range </a:t>
+            </a:r>
+            <a:r>
+              <a:rPr lang="ru-RU" dirty="0" err="1"/>
+              <a:t>запитах</a:t>
+            </a:r>
+            <a:r>
+              <a:rPr lang="ru-RU" dirty="0"/>
+              <a:t>. </a:t>
+            </a:r>
+            <a:r>
+              <a:rPr lang="ru-RU" dirty="0" err="1"/>
+              <a:t>Було</a:t>
+            </a:r>
+            <a:r>
+              <a:rPr lang="ru-RU" dirty="0"/>
+              <a:t> також </a:t>
+            </a:r>
+            <a:r>
+              <a:rPr lang="ru-RU" dirty="0" err="1"/>
+              <a:t>оптимізовано</a:t>
             </a:r>
             <a:r>
               <a:rPr lang="ru-RU" dirty="0"/>
@@ -2901,7 +4457,7 @@
             </a:r>
             <a:r>
               <a:rPr lang="ru-RU" dirty="0" err="1"/>
-              <a:t>була</a:t>
+              <a:t>сценарій</a:t>
             </a:r>
             <a:r>
               <a:rPr lang="ru-RU" dirty="0"/>
@@ -2909,15 +4465,179 @@
             </a:r>
             <a:r>
               <a:rPr lang="ru-RU" dirty="0" err="1"/>
-              <a:t>викорситана</a:t>
-            </a:r>
-            <a:r>
-              <a:rPr lang="ru-RU" dirty="0"/>
-              <a:t> нова </a:t>
-            </a:r>
-            <a:r>
-              <a:rPr lang="ru-RU" dirty="0" err="1"/>
-              <a:t>функціональність</a:t>
+              <a:t>зміни</a:t>
+            </a:r>
+            <a:r>
+              <a:rPr lang="ru-RU" dirty="0"/>
+              <a:t> </a:t>
+            </a:r>
+            <a:r>
+              <a:rPr lang="ru-RU" dirty="0" err="1"/>
+              <a:t>позиції</a:t>
+            </a:r>
+            <a:r>
+              <a:rPr lang="ru-RU" dirty="0"/>
+              <a:t> </a:t>
+            </a:r>
+            <a:r>
+              <a:rPr lang="ru-RU" dirty="0" err="1"/>
+              <a:t>вказівника</a:t>
+            </a:r>
+            <a:r>
+              <a:rPr lang="ru-RU" dirty="0"/>
+              <a:t> </a:t>
+            </a:r>
+            <a:r>
+              <a:rPr lang="ru-RU" dirty="0" err="1"/>
+              <a:t>читання</a:t>
+            </a:r>
+            <a:r>
+              <a:rPr lang="ru-RU" dirty="0"/>
+              <a:t> з метою максимального </a:t>
+            </a:r>
+            <a:r>
+              <a:rPr lang="ru-RU" dirty="0" err="1"/>
+              <a:t>перевикористання</a:t>
+            </a:r>
+            <a:r>
+              <a:rPr lang="ru-RU" dirty="0"/>
+              <a:t> </a:t>
+            </a:r>
+            <a:r>
+              <a:rPr lang="ru-RU" dirty="0" err="1"/>
+              <a:t>отриманого</a:t>
+            </a:r>
+            <a:r>
+              <a:rPr lang="ru-RU" dirty="0"/>
+              <a:t> буфера. Для того, </a:t>
+            </a:r>
+            <a:r>
+              <a:rPr lang="ru-RU" dirty="0" err="1"/>
+              <a:t>щоб</a:t>
+            </a:r>
+            <a:r>
+              <a:rPr lang="ru-RU" dirty="0"/>
+              <a:t> описана </a:t>
+            </a:r>
+            <a:r>
+              <a:rPr lang="ru-RU" dirty="0" err="1"/>
+              <a:t>поведінка</a:t>
+            </a:r>
+            <a:r>
+              <a:rPr lang="ru-RU" dirty="0"/>
+              <a:t> не </a:t>
+            </a:r>
+            <a:r>
+              <a:rPr lang="ru-RU" dirty="0" err="1"/>
+              <a:t>призвела</a:t>
+            </a:r>
+            <a:r>
+              <a:rPr lang="ru-RU" dirty="0"/>
+              <a:t> до </a:t>
+            </a:r>
+            <a:r>
+              <a:rPr lang="ru-RU" dirty="0" err="1"/>
+              <a:t>відмови</a:t>
+            </a:r>
+            <a:r>
+              <a:rPr lang="ru-RU" dirty="0"/>
+              <a:t> </a:t>
+            </a:r>
+            <a:r>
+              <a:rPr lang="ru-RU" dirty="0" err="1"/>
+              <a:t>системи</a:t>
+            </a:r>
+            <a:r>
+              <a:rPr lang="ru-RU" dirty="0"/>
+              <a:t> </a:t>
+            </a:r>
+            <a:r>
+              <a:rPr lang="ru-RU" dirty="0" err="1"/>
+              <a:t>внаслідок</a:t>
+            </a:r>
+            <a:r>
+              <a:rPr lang="ru-RU" dirty="0"/>
+              <a:t> </a:t>
+            </a:r>
+            <a:r>
+              <a:rPr lang="ru-RU" dirty="0" err="1"/>
+              <a:t>перевищення</a:t>
+            </a:r>
+            <a:r>
+              <a:rPr lang="ru-RU" dirty="0"/>
+              <a:t> </a:t>
+            </a:r>
+            <a:r>
+              <a:rPr lang="ru-RU" dirty="0" err="1"/>
+              <a:t>обсягів</a:t>
+            </a:r>
+            <a:r>
+              <a:rPr lang="ru-RU" dirty="0"/>
+              <a:t> </a:t>
+            </a:r>
+            <a:r>
+              <a:rPr lang="ru-RU" dirty="0" err="1"/>
+              <a:t>оперативної</a:t>
+            </a:r>
+            <a:r>
+              <a:rPr lang="ru-RU" dirty="0"/>
+              <a:t> </a:t>
+            </a:r>
+            <a:r>
+              <a:rPr lang="ru-RU" dirty="0" err="1"/>
+              <a:t>пам’яті</a:t>
+            </a:r>
+            <a:r>
+              <a:rPr lang="ru-RU" dirty="0"/>
+              <a:t> сервера, були </a:t>
+            </a:r>
+            <a:r>
+              <a:rPr lang="ru-RU" dirty="0" err="1"/>
+              <a:t>використані</a:t>
+            </a:r>
+            <a:r>
+              <a:rPr lang="ru-RU" dirty="0"/>
+              <a:t> </a:t>
+            </a:r>
+            <a:r>
+              <a:rPr lang="ru-RU" dirty="0" err="1"/>
+              <a:t>нові</a:t>
+            </a:r>
+            <a:r>
+              <a:rPr lang="ru-RU" dirty="0"/>
+              <a:t> </a:t>
+            </a:r>
+            <a:r>
+              <a:rPr lang="ru-RU" dirty="0" err="1"/>
+              <a:t>можливості</a:t>
+            </a:r>
+            <a:r>
+              <a:rPr lang="ru-RU" dirty="0"/>
+              <a:t> </a:t>
+            </a:r>
+            <a:r>
+              <a:rPr lang="ru-RU" dirty="0" err="1"/>
+              <a:t>мови</a:t>
+            </a:r>
+            <a:r>
+              <a:rPr lang="ru-RU" dirty="0"/>
+              <a:t> </a:t>
+            </a:r>
+            <a:r>
+              <a:rPr lang="ru-RU" dirty="0" err="1"/>
+              <a:t>програмування</a:t>
+            </a:r>
+            <a:r>
+              <a:rPr lang="ru-RU" dirty="0"/>
+              <a:t> </a:t>
+            </a:r>
+            <a:r>
+              <a:rPr lang="en-GB" dirty="0"/>
+              <a:t>Go, </a:t>
+            </a:r>
+            <a:r>
+              <a:rPr lang="uk-UA" dirty="0"/>
+              <a:t>під назвою</a:t>
             </a:r>
             <a:r>
               <a:rPr lang="ru-RU" dirty="0"/>
@@ -2925,7 +4645,7 @@
             </a:r>
             <a:r>
               <a:rPr lang="ru-RU" dirty="0" err="1"/>
-              <a:t>слабких</a:t>
+              <a:t>слабкі</a:t>
             </a:r>
             <a:r>
               <a:rPr lang="ru-RU" dirty="0"/>
@@ -2933,11 +4653,19 @@
             </a:r>
             <a:r>
               <a:rPr lang="ru-RU" dirty="0" err="1"/>
-              <a:t>вказівників</a:t>
-            </a:r>
-            <a:r>
-              <a:rPr lang="ru-RU" dirty="0"/>
-              <a:t>", яку додали у </a:t>
+              <a:t>вказівники</a:t>
+            </a:r>
+            <a:r>
+              <a:rPr lang="ru-RU" dirty="0"/>
+              <a:t>", </a:t>
+            </a:r>
+            <a:r>
+              <a:rPr lang="ru-RU" dirty="0" err="1"/>
+              <a:t>які</a:t>
+            </a:r>
+            <a:r>
+              <a:rPr lang="ru-RU" dirty="0"/>
+              <a:t> додали у </a:t>
             </a:r>
             <a:r>
               <a:rPr lang="ru-RU" dirty="0" err="1"/>
@@ -2956,20 +4684,24 @@
               <a:t> </a:t>
             </a:r>
             <a:r>
+              <a:rPr lang="uk-UA" dirty="0"/>
+              <a:t>компілятора</a:t>
+            </a:r>
+            <a:r>
               <a:rPr lang="en-GB" dirty="0"/>
-              <a:t>Go 1.24. </a:t>
-            </a:r>
-            <a:r>
-              <a:rPr lang="ru-RU" dirty="0" err="1"/>
-              <a:t>Його</a:t>
-            </a:r>
-            <a:r>
-              <a:rPr lang="ru-RU" dirty="0"/>
+              <a:t> 1.24</a:t>
+            </a:r>
+            <a:r>
+              <a:rPr lang="uk-UA" dirty="0"/>
+              <a:t>.</a:t>
+            </a:r>
+            <a:r>
+              <a:rPr lang="en-GB" dirty="0"/>
               <a:t> </a:t>
             </a:r>
             <a:r>
               <a:rPr lang="ru-RU" dirty="0" err="1"/>
-              <a:t>використання</a:t>
+              <a:t>Застосування</a:t>
             </a:r>
             <a:r>
               <a:rPr lang="ru-RU" dirty="0"/>
@@ -2977,6 +4709,22 @@
             </a:r>
             <a:r>
               <a:rPr lang="ru-RU" dirty="0" err="1"/>
+              <a:t>цього</a:t>
+            </a:r>
+            <a:r>
+              <a:rPr lang="ru-RU" dirty="0"/>
+              <a:t> </a:t>
+            </a:r>
+            <a:r>
+              <a:rPr lang="ru-RU" dirty="0" err="1"/>
+              <a:t>механізму</a:t>
+            </a:r>
+            <a:r>
+              <a:rPr lang="ru-RU" dirty="0"/>
+              <a:t> </a:t>
+            </a:r>
+            <a:r>
+              <a:rPr lang="ru-RU" dirty="0" err="1"/>
               <a:t>ви</a:t>
             </a:r>
             <a:r>
@@ -2989,7 +4737,103 @@
             </a:r>
             <a:r>
               <a:rPr lang="ru-RU" dirty="0"/>
-              <a:t> на 113 рядку.</a:t>
+              <a:t> на 107му та 111му рядку. "</a:t>
+            </a:r>
+            <a:r>
+              <a:rPr lang="ru-RU" dirty="0" err="1"/>
+              <a:t>Слабкі</a:t>
+            </a:r>
+            <a:r>
+              <a:rPr lang="ru-RU" dirty="0"/>
+              <a:t> </a:t>
+            </a:r>
+            <a:r>
+              <a:rPr lang="ru-RU" dirty="0" err="1"/>
+              <a:t>вказівники</a:t>
+            </a:r>
+            <a:r>
+              <a:rPr lang="ru-RU" dirty="0"/>
+              <a:t>" </a:t>
+            </a:r>
+            <a:r>
+              <a:rPr lang="ru-RU" dirty="0" err="1"/>
+              <a:t>дають</a:t>
+            </a:r>
+            <a:r>
+              <a:rPr lang="ru-RU" dirty="0"/>
+              <a:t> </a:t>
+            </a:r>
+            <a:r>
+              <a:rPr lang="ru-RU" dirty="0" err="1"/>
+              <a:t>змогу</a:t>
+            </a:r>
+            <a:r>
+              <a:rPr lang="ru-RU" dirty="0"/>
+              <a:t> </a:t>
+            </a:r>
+            <a:r>
+              <a:rPr lang="ru-RU" dirty="0" err="1"/>
+              <a:t>збирачу</a:t>
+            </a:r>
+            <a:r>
+              <a:rPr lang="ru-RU" dirty="0"/>
+              <a:t> </a:t>
+            </a:r>
+            <a:r>
+              <a:rPr lang="ru-RU" dirty="0" err="1"/>
+              <a:t>сміття</a:t>
+            </a:r>
+            <a:r>
+              <a:rPr lang="ru-RU" dirty="0"/>
+              <a:t> </a:t>
+            </a:r>
+            <a:r>
+              <a:rPr lang="ru-RU" dirty="0" err="1"/>
+              <a:t>видаляти</a:t>
+            </a:r>
+            <a:r>
+              <a:rPr lang="ru-RU" dirty="0"/>
+              <a:t> </a:t>
+            </a:r>
+            <a:r>
+              <a:rPr lang="ru-RU" dirty="0" err="1"/>
+              <a:t>збережені</a:t>
+            </a:r>
+            <a:r>
+              <a:rPr lang="ru-RU" dirty="0"/>
+              <a:t> </a:t>
+            </a:r>
+            <a:r>
+              <a:rPr lang="ru-RU" dirty="0" err="1"/>
+              <a:t>буфери</a:t>
+            </a:r>
+            <a:r>
+              <a:rPr lang="ru-RU" dirty="0"/>
+              <a:t> автоматично при </a:t>
+            </a:r>
+            <a:r>
+              <a:rPr lang="ru-RU" dirty="0" err="1"/>
+              <a:t>високому</a:t>
+            </a:r>
+            <a:r>
+              <a:rPr lang="ru-RU" dirty="0"/>
+              <a:t> </a:t>
+            </a:r>
+            <a:r>
+              <a:rPr lang="ru-RU" dirty="0" err="1"/>
+              <a:t>навантаженні</a:t>
+            </a:r>
+            <a:r>
+              <a:rPr lang="ru-RU" dirty="0"/>
+              <a:t> на </a:t>
+            </a:r>
+            <a:r>
+              <a:rPr lang="ru-RU" dirty="0" err="1"/>
+              <a:t>сервіс</a:t>
+            </a:r>
+            <a:r>
+              <a:rPr lang="ru-RU" dirty="0"/>
+              <a:t>.</a:t>
             </a:r>
             <a:endParaRPr lang="en-GB" dirty="0"/>
           </a:p>
@@ -3094,7 +4938,7 @@
             </a:r>
             <a:r>
               <a:rPr lang="ru-RU" dirty="0"/>
-              <a:t>  </a:t>
+              <a:t> </a:t>
             </a:r>
             <a:r>
               <a:rPr lang="ru-RU" dirty="0" err="1"/>
@@ -3102,11 +4946,11 @@
             </a:r>
             <a:r>
               <a:rPr lang="ru-RU" dirty="0"/>
-              <a:t>, задача </a:t>
-            </a:r>
-            <a:r>
-              <a:rPr lang="ru-RU" dirty="0" err="1"/>
-              <a:t>створення</a:t>
+              <a:t>, </a:t>
+            </a:r>
+            <a:r>
+              <a:rPr lang="ru-RU" dirty="0" err="1"/>
+              <a:t>необхідність</a:t>
             </a:r>
             <a:r>
               <a:rPr lang="ru-RU" dirty="0"/>
@@ -3114,7 +4958,7 @@
             </a:r>
             <a:r>
               <a:rPr lang="ru-RU" dirty="0" err="1"/>
-              <a:t>ефективного</a:t>
+              <a:t>мати</a:t>
             </a:r>
             <a:r>
               <a:rPr lang="ru-RU" dirty="0"/>
@@ -3122,15 +4966,15 @@
             </a:r>
             <a:r>
               <a:rPr lang="ru-RU" dirty="0" err="1"/>
-              <a:t>інструменту</a:t>
-            </a:r>
-            <a:r>
-              <a:rPr lang="ru-RU" dirty="0"/>
-              <a:t> для </a:t>
-            </a:r>
-            <a:r>
-              <a:rPr lang="ru-RU" dirty="0" err="1"/>
-              <a:t>миттєвого</a:t>
+              <a:t>ефективний</a:t>
+            </a:r>
+            <a:r>
+              <a:rPr lang="ru-RU" dirty="0"/>
+              <a:t> та </a:t>
+            </a:r>
+            <a:r>
+              <a:rPr lang="ru-RU" dirty="0" err="1"/>
+              <a:t>зручний</a:t>
             </a:r>
             <a:r>
               <a:rPr lang="ru-RU" dirty="0"/>
@@ -3138,11 +4982,11 @@
             </a:r>
             <a:r>
               <a:rPr lang="ru-RU" dirty="0" err="1"/>
-              <a:t>отримання</a:t>
-            </a:r>
-            <a:r>
-              <a:rPr lang="ru-RU" dirty="0"/>
-              <a:t> доступу до </a:t>
+              <a:t>інструмент</a:t>
+            </a:r>
+            <a:r>
+              <a:rPr lang="ru-RU" dirty="0"/>
+              <a:t> для доступу до </a:t>
             </a:r>
             <a:r>
               <a:rPr lang="ru-RU" dirty="0" err="1"/>
@@ -3158,6 +5002,22 @@
             </a:r>
             <a:r>
               <a:rPr lang="ru-RU" dirty="0"/>
+              <a:t> з будь-</a:t>
+            </a:r>
+            <a:r>
+              <a:rPr lang="ru-RU" dirty="0" err="1"/>
+              <a:t>якої</a:t>
+            </a:r>
+            <a:r>
+              <a:rPr lang="ru-RU" dirty="0"/>
+              <a:t> точки </a:t>
+            </a:r>
+            <a:r>
+              <a:rPr lang="ru-RU" dirty="0" err="1"/>
+              <a:t>світу</a:t>
+            </a:r>
+            <a:r>
+              <a:rPr lang="ru-RU" dirty="0"/>
               <a:t> є </a:t>
             </a:r>
             <a:r>
@@ -3166,7 +5026,7 @@
             </a:r>
             <a:r>
               <a:rPr lang="ru-RU" dirty="0"/>
-              <a:t>.</a:t>
+              <a:t>. </a:t>
             </a:r>
             <a:endParaRPr lang="en-GB" dirty="0"/>
           </a:p>
@@ -3311,7 +5171,95 @@
             </a:r>
             <a:r>
               <a:rPr lang="ru-RU" dirty="0"/>
-              <a:t>.</a:t>
+              <a:t>. </a:t>
+            </a:r>
+            <a:r>
+              <a:rPr lang="ru-RU" dirty="0" err="1"/>
+              <a:t>Зокрема</a:t>
+            </a:r>
+            <a:r>
+              <a:rPr lang="ru-RU" dirty="0"/>
+              <a:t>, </a:t>
+            </a:r>
+            <a:r>
+              <a:rPr lang="ru-RU" dirty="0" err="1"/>
+              <a:t>частина</a:t>
+            </a:r>
+            <a:r>
+              <a:rPr lang="ru-RU" dirty="0"/>
+              <a:t> </a:t>
+            </a:r>
+            <a:r>
+              <a:rPr lang="ru-RU" dirty="0" err="1"/>
+              <a:t>запиту</a:t>
+            </a:r>
+            <a:r>
+              <a:rPr lang="ru-RU" dirty="0"/>
+              <a:t> </a:t>
+            </a:r>
+            <a:r>
+              <a:rPr lang="ru-RU" dirty="0" err="1"/>
+              <a:t>щодо</a:t>
+            </a:r>
+            <a:r>
+              <a:rPr lang="ru-RU" dirty="0"/>
+              <a:t> </a:t>
+            </a:r>
+            <a:r>
+              <a:rPr lang="ru-RU" dirty="0" err="1"/>
+              <a:t>сортування</a:t>
+            </a:r>
+            <a:r>
+              <a:rPr lang="ru-RU" dirty="0"/>
+              <a:t> представлена на 101му рядку, а </a:t>
+            </a:r>
+            <a:r>
+              <a:rPr lang="ru-RU" dirty="0" err="1"/>
+              <a:t>підрахунок</a:t>
+            </a:r>
+            <a:r>
+              <a:rPr lang="ru-RU" dirty="0"/>
+              <a:t> </a:t>
+            </a:r>
+            <a:r>
+              <a:rPr lang="ru-RU" dirty="0" err="1"/>
+              <a:t>кількості</a:t>
+            </a:r>
+            <a:r>
+              <a:rPr lang="ru-RU" dirty="0"/>
+              <a:t> </a:t>
+            </a:r>
+            <a:r>
+              <a:rPr lang="ru-RU" dirty="0" err="1"/>
+              <a:t>елементів</a:t>
+            </a:r>
+            <a:r>
+              <a:rPr lang="ru-RU" dirty="0"/>
+              <a:t> у </a:t>
+            </a:r>
+            <a:r>
+              <a:rPr lang="ru-RU" dirty="0" err="1"/>
+              <a:t>результаті</a:t>
+            </a:r>
+            <a:r>
+              <a:rPr lang="ru-RU" dirty="0"/>
+              <a:t> для </a:t>
+            </a:r>
+            <a:r>
+              <a:rPr lang="ru-RU" dirty="0" err="1"/>
+              <a:t>подальшої</a:t>
+            </a:r>
+            <a:r>
+              <a:rPr lang="ru-RU" dirty="0"/>
+              <a:t> </a:t>
+            </a:r>
+            <a:r>
+              <a:rPr lang="ru-RU" dirty="0" err="1"/>
+              <a:t>пагінації</a:t>
+            </a:r>
+            <a:r>
+              <a:rPr lang="ru-RU" dirty="0"/>
+              <a:t>: на 105му.</a:t>
             </a:r>
             <a:endParaRPr lang="en-GB" dirty="0"/>
           </a:p>
@@ -3448,7 +5396,75 @@
             </a:r>
             <a:r>
               <a:rPr lang="ru-RU" dirty="0"/>
-              <a:t> Go.</a:t>
+              <a:t> Go, </a:t>
+            </a:r>
+            <a:r>
+              <a:rPr lang="uk-UA" dirty="0"/>
+              <a:t>додаткового </a:t>
+            </a:r>
+            <a:r>
+              <a:rPr lang="ru-RU" dirty="0"/>
+              <a:t>пакету </a:t>
+            </a:r>
+            <a:r>
+              <a:rPr lang="ru-RU" dirty="0" err="1"/>
+              <a:t>testi</a:t>
+            </a:r>
+            <a:r>
+              <a:rPr lang="en-GB" dirty="0" err="1"/>
+              <a:t>fy</a:t>
+            </a:r>
+            <a:r>
+              <a:rPr lang="ru-RU" dirty="0"/>
+              <a:t> та </a:t>
+            </a:r>
+            <a:r>
+              <a:rPr lang="ru-RU" dirty="0" err="1"/>
+              <a:t>моків</a:t>
+            </a:r>
+            <a:r>
+              <a:rPr lang="ru-RU" dirty="0"/>
+              <a:t>, </a:t>
+            </a:r>
+            <a:r>
+              <a:rPr lang="ru-RU" dirty="0" err="1"/>
+              <a:t>створених</a:t>
+            </a:r>
+            <a:r>
+              <a:rPr lang="ru-RU" dirty="0"/>
+              <a:t> з </a:t>
+            </a:r>
+            <a:r>
+              <a:rPr lang="ru-RU" dirty="0" err="1"/>
+              <a:t>використанням</a:t>
+            </a:r>
+            <a:r>
+              <a:rPr lang="ru-RU" dirty="0"/>
+              <a:t> </a:t>
+            </a:r>
+            <a:r>
+              <a:rPr lang="ru-RU" dirty="0" err="1"/>
+              <a:t>підходу</a:t>
+            </a:r>
+            <a:r>
+              <a:rPr lang="ru-RU" dirty="0"/>
+              <a:t> </a:t>
+            </a:r>
+            <a:r>
+              <a:rPr lang="en-GB" dirty="0"/>
+              <a:t>“</a:t>
+            </a:r>
+            <a:r>
+              <a:rPr lang="en-GB" dirty="0" err="1"/>
+              <a:t>codegen</a:t>
+            </a:r>
+            <a:r>
+              <a:rPr lang="en-GB" dirty="0"/>
+              <a:t>”</a:t>
+            </a:r>
+            <a:r>
+              <a:rPr lang="ru-RU" dirty="0"/>
+              <a:t>.</a:t>
             </a:r>
             <a:endParaRPr lang="en-GB" dirty="0"/>
           </a:p>
@@ -3565,7 +5581,15 @@
             </a:r>
             <a:r>
               <a:rPr lang="ru-RU" dirty="0"/>
-              <a:t> також </a:t>
+              <a:t> </a:t>
+            </a:r>
+            <a:r>
+              <a:rPr lang="uk-UA" dirty="0"/>
+              <a:t>додатково</a:t>
+            </a:r>
+            <a:r>
+              <a:rPr lang="ru-RU" dirty="0"/>
+              <a:t> </a:t>
             </a:r>
             <a:r>
               <a:rPr lang="ru-RU" dirty="0" err="1"/>
@@ -3577,7 +5601,7 @@
             </a:r>
             <a:r>
               <a:rPr lang="ru-RU" dirty="0" err="1"/>
-              <a:t>функції</a:t>
+              <a:t>можливості</a:t>
             </a:r>
             <a:r>
               <a:rPr lang="ru-RU" dirty="0"/>
@@ -4099,6 +6123,79 @@
 </p:notes>
 </file>
 
+<file path=ppt/notesSlides/notesSlide26.xml><?xml version="1.0" encoding="utf-8"?>
+<p:notes xmlns:a="http://schemas.openxmlformats.org/drawingml/2006/main" xmlns:r="http://schemas.openxmlformats.org/officeDocument/2006/relationships" xmlns:p="http://schemas.openxmlformats.org/presentationml/2006/main">
+  <p:cSld>
+    <p:spTree>
+      <p:nvGrpSpPr>
+        <p:cNvPr id="1" name=""/>
+        <p:cNvGrpSpPr/>
+        <p:nvPr/>
+      </p:nvGrpSpPr>
+      <p:grpSpPr>
+        <a:xfrm>
+          <a:off x="0" y="0"/>
+          <a:ext cx="0" cy="0"/>
+          <a:chOff x="0" y="0"/>
+          <a:chExt cx="0" cy="0"/>
+        </a:xfrm>
+      </p:grpSpPr>
+      <p:sp>
+        <p:nvSpPr>
+          <p:cNvPr id="2" name="Slide Image Placeholder 1"/>
+          <p:cNvSpPr>
+            <a:spLocks noGrp="1" noRot="1" noChangeAspect="1"/>
+          </p:cNvSpPr>
+          <p:nvPr>
+            <p:ph type="sldImg"/>
+          </p:nvPr>
+        </p:nvSpPr>
+        <p:spPr>
+          <a:xfrm>
+            <a:off x="381000" y="685800"/>
+            <a:ext cx="6096000" cy="3429000"/>
+          </a:xfrm>
+        </p:spPr>
+      </p:sp>
+      <p:sp>
+        <p:nvSpPr>
+          <p:cNvPr id="3" name="Notes Placeholder 2"/>
+          <p:cNvSpPr>
+            <a:spLocks noGrp="1"/>
+          </p:cNvSpPr>
+          <p:nvPr>
+            <p:ph type="body" idx="1"/>
+          </p:nvPr>
+        </p:nvSpPr>
+        <p:spPr/>
+        <p:txBody>
+          <a:bodyPr/>
+          <a:lstStyle/>
+          <a:p>
+            <a:pPr marL="158750" indent="0">
+              <a:buNone/>
+            </a:pPr>
+            <a:r>
+              <a:rPr lang="uk-UA" dirty="0"/>
+              <a:t>Дякую Вам за увагу та з радістю готовий відповісти на ваші запитання.</a:t>
+            </a:r>
+            <a:endParaRPr lang="en-GB" dirty="0"/>
+          </a:p>
+        </p:txBody>
+      </p:sp>
+    </p:spTree>
+    <p:extLst>
+      <p:ext uri="{BB962C8B-B14F-4D97-AF65-F5344CB8AC3E}">
+        <p14:creationId xmlns:p14="http://schemas.microsoft.com/office/powerpoint/2010/main" val="1840519107"/>
+      </p:ext>
+    </p:extLst>
+  </p:cSld>
+  <p:clrMapOvr>
+    <a:masterClrMapping/>
+  </p:clrMapOvr>
+</p:notes>
+</file>
+
 <file path=ppt/notesSlides/notesSlide3.xml><?xml version="1.0" encoding="utf-8"?>
 <p:notes xmlns:a="http://schemas.openxmlformats.org/drawingml/2006/main" xmlns:r="http://schemas.openxmlformats.org/officeDocument/2006/relationships" xmlns:p="http://schemas.openxmlformats.org/presentationml/2006/main">
   <p:cSld>
@@ -4458,7 +6555,15 @@
             </a:r>
             <a:r>
               <a:rPr lang="ru-RU" dirty="0"/>
-              <a:t> системах все </a:t>
+              <a:t> </a:t>
+            </a:r>
+            <a:r>
+              <a:rPr lang="ru-RU" dirty="0" err="1"/>
+              <a:t>застосунках</a:t>
+            </a:r>
+            <a:r>
+              <a:rPr lang="ru-RU" dirty="0"/>
+              <a:t> все </a:t>
             </a:r>
             <a:r>
               <a:rPr lang="ru-RU" dirty="0" err="1"/>
@@ -4469,20 +6574,20 @@
               <a:t> затруднений, а </a:t>
             </a:r>
             <a:r>
+              <a:rPr lang="uk-UA" dirty="0"/>
+              <a:t>їх</a:t>
+            </a:r>
+            <a:r>
+              <a:rPr lang="ru-RU" dirty="0"/>
+              <a:t> </a:t>
+            </a:r>
+            <a:r>
               <a:rPr lang="ru-RU" dirty="0" err="1"/>
               <a:t>безпека</a:t>
             </a:r>
             <a:r>
               <a:rPr lang="ru-RU" dirty="0"/>
-              <a:t> </a:t>
-            </a:r>
-            <a:r>
-              <a:rPr lang="ru-RU" dirty="0" err="1"/>
-              <a:t>зазначених</a:t>
-            </a:r>
-            <a:r>
-              <a:rPr lang="ru-RU" dirty="0"/>
-              <a:t> систем часто </a:t>
+              <a:t> часто </a:t>
             </a:r>
             <a:r>
               <a:rPr lang="ru-RU" dirty="0" err="1"/>
@@ -4643,7 +6748,7 @@
             </a:r>
             <a:r>
               <a:rPr lang="ru-RU" dirty="0" err="1"/>
-              <a:t>відсутність</a:t>
+              <a:t>погану</a:t>
             </a:r>
             <a:r>
               <a:rPr lang="ru-RU" dirty="0"/>
@@ -4683,15 +6788,23 @@
             </a:r>
             <a:r>
               <a:rPr lang="ru-RU" dirty="0" err="1"/>
-              <a:t>закненість</a:t>
-            </a:r>
-            <a:r>
-              <a:rPr lang="ru-RU" dirty="0"/>
-              <a:t> на </a:t>
-            </a:r>
-            <a:r>
-              <a:rPr lang="ru-RU" dirty="0" err="1"/>
-              <a:t>екосистемі</a:t>
+              <a:t>закритість</a:t>
+            </a:r>
+            <a:r>
+              <a:rPr lang="ru-RU" dirty="0"/>
+              <a:t> </a:t>
+            </a:r>
+            <a:r>
+              <a:rPr lang="ru-RU" dirty="0" err="1"/>
+              <a:t>його</a:t>
+            </a:r>
+            <a:r>
+              <a:rPr lang="ru-RU" dirty="0"/>
+              <a:t> </a:t>
+            </a:r>
+            <a:r>
+              <a:rPr lang="ru-RU" dirty="0" err="1"/>
+              <a:t>екосистеми</a:t>
             </a:r>
             <a:r>
               <a:rPr lang="ru-RU" dirty="0"/>
@@ -4703,19 +6816,11 @@
             </a:r>
             <a:r>
               <a:rPr lang="ru-RU" dirty="0"/>
-              <a:t> не </a:t>
-            </a:r>
-            <a:r>
-              <a:rPr lang="ru-RU" dirty="0" err="1"/>
-              <a:t>дає</a:t>
-            </a:r>
-            <a:r>
-              <a:rPr lang="ru-RU" dirty="0"/>
               <a:t> </a:t>
             </a:r>
             <a:r>
               <a:rPr lang="ru-RU" dirty="0" err="1"/>
-              <a:t>змогу</a:t>
+              <a:t>виключає</a:t>
             </a:r>
             <a:r>
               <a:rPr lang="ru-RU" dirty="0"/>
@@ -4723,7 +6828,7 @@
             </a:r>
             <a:r>
               <a:rPr lang="ru-RU" dirty="0" err="1"/>
-              <a:t>використовувати</a:t>
+              <a:t>можливість</a:t>
             </a:r>
             <a:r>
               <a:rPr lang="ru-RU" dirty="0"/>
@@ -4731,7 +6836,7 @@
             </a:r>
             <a:r>
               <a:rPr lang="ru-RU" dirty="0" err="1"/>
-              <a:t>його</a:t>
+              <a:t>використання</a:t>
             </a:r>
             <a:r>
               <a:rPr lang="ru-RU" dirty="0"/>
@@ -4916,11 +7021,19 @@
             </a:r>
             <a:r>
               <a:rPr lang="ru-RU" dirty="0"/>
+              <a:t> також </a:t>
+            </a:r>
+            <a:r>
+              <a:rPr lang="ru-RU" dirty="0" err="1"/>
+              <a:t>аналогічні</a:t>
+            </a:r>
+            <a:r>
+              <a:rPr lang="ru-RU" dirty="0"/>
               <a:t> </a:t>
             </a:r>
             <a:r>
               <a:rPr lang="ru-RU" dirty="0" err="1"/>
-              <a:t>аналогічні</a:t>
+              <a:t>минулій</a:t>
             </a:r>
             <a:r>
               <a:rPr lang="ru-RU" dirty="0"/>
@@ -4928,7 +7041,23 @@
             </a:r>
             <a:r>
               <a:rPr lang="ru-RU" dirty="0" err="1"/>
-              <a:t>минулій</a:t>
+              <a:t>системі</a:t>
+            </a:r>
+            <a:r>
+              <a:rPr lang="ru-RU" dirty="0"/>
+              <a:t>, </a:t>
+            </a:r>
+            <a:r>
+              <a:rPr lang="ru-RU" dirty="0" err="1"/>
+              <a:t>але</a:t>
+            </a:r>
+            <a:r>
+              <a:rPr lang="ru-RU" dirty="0"/>
+              <a:t> до них </a:t>
+            </a:r>
+            <a:r>
+              <a:rPr lang="ru-RU" dirty="0" err="1"/>
+              <a:t>додається</a:t>
             </a:r>
             <a:r>
               <a:rPr lang="ru-RU" dirty="0"/>
@@ -4936,23 +7065,7 @@
             </a:r>
             <a:r>
               <a:rPr lang="ru-RU" dirty="0" err="1"/>
-              <a:t>системі</a:t>
-            </a:r>
-            <a:r>
-              <a:rPr lang="ru-RU" dirty="0"/>
-              <a:t>, </a:t>
-            </a:r>
-            <a:r>
-              <a:rPr lang="ru-RU" dirty="0" err="1"/>
-              <a:t>але</a:t>
-            </a:r>
-            <a:r>
-              <a:rPr lang="ru-RU" dirty="0"/>
-              <a:t> до них </a:t>
-            </a:r>
-            <a:r>
-              <a:rPr lang="ru-RU" dirty="0" err="1"/>
-              <a:t>додається</a:t>
+              <a:t>посередня</a:t>
             </a:r>
             <a:r>
               <a:rPr lang="ru-RU" dirty="0"/>
@@ -4960,7 +7073,7 @@
             </a:r>
             <a:r>
               <a:rPr lang="ru-RU" dirty="0" err="1"/>
-              <a:t>посередня</a:t>
+              <a:t>загальна</a:t>
             </a:r>
             <a:r>
               <a:rPr lang="ru-RU" dirty="0"/>
@@ -5185,7 +7298,39 @@
             </a:r>
             <a:r>
               <a:rPr lang="ru-RU" dirty="0"/>
-              <a:t>.</a:t>
+              <a:t> та </a:t>
+            </a:r>
+            <a:r>
+              <a:rPr lang="ru-RU" dirty="0" err="1"/>
+              <a:t>недостатню</a:t>
+            </a:r>
+            <a:r>
+              <a:rPr lang="ru-RU" dirty="0"/>
+              <a:t> </a:t>
+            </a:r>
+            <a:r>
+              <a:rPr lang="ru-RU" dirty="0" err="1"/>
+              <a:t>швидкість</a:t>
+            </a:r>
+            <a:r>
+              <a:rPr lang="ru-RU" dirty="0"/>
+              <a:t> </a:t>
+            </a:r>
+            <a:r>
+              <a:rPr lang="ru-RU" dirty="0" err="1"/>
+              <a:t>завантаження</a:t>
+            </a:r>
+            <a:r>
+              <a:rPr lang="ru-RU" dirty="0"/>
+              <a:t> </a:t>
+            </a:r>
+            <a:r>
+              <a:rPr lang="ru-RU" dirty="0" err="1"/>
+              <a:t>даних</a:t>
+            </a:r>
+            <a:r>
+              <a:rPr lang="ru-RU" dirty="0"/>
+              <a:t> з сервера.</a:t>
             </a:r>
             <a:endParaRPr lang="en-GB" dirty="0"/>
           </a:p>
@@ -5422,8 +7567,20 @@
               <a:buNone/>
             </a:pPr>
             <a:r>
-              <a:rPr lang="ru-RU" dirty="0" err="1"/>
-              <a:t>Користувач</a:t>
+              <a:rPr lang="ru-RU" dirty="0"/>
+              <a:t>В першу </a:t>
+            </a:r>
+            <a:r>
+              <a:rPr lang="ru-RU" dirty="0" err="1"/>
+              <a:t>чергу</a:t>
+            </a:r>
+            <a:r>
+              <a:rPr lang="ru-RU" dirty="0"/>
+              <a:t>, </a:t>
+            </a:r>
+            <a:r>
+              <a:rPr lang="ru-RU" dirty="0" err="1"/>
+              <a:t>користувач</a:t>
             </a:r>
             <a:r>
               <a:rPr lang="ru-RU" dirty="0"/>
@@ -5462,20 +7619,64 @@
               <a:t> </a:t>
             </a:r>
             <a:r>
-              <a:rPr lang="en-GB" dirty="0"/>
-              <a:t>CRUD </a:t>
-            </a:r>
-            <a:r>
-              <a:rPr lang="ru-RU" dirty="0" err="1"/>
-              <a:t>операції</a:t>
-            </a:r>
-            <a:r>
-              <a:rPr lang="ru-RU" dirty="0"/>
-              <a:t> над файлами та </a:t>
-            </a:r>
-            <a:r>
-              <a:rPr lang="ru-RU" dirty="0" err="1"/>
-              <a:t>директоріями</a:t>
+              <a:rPr lang="ru-RU" dirty="0" err="1"/>
+              <a:t>функції</a:t>
+            </a:r>
+            <a:r>
+              <a:rPr lang="ru-RU" dirty="0"/>
+              <a:t> </a:t>
+            </a:r>
+            <a:r>
+              <a:rPr lang="ru-RU" dirty="0" err="1"/>
+              <a:t>реєстрації</a:t>
+            </a:r>
+            <a:r>
+              <a:rPr lang="ru-RU" dirty="0"/>
+              <a:t> та </a:t>
+            </a:r>
+            <a:r>
+              <a:rPr lang="ru-RU" dirty="0" err="1"/>
+              <a:t>авторизації</a:t>
+            </a:r>
+            <a:r>
+              <a:rPr lang="ru-RU" dirty="0"/>
+              <a:t>. Також </a:t>
+            </a:r>
+            <a:r>
+              <a:rPr lang="ru-RU" dirty="0" err="1"/>
+              <a:t>затребуваними</a:t>
+            </a:r>
+            <a:r>
+              <a:rPr lang="ru-RU" dirty="0"/>
+              <a:t> є </a:t>
+            </a:r>
+            <a:r>
+              <a:rPr lang="ru-RU" dirty="0" err="1"/>
+              <a:t>можливості</a:t>
+            </a:r>
+            <a:r>
+              <a:rPr lang="ru-RU" dirty="0"/>
+              <a:t> </a:t>
+            </a:r>
+            <a:r>
+              <a:rPr lang="ru-RU" dirty="0" err="1"/>
+              <a:t>завантаження</a:t>
+            </a:r>
+            <a:r>
+              <a:rPr lang="ru-RU" dirty="0"/>
+              <a:t> та </a:t>
+            </a:r>
+            <a:r>
+              <a:rPr lang="ru-RU" dirty="0" err="1"/>
+              <a:t>вивантаження</a:t>
+            </a:r>
+            <a:r>
+              <a:rPr lang="ru-RU" dirty="0"/>
+              <a:t> </a:t>
+            </a:r>
+            <a:r>
+              <a:rPr lang="ru-RU" dirty="0" err="1"/>
+              <a:t>файлів</a:t>
             </a:r>
             <a:r>
               <a:rPr lang="ru-RU" dirty="0"/>
@@ -5483,7 +7684,15 @@
             </a:r>
             <a:r>
               <a:rPr lang="ru-RU" dirty="0" err="1"/>
-              <a:t>можливості</a:t>
+              <a:t>створення</a:t>
+            </a:r>
+            <a:r>
+              <a:rPr lang="ru-RU" dirty="0"/>
+              <a:t> та </a:t>
+            </a:r>
+            <a:r>
+              <a:rPr lang="ru-RU" dirty="0" err="1"/>
+              <a:t>видалення</a:t>
             </a:r>
             <a:r>
               <a:rPr lang="ru-RU" dirty="0"/>
@@ -5491,7 +7700,103 @@
             </a:r>
             <a:r>
               <a:rPr lang="ru-RU" dirty="0" err="1"/>
-              <a:t>фільтрації</a:t>
+              <a:t>директорій</a:t>
+            </a:r>
+            <a:r>
+              <a:rPr lang="ru-RU" dirty="0"/>
+              <a:t>. </a:t>
+            </a:r>
+            <a:r>
+              <a:rPr lang="ru-RU" dirty="0" err="1"/>
+              <a:t>Важливі</a:t>
+            </a:r>
+            <a:r>
+              <a:rPr lang="ru-RU" dirty="0"/>
+              <a:t> також </a:t>
+            </a:r>
+            <a:r>
+              <a:rPr lang="ru-RU" dirty="0" err="1"/>
+              <a:t>переміщення</a:t>
+            </a:r>
+            <a:r>
+              <a:rPr lang="ru-RU" dirty="0"/>
+              <a:t>, </a:t>
+            </a:r>
+            <a:r>
+              <a:rPr lang="ru-RU" dirty="0" err="1"/>
+              <a:t>зміна</a:t>
+            </a:r>
+            <a:r>
+              <a:rPr lang="ru-RU" dirty="0"/>
+              <a:t> </a:t>
+            </a:r>
+            <a:r>
+              <a:rPr lang="ru-RU" dirty="0" err="1"/>
+              <a:t>назви</a:t>
+            </a:r>
+            <a:r>
+              <a:rPr lang="ru-RU" dirty="0"/>
+              <a:t>, </a:t>
+            </a:r>
+            <a:r>
+              <a:rPr lang="ru-RU" dirty="0" err="1"/>
+              <a:t>пошук</a:t>
+            </a:r>
+            <a:r>
+              <a:rPr lang="ru-RU" dirty="0"/>
+              <a:t>. </a:t>
+            </a:r>
+            <a:r>
+              <a:rPr lang="ru-RU" dirty="0" err="1"/>
+              <a:t>Додатково</a:t>
+            </a:r>
+            <a:r>
+              <a:rPr lang="ru-RU" dirty="0"/>
+              <a:t>, </a:t>
+            </a:r>
+            <a:r>
+              <a:rPr lang="ru-RU" dirty="0" err="1"/>
+              <a:t>необхідними</a:t>
+            </a:r>
+            <a:r>
+              <a:rPr lang="ru-RU" dirty="0"/>
+              <a:t> </a:t>
+            </a:r>
+            <a:r>
+              <a:rPr lang="ru-RU" dirty="0" err="1"/>
+              <a:t>вбачаються</a:t>
+            </a:r>
+            <a:r>
+              <a:rPr lang="ru-RU" dirty="0"/>
+              <a:t> </a:t>
+            </a:r>
+            <a:r>
+              <a:rPr lang="ru-RU" dirty="0" err="1"/>
+              <a:t>фільтрація</a:t>
+            </a:r>
+            <a:r>
+              <a:rPr lang="ru-RU" dirty="0"/>
+              <a:t> за датою </a:t>
+            </a:r>
+            <a:r>
+              <a:rPr lang="ru-RU" dirty="0" err="1"/>
+              <a:t>створення</a:t>
+            </a:r>
+            <a:r>
+              <a:rPr lang="ru-RU" dirty="0"/>
+              <a:t> й </a:t>
+            </a:r>
+            <a:r>
+              <a:rPr lang="ru-RU" dirty="0" err="1"/>
+              <a:t>оновлення</a:t>
+            </a:r>
+            <a:r>
+              <a:rPr lang="ru-RU" dirty="0"/>
+              <a:t> </a:t>
+            </a:r>
+            <a:r>
+              <a:rPr lang="ru-RU" dirty="0" err="1"/>
+              <a:t>файлів</a:t>
             </a:r>
             <a:r>
               <a:rPr lang="ru-RU" dirty="0"/>
@@ -5499,7 +7804,95 @@
             </a:r>
             <a:r>
               <a:rPr lang="ru-RU" dirty="0" err="1"/>
+              <a:t>директорій</a:t>
+            </a:r>
+            <a:r>
+              <a:rPr lang="ru-RU" dirty="0"/>
+              <a:t> і типом файлу та </a:t>
+            </a:r>
+            <a:r>
+              <a:rPr lang="ru-RU" dirty="0" err="1"/>
               <a:t>сортування</a:t>
+            </a:r>
+            <a:r>
+              <a:rPr lang="ru-RU" dirty="0"/>
+              <a:t> за </a:t>
+            </a:r>
+            <a:r>
+              <a:rPr lang="ru-RU" dirty="0" err="1"/>
+              <a:t>назвою</a:t>
+            </a:r>
+            <a:r>
+              <a:rPr lang="ru-RU" dirty="0"/>
+              <a:t>, датою </a:t>
+            </a:r>
+            <a:r>
+              <a:rPr lang="ru-RU" dirty="0" err="1"/>
+              <a:t>створення</a:t>
+            </a:r>
+            <a:r>
+              <a:rPr lang="ru-RU" dirty="0"/>
+              <a:t> й </a:t>
+            </a:r>
+            <a:r>
+              <a:rPr lang="ru-RU" dirty="0" err="1"/>
+              <a:t>оновлення</a:t>
+            </a:r>
+            <a:r>
+              <a:rPr lang="ru-RU" dirty="0"/>
+              <a:t>, </a:t>
+            </a:r>
+            <a:r>
+              <a:rPr lang="ru-RU" dirty="0" err="1"/>
+              <a:t>розміром</a:t>
+            </a:r>
+            <a:r>
+              <a:rPr lang="ru-RU" dirty="0"/>
+              <a:t>. </a:t>
+            </a:r>
+            <a:r>
+              <a:rPr lang="ru-RU" dirty="0" err="1"/>
+              <a:t>Окрім</a:t>
+            </a:r>
+            <a:r>
+              <a:rPr lang="ru-RU" dirty="0"/>
+              <a:t> </a:t>
+            </a:r>
+            <a:r>
+              <a:rPr lang="ru-RU" dirty="0" err="1"/>
+              <a:t>цього</a:t>
+            </a:r>
+            <a:r>
+              <a:rPr lang="ru-RU" dirty="0"/>
+              <a:t>, </a:t>
+            </a:r>
+            <a:r>
+              <a:rPr lang="ru-RU" dirty="0" err="1"/>
+              <a:t>можливість</a:t>
+            </a:r>
+            <a:r>
+              <a:rPr lang="ru-RU" dirty="0"/>
+              <a:t> </a:t>
+            </a:r>
+            <a:r>
+              <a:rPr lang="ru-RU" dirty="0" err="1"/>
+              <a:t>зміни</a:t>
+            </a:r>
+            <a:r>
+              <a:rPr lang="ru-RU" dirty="0"/>
+              <a:t> режиму </a:t>
+            </a:r>
+            <a:r>
+              <a:rPr lang="ru-RU" dirty="0" err="1"/>
+              <a:t>поширення</a:t>
+            </a:r>
+            <a:r>
+              <a:rPr lang="ru-RU" dirty="0"/>
+              <a:t> файлу є також </a:t>
+            </a:r>
+            <a:r>
+              <a:rPr lang="ru-RU" dirty="0" err="1"/>
+              <a:t>необхідною</a:t>
             </a:r>
             <a:r>
               <a:rPr lang="ru-RU" dirty="0"/>
@@ -35912,7 +38305,7 @@
             </a:r>
             <a:r>
               <a:rPr lang="en-GB" dirty="0"/>
-              <a:t>REST API</a:t>
+              <a:t>REST</a:t>
             </a:r>
           </a:p>
         </p:txBody>
@@ -36080,7 +38473,15 @@
           <a:p>
             <a:r>
               <a:rPr lang="uk-UA" dirty="0"/>
-              <a:t>Унікальний механізм паралельного програмування</a:t>
+              <a:t>Унікальний механізм паралельного програмування (використання «</a:t>
+            </a:r>
+            <a:r>
+              <a:rPr lang="uk-UA" dirty="0" err="1"/>
+              <a:t>горутин</a:t>
+            </a:r>
+            <a:r>
+              <a:rPr lang="uk-UA" dirty="0"/>
+              <a:t>»)</a:t>
             </a:r>
           </a:p>
           <a:p>
@@ -36242,7 +38643,7 @@
           <a:p>
             <a:r>
               <a:rPr lang="uk-UA" dirty="0"/>
-              <a:t>Підтримка агрегованих інструкцій</a:t>
+              <a:t>Підтримка швидких запитів агрегації</a:t>
             </a:r>
           </a:p>
           <a:p>
@@ -36432,7 +38833,7 @@
             </a:r>
             <a:r>
               <a:rPr lang="ru-RU" dirty="0" err="1"/>
-              <a:t>файловий</a:t>
+              <a:t>статичний</a:t>
             </a:r>
             <a:r>
               <a:rPr lang="ru-RU" dirty="0"/>
@@ -36708,8 +39109,8 @@
         </p:nvSpPr>
         <p:spPr>
           <a:xfrm>
-            <a:off x="5563462" y="1742850"/>
-            <a:ext cx="3519600" cy="1657800"/>
+            <a:off x="5624400" y="1359104"/>
+            <a:ext cx="3519600" cy="2425290"/>
           </a:xfrm>
         </p:spPr>
         <p:txBody>
@@ -36718,12 +39119,9 @@
           <a:p>
             <a:r>
               <a:rPr lang="uk-UA" dirty="0"/>
-              <a:t>Взаємодія сервісів автентифікації та </a:t>
-            </a:r>
-            <a:r>
-              <a:rPr lang="en-GB" dirty="0"/>
-              <a:t>API</a:t>
-            </a:r>
+              <a:t>Взаємодія сервісу автентифікації з користувачем та менеджером файлової системи</a:t>
+            </a:r>
+            <a:endParaRPr lang="en-GB" dirty="0"/>
           </a:p>
         </p:txBody>
       </p:sp>
@@ -37072,7 +39470,7 @@
             </a:r>
             <a:r>
               <a:rPr lang="uk-UA" dirty="0"/>
-              <a:t> читання</a:t>
+              <a:t> зчитування</a:t>
             </a:r>
             <a:endParaRPr lang="en-GB" dirty="0"/>
           </a:p>
@@ -37080,10 +39478,10 @@
       </p:sp>
       <p:pic>
         <p:nvPicPr>
-          <p:cNvPr id="4" name="Picture 3">
+          <p:cNvPr id="5" name="Picture 4">
             <a:extLst>
               <a:ext uri="{FF2B5EF4-FFF2-40B4-BE49-F238E27FC236}">
-                <a16:creationId xmlns:a16="http://schemas.microsoft.com/office/drawing/2014/main" id="{8FF4D10C-4123-5C3B-06FD-AF5A4531239F}"/>
+                <a16:creationId xmlns:a16="http://schemas.microsoft.com/office/drawing/2014/main" id="{CACD52B3-9447-9C32-31C6-C6880D6A01BD}"/>
               </a:ext>
             </a:extLst>
           </p:cNvPr>
@@ -37100,8 +39498,8 @@
         </p:blipFill>
         <p:spPr>
           <a:xfrm>
-            <a:off x="698437" y="572494"/>
-            <a:ext cx="4604568" cy="4023360"/>
+            <a:off x="689661" y="540144"/>
+            <a:ext cx="4644339" cy="4071973"/>
           </a:xfrm>
           <a:prstGeom prst="rect">
             <a:avLst/>
@@ -37264,8 +39662,8 @@
         </p:nvSpPr>
         <p:spPr>
           <a:xfrm>
-            <a:off x="6188758" y="1579091"/>
-            <a:ext cx="3519600" cy="1985318"/>
+            <a:off x="6140286" y="1815705"/>
+            <a:ext cx="3519600" cy="1512089"/>
           </a:xfrm>
         </p:spPr>
         <p:txBody>
@@ -37274,15 +39672,7 @@
           <a:p>
             <a:r>
               <a:rPr lang="uk-UA" dirty="0"/>
-              <a:t>Приклад </a:t>
-            </a:r>
-            <a:r>
-              <a:rPr lang="uk-UA" dirty="0" err="1"/>
-              <a:t>агрегаційних</a:t>
-            </a:r>
-            <a:r>
-              <a:rPr lang="uk-UA" dirty="0"/>
-              <a:t> запитів до </a:t>
+              <a:t>Приклад запитів агрегації до </a:t>
             </a:r>
             <a:r>
               <a:rPr lang="en-GB" dirty="0"/>
@@ -37412,7 +39802,7 @@
           <a:p>
             <a:r>
               <a:rPr lang="uk-UA" dirty="0"/>
-              <a:t>Використовувалася вбудована функціональність </a:t>
+              <a:t>Використано вбудовані можливості </a:t>
             </a:r>
             <a:r>
               <a:rPr lang="en-GB" dirty="0"/>
@@ -37569,7 +39959,7 @@
           <a:p>
             <a:r>
               <a:rPr lang="uk-UA" dirty="0"/>
-              <a:t>Використовувалася вбудована функціональність </a:t>
+              <a:t>Використано вбудовані можливості </a:t>
             </a:r>
             <a:r>
               <a:rPr lang="en-GB" dirty="0"/>
@@ -37584,12 +39974,8 @@
               <a:t>DI-</a:t>
             </a:r>
             <a:r>
-              <a:rPr lang="uk-UA" dirty="0" err="1"/>
-              <a:t>котейнера</a:t>
-            </a:r>
-            <a:r>
               <a:rPr lang="uk-UA" dirty="0"/>
-              <a:t> </a:t>
+              <a:t>контейнера </a:t>
             </a:r>
             <a:r>
               <a:rPr lang="en-GB" dirty="0" err="1"/>
@@ -37754,11 +40140,7 @@
           <a:p>
             <a:r>
               <a:rPr lang="uk-UA" dirty="0"/>
-              <a:t>Імітація стандартного </a:t>
-            </a:r>
-            <a:r>
-              <a:rPr lang="uk-UA" dirty="0" err="1"/>
-              <a:t>наватаження</a:t>
+              <a:t>Імітація стандартного навантаження</a:t>
             </a:r>
             <a:endParaRPr lang="en-GB" dirty="0"/>
           </a:p>
@@ -38057,7 +40439,7 @@
                 <a:latin typeface="Times New Roman" panose="02020603050405020304" pitchFamily="18" charset="0"/>
                 <a:ea typeface="MS Mincho" panose="02020609040205080304" pitchFamily="49" charset="-128"/>
               </a:rPr>
-              <a:t>Розроблено архітектуру серверної частини, яка складається з трьох незалежних сервісів: сервісу автентифікації, сервісу метаданих та сервісу файлів. </a:t>
+              <a:t>Розроблено архітектуру серверної частини, яка складається з трьох незалежних сервісів: сервісу автентифікації, менеджеру файлової системи та сервісу файлів. </a:t>
             </a:r>
           </a:p>
           <a:p>
@@ -38067,7 +40449,7 @@
                 <a:latin typeface="Times New Roman" panose="02020603050405020304" pitchFamily="18" charset="0"/>
                 <a:ea typeface="MS Mincho" panose="02020609040205080304" pitchFamily="49" charset="-128"/>
               </a:rPr>
-              <a:t>Застосовано унікальний метод серверної </a:t>
+              <a:t>Розроблено унікальний метод серверної </a:t>
             </a:r>
             <a:r>
               <a:rPr lang="uk-UA" sz="1800" kern="0" dirty="0" err="1">
@@ -38360,10 +40742,13 @@
               </a:rPr>
               <a:t>стрімке зростання обсягів цифрового контенту, що генерується окремими користувачами</a:t>
             </a:r>
-            <a:endParaRPr lang="en-GB" dirty="0">
-              <a:latin typeface="Times New Roman" panose="02020603050405020304" pitchFamily="18" charset="0"/>
-              <a:ea typeface="MS Mincho" panose="02020609040205080304" pitchFamily="49" charset="-128"/>
-            </a:endParaRPr>
+            <a:r>
+              <a:rPr lang="en-GB" dirty="0">
+                <a:latin typeface="Times New Roman" panose="02020603050405020304" pitchFamily="18" charset="0"/>
+                <a:ea typeface="MS Mincho" panose="02020609040205080304" pitchFamily="49" charset="-128"/>
+              </a:rPr>
+              <a:t>.</a:t>
+            </a:r>
           </a:p>
           <a:p>
             <a:r>
@@ -38381,14 +40766,13 @@
               </a:rPr>
               <a:t>марні сервіси зберігання файлів набувають все більшої популярності</a:t>
             </a:r>
-          </a:p>
-          <a:p>
-            <a:r>
-              <a:rPr lang="uk-UA" dirty="0">
+            <a:r>
+              <a:rPr lang="en-GB" sz="1800" kern="0" dirty="0">
+                <a:effectLst/>
                 <a:latin typeface="Times New Roman" panose="02020603050405020304" pitchFamily="18" charset="0"/>
                 <a:ea typeface="MS Mincho" panose="02020609040205080304" pitchFamily="49" charset="-128"/>
               </a:rPr>
-              <a:t>Швидкий потоковий перегляд власного мультимедіа все ще виклик</a:t>
+              <a:t>.</a:t>
             </a:r>
             <a:endParaRPr lang="uk-UA" sz="1800" kern="0" dirty="0">
               <a:effectLst/>
@@ -38398,6 +40782,41 @@
           </a:p>
           <a:p>
             <a:r>
+              <a:rPr lang="uk-UA" dirty="0">
+                <a:latin typeface="Times New Roman" panose="02020603050405020304" pitchFamily="18" charset="0"/>
+                <a:ea typeface="MS Mincho" panose="02020609040205080304" pitchFamily="49" charset="-128"/>
+              </a:rPr>
+              <a:t>Швидкий потоковий перегляд власного мультимедіа</a:t>
+            </a:r>
+            <a:r>
+              <a:rPr lang="en-GB" dirty="0">
+                <a:latin typeface="Times New Roman" panose="02020603050405020304" pitchFamily="18" charset="0"/>
+                <a:ea typeface="MS Mincho" panose="02020609040205080304" pitchFamily="49" charset="-128"/>
+              </a:rPr>
+              <a:t> </a:t>
+            </a:r>
+            <a:r>
+              <a:rPr lang="uk-UA" dirty="0">
+                <a:latin typeface="Times New Roman" panose="02020603050405020304" pitchFamily="18" charset="0"/>
+                <a:ea typeface="MS Mincho" panose="02020609040205080304" pitchFamily="49" charset="-128"/>
+              </a:rPr>
+              <a:t>— все ще виклик</a:t>
+            </a:r>
+            <a:r>
+              <a:rPr lang="en-GB" dirty="0">
+                <a:latin typeface="Times New Roman" panose="02020603050405020304" pitchFamily="18" charset="0"/>
+                <a:ea typeface="MS Mincho" panose="02020609040205080304" pitchFamily="49" charset="-128"/>
+              </a:rPr>
+              <a:t>.</a:t>
+            </a:r>
+            <a:endParaRPr lang="uk-UA" sz="1800" kern="0" dirty="0">
+              <a:effectLst/>
+              <a:latin typeface="Times New Roman" panose="02020603050405020304" pitchFamily="18" charset="0"/>
+              <a:ea typeface="MS Mincho" panose="02020609040205080304" pitchFamily="49" charset="-128"/>
+            </a:endParaRPr>
+          </a:p>
+          <a:p>
+            <a:r>
               <a:rPr lang="uk-UA" sz="1800" kern="0" dirty="0">
                 <a:effectLst/>
                 <a:latin typeface="Times New Roman" panose="02020603050405020304" pitchFamily="18" charset="0"/>
@@ -38410,7 +40829,7 @@
                 <a:latin typeface="Times New Roman" panose="02020603050405020304" pitchFamily="18" charset="0"/>
                 <a:ea typeface="MS Mincho" panose="02020609040205080304" pitchFamily="49" charset="-128"/>
               </a:rPr>
-              <a:t>вільного доступу с будь-якої точки світу постають все гостріше</a:t>
+              <a:t>вільного доступу с будь-якої точки світу постають все гостріше.</a:t>
             </a:r>
           </a:p>
           <a:p>
@@ -40057,10 +42476,10 @@
       </p:sp>
       <p:pic>
         <p:nvPicPr>
-          <p:cNvPr id="4" name="Picture 3" descr="A diagram of a diagram&#10;&#10;AI-generated content may be incorrect.">
+          <p:cNvPr id="5" name="Picture 4" descr="A diagram of a person's diagram&#10;&#10;AI-generated content may be incorrect.">
             <a:extLst>
               <a:ext uri="{FF2B5EF4-FFF2-40B4-BE49-F238E27FC236}">
-                <a16:creationId xmlns:a16="http://schemas.microsoft.com/office/drawing/2014/main" id="{AE315A82-F314-8CE4-CC55-5B591F094FC9}"/>
+                <a16:creationId xmlns:a16="http://schemas.microsoft.com/office/drawing/2014/main" id="{13C38C3D-8766-D0D2-4C9D-384AF23F377F}"/>
               </a:ext>
             </a:extLst>
           </p:cNvPr>
@@ -40070,34 +42489,19 @@
           <p:nvPr/>
         </p:nvPicPr>
         <p:blipFill>
-          <a:blip r:embed="rId3">
-            <a:extLst>
-              <a:ext uri="{28A0092B-C50C-407E-A947-70E740481C1C}">
-                <a14:useLocalDpi xmlns:a14="http://schemas.microsoft.com/office/drawing/2010/main" val="0"/>
-              </a:ext>
-            </a:extLst>
-          </a:blip>
-          <a:srcRect l="-1097" t="2615" r="11854" b="1623"/>
-          <a:stretch/>
+          <a:blip r:embed="rId3"/>
+          <a:stretch>
+            <a:fillRect/>
+          </a:stretch>
         </p:blipFill>
-        <p:spPr bwMode="auto">
+        <p:spPr>
           <a:xfrm>
-            <a:off x="700087" y="4081"/>
-            <a:ext cx="2933700" cy="5139419"/>
+            <a:off x="711199" y="414586"/>
+            <a:ext cx="3182875" cy="4444434"/>
           </a:xfrm>
           <a:prstGeom prst="rect">
             <a:avLst/>
           </a:prstGeom>
-          <a:noFill/>
-          <a:ln w="9525" cap="flat" cmpd="sng">
-            <a:solidFill>
-              <a:schemeClr val="dk1"/>
-            </a:solidFill>
-            <a:prstDash val="solid"/>
-            <a:round/>
-            <a:headEnd type="none" w="sm" len="sm"/>
-            <a:tailEnd type="none" w="sm" len="sm"/>
-          </a:ln>
         </p:spPr>
       </p:pic>
     </p:spTree>
